--- a/AndroidStudioClientApp/Teach.pptx
+++ b/AndroidStudioClientApp/Teach.pptx
@@ -5,7 +5,7 @@
     <p:sldMasterId id="2147483648" r:id="rId1"/>
   </p:sldMasterIdLst>
   <p:notesMasterIdLst>
-    <p:notesMasterId r:id="rId9"/>
+    <p:notesMasterId r:id="rId10"/>
   </p:notesMasterIdLst>
   <p:sldIdLst>
     <p:sldId id="256" r:id="rId2"/>
@@ -13,8 +13,9 @@
     <p:sldId id="258" r:id="rId4"/>
     <p:sldId id="263" r:id="rId5"/>
     <p:sldId id="264" r:id="rId6"/>
-    <p:sldId id="260" r:id="rId7"/>
-    <p:sldId id="261" r:id="rId8"/>
+    <p:sldId id="265" r:id="rId7"/>
+    <p:sldId id="266" r:id="rId8"/>
+    <p:sldId id="267" r:id="rId9"/>
   </p:sldIdLst>
   <p:sldSz cx="12192000" cy="6858000"/>
   <p:notesSz cx="6858000" cy="9144000"/>
@@ -3328,11 +3329,7 @@
           <a:p>
             <a:r>
               <a:rPr lang="en-US" altLang="zh-TW" dirty="0"/>
-              <a:t>Android </a:t>
-            </a:r>
-            <a:r>
-              <a:rPr lang="en-US" altLang="zh-TW" dirty="0" smtClean="0"/>
-              <a:t>Studio Client App</a:t>
+              <a:t>Android Studio Client App</a:t>
             </a:r>
             <a:endParaRPr lang="zh-TW" altLang="en-US" dirty="0"/>
           </a:p>
@@ -3392,11 +3389,7 @@
           <a:p>
             <a:r>
               <a:rPr lang="en-US" altLang="zh-TW" dirty="0"/>
-              <a:t>1.Install </a:t>
-            </a:r>
-            <a:r>
-              <a:rPr lang="en-US" altLang="zh-TW" dirty="0" smtClean="0"/>
-              <a:t>Android Studio &amp; Create App Project</a:t>
+              <a:t>1.Install Android Studio &amp; Create App Project</a:t>
             </a:r>
             <a:endParaRPr lang="zh-TW" altLang="en-US" dirty="0"/>
           </a:p>
@@ -3426,39 +3419,23 @@
           <a:p>
             <a:r>
               <a:rPr lang="en-US" altLang="zh-TW" dirty="0"/>
-              <a:t>IDE Download</a:t>
-            </a:r>
-            <a:r>
-              <a:rPr lang="en-US" altLang="zh-TW" dirty="0" smtClean="0"/>
-              <a:t>:</a:t>
-            </a:r>
-            <a:r>
-              <a:rPr lang="zh-TW" altLang="en-US" dirty="0" smtClean="0"/>
+              <a:t>IDE Download:</a:t>
+            </a:r>
+            <a:r>
+              <a:rPr lang="zh-TW" altLang="en-US" dirty="0"/>
               <a:t> </a:t>
-            </a:r>
-            <a:r>
-              <a:rPr lang="en-US" altLang="zh-TW" dirty="0" smtClean="0">
-                <a:hlinkClick r:id="rId2"/>
-              </a:rPr>
-              <a:t>https</a:t>
             </a:r>
             <a:r>
               <a:rPr lang="en-US" altLang="zh-TW" dirty="0">
                 <a:hlinkClick r:id="rId2"/>
               </a:rPr>
-              <a:t>://</a:t>
-            </a:r>
-            <a:r>
-              <a:rPr lang="en-US" altLang="zh-TW" dirty="0" smtClean="0">
-                <a:hlinkClick r:id="rId2"/>
-              </a:rPr>
-              <a:t>developer.android.com/studio</a:t>
+              <a:t>https://developer.android.com/studio</a:t>
             </a:r>
             <a:endParaRPr lang="en-US" altLang="zh-TW" dirty="0"/>
           </a:p>
           <a:p>
             <a:r>
-              <a:rPr lang="en-US" altLang="zh-TW" dirty="0" smtClean="0"/>
+              <a:rPr lang="en-US" altLang="zh-TW" dirty="0"/>
               <a:t>		just next, next or download, download…</a:t>
             </a:r>
           </a:p>
@@ -3468,11 +3445,7 @@
           <a:p>
             <a:r>
               <a:rPr lang="en-US" altLang="zh-TW" dirty="0"/>
-              <a:t>Create App </a:t>
-            </a:r>
-            <a:r>
-              <a:rPr lang="en-US" altLang="zh-TW" dirty="0" smtClean="0"/>
-              <a:t>Project:</a:t>
+              <a:t>Create App Project:</a:t>
             </a:r>
           </a:p>
         </p:txBody>
@@ -3578,30 +3551,21 @@
           <a:lstStyle/>
           <a:p>
             <a:r>
-              <a:rPr lang="en-US" altLang="zh-TW" dirty="0" smtClean="0"/>
-              <a:t>New project has ‘activity_main.xml’ &amp; ‘MainActivity.java’.</a:t>
-            </a:r>
-          </a:p>
-          <a:p>
-            <a:r>
               <a:rPr lang="en-US" altLang="zh-TW" dirty="0"/>
-              <a:t>‘activity_main.xml’ </a:t>
-            </a:r>
-            <a:r>
-              <a:rPr lang="en-US" altLang="zh-TW" dirty="0" smtClean="0"/>
-              <a:t>is UI design.</a:t>
-            </a:r>
-          </a:p>
-          <a:p>
-            <a:r>
-              <a:rPr lang="en-US" altLang="zh-TW" dirty="0" smtClean="0"/>
-              <a:t>‘</a:t>
-            </a:r>
+              <a:t>New project has ‘activity_main.xml’ &amp; ‘MainActivity.java’…</a:t>
+            </a:r>
+          </a:p>
+          <a:p>
             <a:r>
               <a:rPr lang="en-US" altLang="zh-TW" dirty="0"/>
-              <a:t>MainActivity.java’ is control Code.</a:t>
-            </a:r>
-            <a:endParaRPr lang="en-US" altLang="zh-TW" dirty="0" smtClean="0"/>
+              <a:t>‘activity_main.xml’ is UI design.</a:t>
+            </a:r>
+          </a:p>
+          <a:p>
+            <a:r>
+              <a:rPr lang="en-US" altLang="zh-TW" dirty="0"/>
+              <a:t>‘MainActivity.java’ is control Code.</a:t>
+            </a:r>
           </a:p>
         </p:txBody>
       </p:sp>
@@ -3629,19 +3593,7 @@
           <a:p>
             <a:r>
               <a:rPr lang="en-US" altLang="zh-TW" dirty="0"/>
-              <a:t>It usually takes some time to </a:t>
-            </a:r>
-            <a:r>
-              <a:rPr lang="en-US" altLang="zh-TW" dirty="0" smtClean="0"/>
-              <a:t>create </a:t>
-            </a:r>
-            <a:r>
-              <a:rPr lang="en-US" altLang="zh-TW" dirty="0"/>
-              <a:t>a new </a:t>
-            </a:r>
-            <a:r>
-              <a:rPr lang="en-US" altLang="zh-TW" dirty="0" smtClean="0"/>
-              <a:t>project.</a:t>
+              <a:t>It usually takes some time to create a new project.</a:t>
             </a:r>
           </a:p>
         </p:txBody>
@@ -3699,7 +3651,7 @@
           <a:lstStyle/>
           <a:p>
             <a:r>
-              <a:rPr lang="en-US" altLang="zh-TW" dirty="0" smtClean="0"/>
+              <a:rPr lang="en-US" altLang="zh-TW" dirty="0"/>
               <a:t>2.Design UI</a:t>
             </a:r>
             <a:endParaRPr lang="zh-TW" altLang="en-US" dirty="0"/>
@@ -3759,7 +3711,7 @@
               <a:tabLst/>
             </a:pPr>
             <a:r>
-              <a:rPr kumimoji="0" lang="zh-TW" altLang="zh-TW" sz="1000" b="0" i="0" u="none" strike="noStrike" cap="none" normalizeH="0" baseline="0" dirty="0" smtClean="0">
+              <a:rPr kumimoji="0" lang="zh-TW" altLang="zh-TW" sz="1000" b="0" i="0" u="none" strike="noStrike" cap="none" normalizeH="0" baseline="0" dirty="0">
                 <a:ln>
                   <a:noFill/>
                 </a:ln>
@@ -3773,7 +3725,7 @@
               <a:t>&lt;?</a:t>
             </a:r>
             <a:r>
-              <a:rPr kumimoji="0" lang="zh-TW" altLang="zh-TW" sz="1000" b="0" i="0" u="none" strike="noStrike" cap="none" normalizeH="0" baseline="0" dirty="0" smtClean="0">
+              <a:rPr kumimoji="0" lang="zh-TW" altLang="zh-TW" sz="1000" b="0" i="0" u="none" strike="noStrike" cap="none" normalizeH="0" baseline="0" dirty="0">
                 <a:ln>
                   <a:noFill/>
                 </a:ln>
@@ -3787,7 +3739,7 @@
               <a:t>xml version</a:t>
             </a:r>
             <a:r>
-              <a:rPr kumimoji="0" lang="zh-TW" altLang="zh-TW" sz="1000" b="0" i="0" u="none" strike="noStrike" cap="none" normalizeH="0" baseline="0" dirty="0" smtClean="0">
+              <a:rPr kumimoji="0" lang="zh-TW" altLang="zh-TW" sz="1000" b="0" i="0" u="none" strike="noStrike" cap="none" normalizeH="0" baseline="0" dirty="0">
                 <a:ln>
                   <a:noFill/>
                 </a:ln>
@@ -3801,7 +3753,7 @@
               <a:t>="1.0" </a:t>
             </a:r>
             <a:r>
-              <a:rPr kumimoji="0" lang="zh-TW" altLang="zh-TW" sz="1000" b="0" i="0" u="none" strike="noStrike" cap="none" normalizeH="0" baseline="0" dirty="0" smtClean="0">
+              <a:rPr kumimoji="0" lang="zh-TW" altLang="zh-TW" sz="1000" b="0" i="0" u="none" strike="noStrike" cap="none" normalizeH="0" baseline="0" dirty="0">
                 <a:ln>
                   <a:noFill/>
                 </a:ln>
@@ -3815,7 +3767,7 @@
               <a:t>encoding</a:t>
             </a:r>
             <a:r>
-              <a:rPr kumimoji="0" lang="zh-TW" altLang="zh-TW" sz="1000" b="0" i="0" u="none" strike="noStrike" cap="none" normalizeH="0" baseline="0" dirty="0" smtClean="0">
+              <a:rPr kumimoji="0" lang="zh-TW" altLang="zh-TW" sz="1000" b="0" i="0" u="none" strike="noStrike" cap="none" normalizeH="0" baseline="0" dirty="0">
                 <a:ln>
                   <a:noFill/>
                 </a:ln>
@@ -3829,7 +3781,7 @@
               <a:t>="utf-8"</a:t>
             </a:r>
             <a:r>
-              <a:rPr kumimoji="0" lang="zh-TW" altLang="zh-TW" sz="1000" b="0" i="0" u="none" strike="noStrike" cap="none" normalizeH="0" baseline="0" dirty="0" smtClean="0">
+              <a:rPr kumimoji="0" lang="zh-TW" altLang="zh-TW" sz="1000" b="0" i="0" u="none" strike="noStrike" cap="none" normalizeH="0" baseline="0" dirty="0">
                 <a:ln>
                   <a:noFill/>
                 </a:ln>
@@ -3843,7 +3795,7 @@
               <a:t>?&gt;</a:t>
             </a:r>
             <a:br>
-              <a:rPr kumimoji="0" lang="zh-TW" altLang="zh-TW" sz="1000" b="0" i="0" u="none" strike="noStrike" cap="none" normalizeH="0" baseline="0" dirty="0" smtClean="0">
+              <a:rPr kumimoji="0" lang="zh-TW" altLang="zh-TW" sz="1000" b="0" i="0" u="none" strike="noStrike" cap="none" normalizeH="0" baseline="0" dirty="0">
                 <a:ln>
                   <a:noFill/>
                 </a:ln>
@@ -3856,7 +3808,7 @@
               </a:rPr>
             </a:br>
             <a:r>
-              <a:rPr kumimoji="0" lang="zh-TW" altLang="zh-TW" sz="1000" b="0" i="0" u="none" strike="noStrike" cap="none" normalizeH="0" baseline="0" dirty="0" smtClean="0">
+              <a:rPr kumimoji="0" lang="zh-TW" altLang="zh-TW" sz="1000" b="0" i="0" u="none" strike="noStrike" cap="none" normalizeH="0" baseline="0" dirty="0">
                 <a:ln>
                   <a:noFill/>
                 </a:ln>
@@ -3870,7 +3822,7 @@
               <a:t>&lt;androidx.constraintlayout.widget.ConstraintLayout </a:t>
             </a:r>
             <a:r>
-              <a:rPr kumimoji="0" lang="zh-TW" altLang="zh-TW" sz="1000" b="0" i="0" u="none" strike="noStrike" cap="none" normalizeH="0" baseline="0" dirty="0" smtClean="0">
+              <a:rPr kumimoji="0" lang="zh-TW" altLang="zh-TW" sz="1000" b="0" i="0" u="none" strike="noStrike" cap="none" normalizeH="0" baseline="0" dirty="0">
                 <a:ln>
                   <a:noFill/>
                 </a:ln>
@@ -3884,7 +3836,7 @@
               <a:t>xmlns:</a:t>
             </a:r>
             <a:r>
-              <a:rPr kumimoji="0" lang="zh-TW" altLang="zh-TW" sz="1000" b="0" i="0" u="none" strike="noStrike" cap="none" normalizeH="0" baseline="0" dirty="0" smtClean="0">
+              <a:rPr kumimoji="0" lang="zh-TW" altLang="zh-TW" sz="1000" b="0" i="0" u="none" strike="noStrike" cap="none" normalizeH="0" baseline="0" dirty="0">
                 <a:ln>
                   <a:noFill/>
                 </a:ln>
@@ -3898,7 +3850,7 @@
               <a:t>android</a:t>
             </a:r>
             <a:r>
-              <a:rPr kumimoji="0" lang="zh-TW" altLang="zh-TW" sz="1000" b="0" i="0" u="none" strike="noStrike" cap="none" normalizeH="0" baseline="0" dirty="0" smtClean="0">
+              <a:rPr kumimoji="0" lang="zh-TW" altLang="zh-TW" sz="1000" b="0" i="0" u="none" strike="noStrike" cap="none" normalizeH="0" baseline="0" dirty="0">
                 <a:ln>
                   <a:noFill/>
                 </a:ln>
@@ -3912,7 +3864,7 @@
               <a:t>="http://schemas.android.com/apk/res/android"</a:t>
             </a:r>
             <a:br>
-              <a:rPr kumimoji="0" lang="zh-TW" altLang="zh-TW" sz="1000" b="0" i="0" u="none" strike="noStrike" cap="none" normalizeH="0" baseline="0" dirty="0" smtClean="0">
+              <a:rPr kumimoji="0" lang="zh-TW" altLang="zh-TW" sz="1000" b="0" i="0" u="none" strike="noStrike" cap="none" normalizeH="0" baseline="0" dirty="0">
                 <a:ln>
                   <a:noFill/>
                 </a:ln>
@@ -3925,7 +3877,7 @@
               </a:rPr>
             </a:br>
             <a:r>
-              <a:rPr kumimoji="0" lang="zh-TW" altLang="zh-TW" sz="1000" b="0" i="0" u="none" strike="noStrike" cap="none" normalizeH="0" baseline="0" dirty="0" smtClean="0">
+              <a:rPr kumimoji="0" lang="zh-TW" altLang="zh-TW" sz="1000" b="0" i="0" u="none" strike="noStrike" cap="none" normalizeH="0" baseline="0" dirty="0">
                 <a:ln>
                   <a:noFill/>
                 </a:ln>
@@ -3939,7 +3891,7 @@
               <a:t>    </a:t>
             </a:r>
             <a:r>
-              <a:rPr kumimoji="0" lang="zh-TW" altLang="zh-TW" sz="1000" b="0" i="0" u="none" strike="noStrike" cap="none" normalizeH="0" baseline="0" dirty="0" smtClean="0">
+              <a:rPr kumimoji="0" lang="zh-TW" altLang="zh-TW" sz="1000" b="0" i="0" u="none" strike="noStrike" cap="none" normalizeH="0" baseline="0" dirty="0">
                 <a:ln>
                   <a:noFill/>
                 </a:ln>
@@ -3953,7 +3905,7 @@
               <a:t>xmlns:</a:t>
             </a:r>
             <a:r>
-              <a:rPr kumimoji="0" lang="zh-TW" altLang="zh-TW" sz="1000" b="0" i="0" u="none" strike="noStrike" cap="none" normalizeH="0" baseline="0" dirty="0" smtClean="0">
+              <a:rPr kumimoji="0" lang="zh-TW" altLang="zh-TW" sz="1000" b="0" i="0" u="none" strike="noStrike" cap="none" normalizeH="0" baseline="0" dirty="0">
                 <a:ln>
                   <a:noFill/>
                 </a:ln>
@@ -3967,7 +3919,7 @@
               <a:t>app</a:t>
             </a:r>
             <a:r>
-              <a:rPr kumimoji="0" lang="zh-TW" altLang="zh-TW" sz="1000" b="0" i="0" u="none" strike="noStrike" cap="none" normalizeH="0" baseline="0" dirty="0" smtClean="0">
+              <a:rPr kumimoji="0" lang="zh-TW" altLang="zh-TW" sz="1000" b="0" i="0" u="none" strike="noStrike" cap="none" normalizeH="0" baseline="0" dirty="0">
                 <a:ln>
                   <a:noFill/>
                 </a:ln>
@@ -3981,7 +3933,7 @@
               <a:t>="http://schemas.android.com/apk/res-auto"</a:t>
             </a:r>
             <a:br>
-              <a:rPr kumimoji="0" lang="zh-TW" altLang="zh-TW" sz="1000" b="0" i="0" u="none" strike="noStrike" cap="none" normalizeH="0" baseline="0" dirty="0" smtClean="0">
+              <a:rPr kumimoji="0" lang="zh-TW" altLang="zh-TW" sz="1000" b="0" i="0" u="none" strike="noStrike" cap="none" normalizeH="0" baseline="0" dirty="0">
                 <a:ln>
                   <a:noFill/>
                 </a:ln>
@@ -3994,7 +3946,7 @@
               </a:rPr>
             </a:br>
             <a:r>
-              <a:rPr kumimoji="0" lang="zh-TW" altLang="zh-TW" sz="1000" b="0" i="0" u="none" strike="noStrike" cap="none" normalizeH="0" baseline="0" dirty="0" smtClean="0">
+              <a:rPr kumimoji="0" lang="zh-TW" altLang="zh-TW" sz="1000" b="0" i="0" u="none" strike="noStrike" cap="none" normalizeH="0" baseline="0" dirty="0">
                 <a:ln>
                   <a:noFill/>
                 </a:ln>
@@ -4008,7 +3960,7 @@
               <a:t>    </a:t>
             </a:r>
             <a:r>
-              <a:rPr kumimoji="0" lang="zh-TW" altLang="zh-TW" sz="1000" b="0" i="0" u="none" strike="noStrike" cap="none" normalizeH="0" baseline="0" dirty="0" smtClean="0">
+              <a:rPr kumimoji="0" lang="zh-TW" altLang="zh-TW" sz="1000" b="0" i="0" u="none" strike="noStrike" cap="none" normalizeH="0" baseline="0" dirty="0">
                 <a:ln>
                   <a:noFill/>
                 </a:ln>
@@ -4022,7 +3974,7 @@
               <a:t>xmlns:</a:t>
             </a:r>
             <a:r>
-              <a:rPr kumimoji="0" lang="zh-TW" altLang="zh-TW" sz="1000" b="0" i="0" u="none" strike="noStrike" cap="none" normalizeH="0" baseline="0" dirty="0" smtClean="0">
+              <a:rPr kumimoji="0" lang="zh-TW" altLang="zh-TW" sz="1000" b="0" i="0" u="none" strike="noStrike" cap="none" normalizeH="0" baseline="0" dirty="0">
                 <a:ln>
                   <a:noFill/>
                 </a:ln>
@@ -4036,7 +3988,7 @@
               <a:t>tools</a:t>
             </a:r>
             <a:r>
-              <a:rPr kumimoji="0" lang="zh-TW" altLang="zh-TW" sz="1000" b="0" i="0" u="none" strike="noStrike" cap="none" normalizeH="0" baseline="0" dirty="0" smtClean="0">
+              <a:rPr kumimoji="0" lang="zh-TW" altLang="zh-TW" sz="1000" b="0" i="0" u="none" strike="noStrike" cap="none" normalizeH="0" baseline="0" dirty="0">
                 <a:ln>
                   <a:noFill/>
                 </a:ln>
@@ -4050,7 +4002,7 @@
               <a:t>="http://schemas.android.com/tools"</a:t>
             </a:r>
             <a:br>
-              <a:rPr kumimoji="0" lang="zh-TW" altLang="zh-TW" sz="1000" b="0" i="0" u="none" strike="noStrike" cap="none" normalizeH="0" baseline="0" dirty="0" smtClean="0">
+              <a:rPr kumimoji="0" lang="zh-TW" altLang="zh-TW" sz="1000" b="0" i="0" u="none" strike="noStrike" cap="none" normalizeH="0" baseline="0" dirty="0">
                 <a:ln>
                   <a:noFill/>
                 </a:ln>
@@ -4063,7 +4015,7 @@
               </a:rPr>
             </a:br>
             <a:r>
-              <a:rPr kumimoji="0" lang="zh-TW" altLang="zh-TW" sz="1000" b="0" i="0" u="none" strike="noStrike" cap="none" normalizeH="0" baseline="0" dirty="0" smtClean="0">
+              <a:rPr kumimoji="0" lang="zh-TW" altLang="zh-TW" sz="1000" b="0" i="0" u="none" strike="noStrike" cap="none" normalizeH="0" baseline="0" dirty="0">
                 <a:ln>
                   <a:noFill/>
                 </a:ln>
@@ -4077,7 +4029,7 @@
               <a:t>    </a:t>
             </a:r>
             <a:r>
-              <a:rPr kumimoji="0" lang="zh-TW" altLang="zh-TW" sz="1000" b="0" i="0" u="none" strike="noStrike" cap="none" normalizeH="0" baseline="0" dirty="0" smtClean="0">
+              <a:rPr kumimoji="0" lang="zh-TW" altLang="zh-TW" sz="1000" b="0" i="0" u="none" strike="noStrike" cap="none" normalizeH="0" baseline="0" dirty="0">
                 <a:ln>
                   <a:noFill/>
                 </a:ln>
@@ -4091,7 +4043,7 @@
               <a:t>android</a:t>
             </a:r>
             <a:r>
-              <a:rPr kumimoji="0" lang="zh-TW" altLang="zh-TW" sz="1000" b="0" i="0" u="none" strike="noStrike" cap="none" normalizeH="0" baseline="0" dirty="0" smtClean="0">
+              <a:rPr kumimoji="0" lang="zh-TW" altLang="zh-TW" sz="1000" b="0" i="0" u="none" strike="noStrike" cap="none" normalizeH="0" baseline="0" dirty="0">
                 <a:ln>
                   <a:noFill/>
                 </a:ln>
@@ -4105,7 +4057,7 @@
               <a:t>:id</a:t>
             </a:r>
             <a:r>
-              <a:rPr kumimoji="0" lang="zh-TW" altLang="zh-TW" sz="1000" b="0" i="0" u="none" strike="noStrike" cap="none" normalizeH="0" baseline="0" dirty="0" smtClean="0">
+              <a:rPr kumimoji="0" lang="zh-TW" altLang="zh-TW" sz="1000" b="0" i="0" u="none" strike="noStrike" cap="none" normalizeH="0" baseline="0" dirty="0">
                 <a:ln>
                   <a:noFill/>
                 </a:ln>
@@ -4119,7 +4071,7 @@
               <a:t>="@+id/main"</a:t>
             </a:r>
             <a:br>
-              <a:rPr kumimoji="0" lang="zh-TW" altLang="zh-TW" sz="1000" b="0" i="0" u="none" strike="noStrike" cap="none" normalizeH="0" baseline="0" dirty="0" smtClean="0">
+              <a:rPr kumimoji="0" lang="zh-TW" altLang="zh-TW" sz="1000" b="0" i="0" u="none" strike="noStrike" cap="none" normalizeH="0" baseline="0" dirty="0">
                 <a:ln>
                   <a:noFill/>
                 </a:ln>
@@ -4132,7 +4084,7 @@
               </a:rPr>
             </a:br>
             <a:r>
-              <a:rPr kumimoji="0" lang="zh-TW" altLang="zh-TW" sz="1000" b="0" i="0" u="none" strike="noStrike" cap="none" normalizeH="0" baseline="0" dirty="0" smtClean="0">
+              <a:rPr kumimoji="0" lang="zh-TW" altLang="zh-TW" sz="1000" b="0" i="0" u="none" strike="noStrike" cap="none" normalizeH="0" baseline="0" dirty="0">
                 <a:ln>
                   <a:noFill/>
                 </a:ln>
@@ -4146,7 +4098,7 @@
               <a:t>    </a:t>
             </a:r>
             <a:r>
-              <a:rPr kumimoji="0" lang="zh-TW" altLang="zh-TW" sz="1000" b="0" i="0" u="none" strike="noStrike" cap="none" normalizeH="0" baseline="0" dirty="0" smtClean="0">
+              <a:rPr kumimoji="0" lang="zh-TW" altLang="zh-TW" sz="1000" b="0" i="0" u="none" strike="noStrike" cap="none" normalizeH="0" baseline="0" dirty="0">
                 <a:ln>
                   <a:noFill/>
                 </a:ln>
@@ -4160,7 +4112,7 @@
               <a:t>android</a:t>
             </a:r>
             <a:r>
-              <a:rPr kumimoji="0" lang="zh-TW" altLang="zh-TW" sz="1000" b="0" i="0" u="none" strike="noStrike" cap="none" normalizeH="0" baseline="0" dirty="0" smtClean="0">
+              <a:rPr kumimoji="0" lang="zh-TW" altLang="zh-TW" sz="1000" b="0" i="0" u="none" strike="noStrike" cap="none" normalizeH="0" baseline="0" dirty="0">
                 <a:ln>
                   <a:noFill/>
                 </a:ln>
@@ -4174,7 +4126,7 @@
               <a:t>:layout_width</a:t>
             </a:r>
             <a:r>
-              <a:rPr kumimoji="0" lang="zh-TW" altLang="zh-TW" sz="1000" b="0" i="0" u="none" strike="noStrike" cap="none" normalizeH="0" baseline="0" dirty="0" smtClean="0">
+              <a:rPr kumimoji="0" lang="zh-TW" altLang="zh-TW" sz="1000" b="0" i="0" u="none" strike="noStrike" cap="none" normalizeH="0" baseline="0" dirty="0">
                 <a:ln>
                   <a:noFill/>
                 </a:ln>
@@ -4188,7 +4140,7 @@
               <a:t>="match_parent"</a:t>
             </a:r>
             <a:br>
-              <a:rPr kumimoji="0" lang="zh-TW" altLang="zh-TW" sz="1000" b="0" i="0" u="none" strike="noStrike" cap="none" normalizeH="0" baseline="0" dirty="0" smtClean="0">
+              <a:rPr kumimoji="0" lang="zh-TW" altLang="zh-TW" sz="1000" b="0" i="0" u="none" strike="noStrike" cap="none" normalizeH="0" baseline="0" dirty="0">
                 <a:ln>
                   <a:noFill/>
                 </a:ln>
@@ -4201,7 +4153,7 @@
               </a:rPr>
             </a:br>
             <a:r>
-              <a:rPr kumimoji="0" lang="zh-TW" altLang="zh-TW" sz="1000" b="0" i="0" u="none" strike="noStrike" cap="none" normalizeH="0" baseline="0" dirty="0" smtClean="0">
+              <a:rPr kumimoji="0" lang="zh-TW" altLang="zh-TW" sz="1000" b="0" i="0" u="none" strike="noStrike" cap="none" normalizeH="0" baseline="0" dirty="0">
                 <a:ln>
                   <a:noFill/>
                 </a:ln>
@@ -4215,7 +4167,7 @@
               <a:t>    </a:t>
             </a:r>
             <a:r>
-              <a:rPr kumimoji="0" lang="zh-TW" altLang="zh-TW" sz="1000" b="0" i="0" u="none" strike="noStrike" cap="none" normalizeH="0" baseline="0" dirty="0" smtClean="0">
+              <a:rPr kumimoji="0" lang="zh-TW" altLang="zh-TW" sz="1000" b="0" i="0" u="none" strike="noStrike" cap="none" normalizeH="0" baseline="0" dirty="0">
                 <a:ln>
                   <a:noFill/>
                 </a:ln>
@@ -4229,7 +4181,7 @@
               <a:t>android</a:t>
             </a:r>
             <a:r>
-              <a:rPr kumimoji="0" lang="zh-TW" altLang="zh-TW" sz="1000" b="0" i="0" u="none" strike="noStrike" cap="none" normalizeH="0" baseline="0" dirty="0" smtClean="0">
+              <a:rPr kumimoji="0" lang="zh-TW" altLang="zh-TW" sz="1000" b="0" i="0" u="none" strike="noStrike" cap="none" normalizeH="0" baseline="0" dirty="0">
                 <a:ln>
                   <a:noFill/>
                 </a:ln>
@@ -4243,7 +4195,7 @@
               <a:t>:layout_height</a:t>
             </a:r>
             <a:r>
-              <a:rPr kumimoji="0" lang="zh-TW" altLang="zh-TW" sz="1000" b="0" i="0" u="none" strike="noStrike" cap="none" normalizeH="0" baseline="0" dirty="0" smtClean="0">
+              <a:rPr kumimoji="0" lang="zh-TW" altLang="zh-TW" sz="1000" b="0" i="0" u="none" strike="noStrike" cap="none" normalizeH="0" baseline="0" dirty="0">
                 <a:ln>
                   <a:noFill/>
                 </a:ln>
@@ -4257,7 +4209,7 @@
               <a:t>="match_parent"</a:t>
             </a:r>
             <a:br>
-              <a:rPr kumimoji="0" lang="zh-TW" altLang="zh-TW" sz="1000" b="0" i="0" u="none" strike="noStrike" cap="none" normalizeH="0" baseline="0" dirty="0" smtClean="0">
+              <a:rPr kumimoji="0" lang="zh-TW" altLang="zh-TW" sz="1000" b="0" i="0" u="none" strike="noStrike" cap="none" normalizeH="0" baseline="0" dirty="0">
                 <a:ln>
                   <a:noFill/>
                 </a:ln>
@@ -4270,7 +4222,7 @@
               </a:rPr>
             </a:br>
             <a:r>
-              <a:rPr kumimoji="0" lang="zh-TW" altLang="zh-TW" sz="1000" b="0" i="0" u="none" strike="noStrike" cap="none" normalizeH="0" baseline="0" dirty="0" smtClean="0">
+              <a:rPr kumimoji="0" lang="zh-TW" altLang="zh-TW" sz="1000" b="0" i="0" u="none" strike="noStrike" cap="none" normalizeH="0" baseline="0" dirty="0">
                 <a:ln>
                   <a:noFill/>
                 </a:ln>
@@ -4284,7 +4236,7 @@
               <a:t>    </a:t>
             </a:r>
             <a:r>
-              <a:rPr kumimoji="0" lang="zh-TW" altLang="zh-TW" sz="1000" b="0" i="0" u="none" strike="noStrike" cap="none" normalizeH="0" baseline="0" dirty="0" smtClean="0">
+              <a:rPr kumimoji="0" lang="zh-TW" altLang="zh-TW" sz="1000" b="0" i="0" u="none" strike="noStrike" cap="none" normalizeH="0" baseline="0" dirty="0">
                 <a:ln>
                   <a:noFill/>
                 </a:ln>
@@ -4298,7 +4250,7 @@
               <a:t>tools</a:t>
             </a:r>
             <a:r>
-              <a:rPr kumimoji="0" lang="zh-TW" altLang="zh-TW" sz="1000" b="0" i="0" u="none" strike="noStrike" cap="none" normalizeH="0" baseline="0" dirty="0" smtClean="0">
+              <a:rPr kumimoji="0" lang="zh-TW" altLang="zh-TW" sz="1000" b="0" i="0" u="none" strike="noStrike" cap="none" normalizeH="0" baseline="0" dirty="0">
                 <a:ln>
                   <a:noFill/>
                 </a:ln>
@@ -4312,7 +4264,7 @@
               <a:t>:context</a:t>
             </a:r>
             <a:r>
-              <a:rPr kumimoji="0" lang="zh-TW" altLang="zh-TW" sz="1000" b="0" i="0" u="none" strike="noStrike" cap="none" normalizeH="0" baseline="0" dirty="0" smtClean="0">
+              <a:rPr kumimoji="0" lang="zh-TW" altLang="zh-TW" sz="1000" b="0" i="0" u="none" strike="noStrike" cap="none" normalizeH="0" baseline="0" dirty="0">
                 <a:ln>
                   <a:noFill/>
                 </a:ln>
@@ -4326,7 +4278,7 @@
               <a:t>=".MainActivity"</a:t>
             </a:r>
             <a:r>
-              <a:rPr kumimoji="0" lang="zh-TW" altLang="zh-TW" sz="1000" b="0" i="0" u="none" strike="noStrike" cap="none" normalizeH="0" baseline="0" dirty="0" smtClean="0">
+              <a:rPr kumimoji="0" lang="zh-TW" altLang="zh-TW" sz="1000" b="0" i="0" u="none" strike="noStrike" cap="none" normalizeH="0" baseline="0" dirty="0">
                 <a:ln>
                   <a:noFill/>
                 </a:ln>
@@ -4340,7 +4292,7 @@
               <a:t>&gt;</a:t>
             </a:r>
             <a:br>
-              <a:rPr kumimoji="0" lang="zh-TW" altLang="zh-TW" sz="1000" b="0" i="0" u="none" strike="noStrike" cap="none" normalizeH="0" baseline="0" dirty="0" smtClean="0">
+              <a:rPr kumimoji="0" lang="zh-TW" altLang="zh-TW" sz="1000" b="0" i="0" u="none" strike="noStrike" cap="none" normalizeH="0" baseline="0" dirty="0">
                 <a:ln>
                   <a:noFill/>
                 </a:ln>
@@ -4353,7 +4305,7 @@
               </a:rPr>
             </a:br>
             <a:r>
-              <a:rPr kumimoji="0" lang="zh-TW" altLang="zh-TW" sz="1000" b="0" i="0" u="none" strike="noStrike" cap="none" normalizeH="0" baseline="0" dirty="0" smtClean="0">
+              <a:rPr kumimoji="0" lang="zh-TW" altLang="zh-TW" sz="1000" b="0" i="0" u="none" strike="noStrike" cap="none" normalizeH="0" baseline="0" dirty="0">
                 <a:ln>
                   <a:noFill/>
                 </a:ln>
@@ -4367,7 +4319,7 @@
               <a:t>    &lt;LinearLayout</a:t>
             </a:r>
             <a:br>
-              <a:rPr kumimoji="0" lang="zh-TW" altLang="zh-TW" sz="1000" b="0" i="0" u="none" strike="noStrike" cap="none" normalizeH="0" baseline="0" dirty="0" smtClean="0">
+              <a:rPr kumimoji="0" lang="zh-TW" altLang="zh-TW" sz="1000" b="0" i="0" u="none" strike="noStrike" cap="none" normalizeH="0" baseline="0" dirty="0">
                 <a:ln>
                   <a:noFill/>
                 </a:ln>
@@ -4380,7 +4332,7 @@
               </a:rPr>
             </a:br>
             <a:r>
-              <a:rPr kumimoji="0" lang="zh-TW" altLang="zh-TW" sz="1000" b="0" i="0" u="none" strike="noStrike" cap="none" normalizeH="0" baseline="0" dirty="0" smtClean="0">
+              <a:rPr kumimoji="0" lang="zh-TW" altLang="zh-TW" sz="1000" b="0" i="0" u="none" strike="noStrike" cap="none" normalizeH="0" baseline="0" dirty="0">
                 <a:ln>
                   <a:noFill/>
                 </a:ln>
@@ -4394,7 +4346,7 @@
               <a:t>        </a:t>
             </a:r>
             <a:r>
-              <a:rPr kumimoji="0" lang="zh-TW" altLang="zh-TW" sz="1000" b="0" i="0" u="none" strike="noStrike" cap="none" normalizeH="0" baseline="0" dirty="0" smtClean="0">
+              <a:rPr kumimoji="0" lang="zh-TW" altLang="zh-TW" sz="1000" b="0" i="0" u="none" strike="noStrike" cap="none" normalizeH="0" baseline="0" dirty="0">
                 <a:ln>
                   <a:noFill/>
                 </a:ln>
@@ -4408,7 +4360,7 @@
               <a:t>android</a:t>
             </a:r>
             <a:r>
-              <a:rPr kumimoji="0" lang="zh-TW" altLang="zh-TW" sz="1000" b="0" i="0" u="none" strike="noStrike" cap="none" normalizeH="0" baseline="0" dirty="0" smtClean="0">
+              <a:rPr kumimoji="0" lang="zh-TW" altLang="zh-TW" sz="1000" b="0" i="0" u="none" strike="noStrike" cap="none" normalizeH="0" baseline="0" dirty="0">
                 <a:ln>
                   <a:noFill/>
                 </a:ln>
@@ -4422,7 +4374,7 @@
               <a:t>:layout_width</a:t>
             </a:r>
             <a:r>
-              <a:rPr kumimoji="0" lang="zh-TW" altLang="zh-TW" sz="1000" b="0" i="0" u="none" strike="noStrike" cap="none" normalizeH="0" baseline="0" dirty="0" smtClean="0">
+              <a:rPr kumimoji="0" lang="zh-TW" altLang="zh-TW" sz="1000" b="0" i="0" u="none" strike="noStrike" cap="none" normalizeH="0" baseline="0" dirty="0">
                 <a:ln>
                   <a:noFill/>
                 </a:ln>
@@ -4436,7 +4388,7 @@
               <a:t>="match_parent"</a:t>
             </a:r>
             <a:br>
-              <a:rPr kumimoji="0" lang="zh-TW" altLang="zh-TW" sz="1000" b="0" i="0" u="none" strike="noStrike" cap="none" normalizeH="0" baseline="0" dirty="0" smtClean="0">
+              <a:rPr kumimoji="0" lang="zh-TW" altLang="zh-TW" sz="1000" b="0" i="0" u="none" strike="noStrike" cap="none" normalizeH="0" baseline="0" dirty="0">
                 <a:ln>
                   <a:noFill/>
                 </a:ln>
@@ -4449,7 +4401,7 @@
               </a:rPr>
             </a:br>
             <a:r>
-              <a:rPr kumimoji="0" lang="zh-TW" altLang="zh-TW" sz="1000" b="0" i="0" u="none" strike="noStrike" cap="none" normalizeH="0" baseline="0" dirty="0" smtClean="0">
+              <a:rPr kumimoji="0" lang="zh-TW" altLang="zh-TW" sz="1000" b="0" i="0" u="none" strike="noStrike" cap="none" normalizeH="0" baseline="0" dirty="0">
                 <a:ln>
                   <a:noFill/>
                 </a:ln>
@@ -4463,7 +4415,7 @@
               <a:t>        </a:t>
             </a:r>
             <a:r>
-              <a:rPr kumimoji="0" lang="zh-TW" altLang="zh-TW" sz="1000" b="0" i="0" u="none" strike="noStrike" cap="none" normalizeH="0" baseline="0" dirty="0" smtClean="0">
+              <a:rPr kumimoji="0" lang="zh-TW" altLang="zh-TW" sz="1000" b="0" i="0" u="none" strike="noStrike" cap="none" normalizeH="0" baseline="0" dirty="0">
                 <a:ln>
                   <a:noFill/>
                 </a:ln>
@@ -4477,7 +4429,7 @@
               <a:t>android</a:t>
             </a:r>
             <a:r>
-              <a:rPr kumimoji="0" lang="zh-TW" altLang="zh-TW" sz="1000" b="0" i="0" u="none" strike="noStrike" cap="none" normalizeH="0" baseline="0" dirty="0" smtClean="0">
+              <a:rPr kumimoji="0" lang="zh-TW" altLang="zh-TW" sz="1000" b="0" i="0" u="none" strike="noStrike" cap="none" normalizeH="0" baseline="0" dirty="0">
                 <a:ln>
                   <a:noFill/>
                 </a:ln>
@@ -4491,7 +4443,7 @@
               <a:t>:layout_height</a:t>
             </a:r>
             <a:r>
-              <a:rPr kumimoji="0" lang="zh-TW" altLang="zh-TW" sz="1000" b="0" i="0" u="none" strike="noStrike" cap="none" normalizeH="0" baseline="0" dirty="0" smtClean="0">
+              <a:rPr kumimoji="0" lang="zh-TW" altLang="zh-TW" sz="1000" b="0" i="0" u="none" strike="noStrike" cap="none" normalizeH="0" baseline="0" dirty="0">
                 <a:ln>
                   <a:noFill/>
                 </a:ln>
@@ -4505,7 +4457,7 @@
               <a:t>="match_parent"</a:t>
             </a:r>
             <a:br>
-              <a:rPr kumimoji="0" lang="zh-TW" altLang="zh-TW" sz="1000" b="0" i="0" u="none" strike="noStrike" cap="none" normalizeH="0" baseline="0" dirty="0" smtClean="0">
+              <a:rPr kumimoji="0" lang="zh-TW" altLang="zh-TW" sz="1000" b="0" i="0" u="none" strike="noStrike" cap="none" normalizeH="0" baseline="0" dirty="0">
                 <a:ln>
                   <a:noFill/>
                 </a:ln>
@@ -4518,7 +4470,7 @@
               </a:rPr>
             </a:br>
             <a:r>
-              <a:rPr kumimoji="0" lang="zh-TW" altLang="zh-TW" sz="1000" b="0" i="0" u="none" strike="noStrike" cap="none" normalizeH="0" baseline="0" dirty="0" smtClean="0">
+              <a:rPr kumimoji="0" lang="zh-TW" altLang="zh-TW" sz="1000" b="0" i="0" u="none" strike="noStrike" cap="none" normalizeH="0" baseline="0" dirty="0">
                 <a:ln>
                   <a:noFill/>
                 </a:ln>
@@ -4532,7 +4484,7 @@
               <a:t>        </a:t>
             </a:r>
             <a:r>
-              <a:rPr kumimoji="0" lang="zh-TW" altLang="zh-TW" sz="1000" b="0" i="0" u="none" strike="noStrike" cap="none" normalizeH="0" baseline="0" dirty="0" smtClean="0">
+              <a:rPr kumimoji="0" lang="zh-TW" altLang="zh-TW" sz="1000" b="0" i="0" u="none" strike="noStrike" cap="none" normalizeH="0" baseline="0" dirty="0">
                 <a:ln>
                   <a:noFill/>
                 </a:ln>
@@ -4546,7 +4498,7 @@
               <a:t>android</a:t>
             </a:r>
             <a:r>
-              <a:rPr kumimoji="0" lang="zh-TW" altLang="zh-TW" sz="1000" b="0" i="0" u="none" strike="noStrike" cap="none" normalizeH="0" baseline="0" dirty="0" smtClean="0">
+              <a:rPr kumimoji="0" lang="zh-TW" altLang="zh-TW" sz="1000" b="0" i="0" u="none" strike="noStrike" cap="none" normalizeH="0" baseline="0" dirty="0">
                 <a:ln>
                   <a:noFill/>
                 </a:ln>
@@ -4560,7 +4512,7 @@
               <a:t>:orientation</a:t>
             </a:r>
             <a:r>
-              <a:rPr kumimoji="0" lang="zh-TW" altLang="zh-TW" sz="1000" b="0" i="0" u="none" strike="noStrike" cap="none" normalizeH="0" baseline="0" dirty="0" smtClean="0">
+              <a:rPr kumimoji="0" lang="zh-TW" altLang="zh-TW" sz="1000" b="0" i="0" u="none" strike="noStrike" cap="none" normalizeH="0" baseline="0" dirty="0">
                 <a:ln>
                   <a:noFill/>
                 </a:ln>
@@ -4574,7 +4526,7 @@
               <a:t>="vertical"</a:t>
             </a:r>
             <a:br>
-              <a:rPr kumimoji="0" lang="zh-TW" altLang="zh-TW" sz="1000" b="0" i="0" u="none" strike="noStrike" cap="none" normalizeH="0" baseline="0" dirty="0" smtClean="0">
+              <a:rPr kumimoji="0" lang="zh-TW" altLang="zh-TW" sz="1000" b="0" i="0" u="none" strike="noStrike" cap="none" normalizeH="0" baseline="0" dirty="0">
                 <a:ln>
                   <a:noFill/>
                 </a:ln>
@@ -4587,7 +4539,7 @@
               </a:rPr>
             </a:br>
             <a:r>
-              <a:rPr kumimoji="0" lang="zh-TW" altLang="zh-TW" sz="1000" b="0" i="0" u="none" strike="noStrike" cap="none" normalizeH="0" baseline="0" dirty="0" smtClean="0">
+              <a:rPr kumimoji="0" lang="zh-TW" altLang="zh-TW" sz="1000" b="0" i="0" u="none" strike="noStrike" cap="none" normalizeH="0" baseline="0" dirty="0">
                 <a:ln>
                   <a:noFill/>
                 </a:ln>
@@ -4601,7 +4553,7 @@
               <a:t>        </a:t>
             </a:r>
             <a:r>
-              <a:rPr kumimoji="0" lang="zh-TW" altLang="zh-TW" sz="1000" b="0" i="0" u="none" strike="noStrike" cap="none" normalizeH="0" baseline="0" dirty="0" smtClean="0">
+              <a:rPr kumimoji="0" lang="zh-TW" altLang="zh-TW" sz="1000" b="0" i="0" u="none" strike="noStrike" cap="none" normalizeH="0" baseline="0" dirty="0">
                 <a:ln>
                   <a:noFill/>
                 </a:ln>
@@ -4615,7 +4567,7 @@
               <a:t>android</a:t>
             </a:r>
             <a:r>
-              <a:rPr kumimoji="0" lang="zh-TW" altLang="zh-TW" sz="1000" b="0" i="0" u="none" strike="noStrike" cap="none" normalizeH="0" baseline="0" dirty="0" smtClean="0">
+              <a:rPr kumimoji="0" lang="zh-TW" altLang="zh-TW" sz="1000" b="0" i="0" u="none" strike="noStrike" cap="none" normalizeH="0" baseline="0" dirty="0">
                 <a:ln>
                   <a:noFill/>
                 </a:ln>
@@ -4629,7 +4581,7 @@
               <a:t>:padding</a:t>
             </a:r>
             <a:r>
-              <a:rPr kumimoji="0" lang="zh-TW" altLang="zh-TW" sz="1000" b="0" i="0" u="none" strike="noStrike" cap="none" normalizeH="0" baseline="0" dirty="0" smtClean="0">
+              <a:rPr kumimoji="0" lang="zh-TW" altLang="zh-TW" sz="1000" b="0" i="0" u="none" strike="noStrike" cap="none" normalizeH="0" baseline="0" dirty="0">
                 <a:ln>
                   <a:noFill/>
                 </a:ln>
@@ -4643,7 +4595,7 @@
               <a:t>="24dp"</a:t>
             </a:r>
             <a:r>
-              <a:rPr kumimoji="0" lang="zh-TW" altLang="zh-TW" sz="1000" b="0" i="0" u="none" strike="noStrike" cap="none" normalizeH="0" baseline="0" dirty="0" smtClean="0">
+              <a:rPr kumimoji="0" lang="zh-TW" altLang="zh-TW" sz="1000" b="0" i="0" u="none" strike="noStrike" cap="none" normalizeH="0" baseline="0" dirty="0">
                 <a:ln>
                   <a:noFill/>
                 </a:ln>
@@ -4657,7 +4609,7 @@
               <a:t>&gt;</a:t>
             </a:r>
             <a:br>
-              <a:rPr kumimoji="0" lang="zh-TW" altLang="zh-TW" sz="1000" b="0" i="0" u="none" strike="noStrike" cap="none" normalizeH="0" baseline="0" dirty="0" smtClean="0">
+              <a:rPr kumimoji="0" lang="zh-TW" altLang="zh-TW" sz="1000" b="0" i="0" u="none" strike="noStrike" cap="none" normalizeH="0" baseline="0" dirty="0">
                 <a:ln>
                   <a:noFill/>
                 </a:ln>
@@ -4670,7 +4622,7 @@
               </a:rPr>
             </a:br>
             <a:r>
-              <a:rPr kumimoji="0" lang="zh-TW" altLang="zh-TW" sz="1000" b="0" i="0" u="none" strike="noStrike" cap="none" normalizeH="0" baseline="0" dirty="0" smtClean="0">
+              <a:rPr kumimoji="0" lang="zh-TW" altLang="zh-TW" sz="1000" b="0" i="0" u="none" strike="noStrike" cap="none" normalizeH="0" baseline="0" dirty="0">
                 <a:ln>
                   <a:noFill/>
                 </a:ln>
@@ -4684,7 +4636,7 @@
               <a:t>        </a:t>
             </a:r>
             <a:r>
-              <a:rPr kumimoji="0" lang="zh-TW" altLang="zh-TW" sz="1000" b="0" i="0" u="none" strike="noStrike" cap="none" normalizeH="0" baseline="0" dirty="0" smtClean="0">
+              <a:rPr kumimoji="0" lang="zh-TW" altLang="zh-TW" sz="1000" b="0" i="0" u="none" strike="noStrike" cap="none" normalizeH="0" baseline="0" dirty="0">
                 <a:ln>
                   <a:noFill/>
                 </a:ln>
@@ -4698,7 +4650,7 @@
               <a:t>&lt;!-- Radio Buttons for Gender --&gt;</a:t>
             </a:r>
             <a:br>
-              <a:rPr kumimoji="0" lang="zh-TW" altLang="zh-TW" sz="1000" b="0" i="0" u="none" strike="noStrike" cap="none" normalizeH="0" baseline="0" dirty="0" smtClean="0">
+              <a:rPr kumimoji="0" lang="zh-TW" altLang="zh-TW" sz="1000" b="0" i="0" u="none" strike="noStrike" cap="none" normalizeH="0" baseline="0" dirty="0">
                 <a:ln>
                   <a:noFill/>
                 </a:ln>
@@ -4711,7 +4663,7 @@
               </a:rPr>
             </a:br>
             <a:r>
-              <a:rPr kumimoji="0" lang="zh-TW" altLang="zh-TW" sz="1000" b="0" i="0" u="none" strike="noStrike" cap="none" normalizeH="0" baseline="0" dirty="0" smtClean="0">
+              <a:rPr kumimoji="0" lang="zh-TW" altLang="zh-TW" sz="1000" b="0" i="0" u="none" strike="noStrike" cap="none" normalizeH="0" baseline="0" dirty="0">
                 <a:ln>
                   <a:noFill/>
                 </a:ln>
@@ -4725,7 +4677,7 @@
               <a:t>        </a:t>
             </a:r>
             <a:r>
-              <a:rPr kumimoji="0" lang="zh-TW" altLang="zh-TW" sz="1000" b="0" i="0" u="none" strike="noStrike" cap="none" normalizeH="0" baseline="0" dirty="0" smtClean="0">
+              <a:rPr kumimoji="0" lang="zh-TW" altLang="zh-TW" sz="1000" b="0" i="0" u="none" strike="noStrike" cap="none" normalizeH="0" baseline="0" dirty="0">
                 <a:ln>
                   <a:noFill/>
                 </a:ln>
@@ -4739,7 +4691,7 @@
               <a:t>&lt;TextView</a:t>
             </a:r>
             <a:br>
-              <a:rPr kumimoji="0" lang="zh-TW" altLang="zh-TW" sz="1000" b="0" i="0" u="none" strike="noStrike" cap="none" normalizeH="0" baseline="0" dirty="0" smtClean="0">
+              <a:rPr kumimoji="0" lang="zh-TW" altLang="zh-TW" sz="1000" b="0" i="0" u="none" strike="noStrike" cap="none" normalizeH="0" baseline="0" dirty="0">
                 <a:ln>
                   <a:noFill/>
                 </a:ln>
@@ -4752,7 +4704,7 @@
               </a:rPr>
             </a:br>
             <a:r>
-              <a:rPr kumimoji="0" lang="zh-TW" altLang="zh-TW" sz="1000" b="0" i="0" u="none" strike="noStrike" cap="none" normalizeH="0" baseline="0" dirty="0" smtClean="0">
+              <a:rPr kumimoji="0" lang="zh-TW" altLang="zh-TW" sz="1000" b="0" i="0" u="none" strike="noStrike" cap="none" normalizeH="0" baseline="0" dirty="0">
                 <a:ln>
                   <a:noFill/>
                 </a:ln>
@@ -4766,7 +4718,7 @@
               <a:t>            </a:t>
             </a:r>
             <a:r>
-              <a:rPr kumimoji="0" lang="zh-TW" altLang="zh-TW" sz="1000" b="0" i="0" u="none" strike="noStrike" cap="none" normalizeH="0" baseline="0" dirty="0" smtClean="0">
+              <a:rPr kumimoji="0" lang="zh-TW" altLang="zh-TW" sz="1000" b="0" i="0" u="none" strike="noStrike" cap="none" normalizeH="0" baseline="0" dirty="0">
                 <a:ln>
                   <a:noFill/>
                 </a:ln>
@@ -4780,7 +4732,7 @@
               <a:t>android</a:t>
             </a:r>
             <a:r>
-              <a:rPr kumimoji="0" lang="zh-TW" altLang="zh-TW" sz="1000" b="0" i="0" u="none" strike="noStrike" cap="none" normalizeH="0" baseline="0" dirty="0" smtClean="0">
+              <a:rPr kumimoji="0" lang="zh-TW" altLang="zh-TW" sz="1000" b="0" i="0" u="none" strike="noStrike" cap="none" normalizeH="0" baseline="0" dirty="0">
                 <a:ln>
                   <a:noFill/>
                 </a:ln>
@@ -4794,7 +4746,7 @@
               <a:t>:layout_width</a:t>
             </a:r>
             <a:r>
-              <a:rPr kumimoji="0" lang="zh-TW" altLang="zh-TW" sz="1000" b="0" i="0" u="none" strike="noStrike" cap="none" normalizeH="0" baseline="0" dirty="0" smtClean="0">
+              <a:rPr kumimoji="0" lang="zh-TW" altLang="zh-TW" sz="1000" b="0" i="0" u="none" strike="noStrike" cap="none" normalizeH="0" baseline="0" dirty="0">
                 <a:ln>
                   <a:noFill/>
                 </a:ln>
@@ -4808,7 +4760,7 @@
               <a:t>="wrap_content"</a:t>
             </a:r>
             <a:br>
-              <a:rPr kumimoji="0" lang="zh-TW" altLang="zh-TW" sz="1000" b="0" i="0" u="none" strike="noStrike" cap="none" normalizeH="0" baseline="0" dirty="0" smtClean="0">
+              <a:rPr kumimoji="0" lang="zh-TW" altLang="zh-TW" sz="1000" b="0" i="0" u="none" strike="noStrike" cap="none" normalizeH="0" baseline="0" dirty="0">
                 <a:ln>
                   <a:noFill/>
                 </a:ln>
@@ -4821,7 +4773,7 @@
               </a:rPr>
             </a:br>
             <a:r>
-              <a:rPr kumimoji="0" lang="zh-TW" altLang="zh-TW" sz="1000" b="0" i="0" u="none" strike="noStrike" cap="none" normalizeH="0" baseline="0" dirty="0" smtClean="0">
+              <a:rPr kumimoji="0" lang="zh-TW" altLang="zh-TW" sz="1000" b="0" i="0" u="none" strike="noStrike" cap="none" normalizeH="0" baseline="0" dirty="0">
                 <a:ln>
                   <a:noFill/>
                 </a:ln>
@@ -4835,7 +4787,7 @@
               <a:t>            </a:t>
             </a:r>
             <a:r>
-              <a:rPr kumimoji="0" lang="zh-TW" altLang="zh-TW" sz="1000" b="0" i="0" u="none" strike="noStrike" cap="none" normalizeH="0" baseline="0" dirty="0" smtClean="0">
+              <a:rPr kumimoji="0" lang="zh-TW" altLang="zh-TW" sz="1000" b="0" i="0" u="none" strike="noStrike" cap="none" normalizeH="0" baseline="0" dirty="0">
                 <a:ln>
                   <a:noFill/>
                 </a:ln>
@@ -4849,7 +4801,7 @@
               <a:t>android</a:t>
             </a:r>
             <a:r>
-              <a:rPr kumimoji="0" lang="zh-TW" altLang="zh-TW" sz="1000" b="0" i="0" u="none" strike="noStrike" cap="none" normalizeH="0" baseline="0" dirty="0" smtClean="0">
+              <a:rPr kumimoji="0" lang="zh-TW" altLang="zh-TW" sz="1000" b="0" i="0" u="none" strike="noStrike" cap="none" normalizeH="0" baseline="0" dirty="0">
                 <a:ln>
                   <a:noFill/>
                 </a:ln>
@@ -4863,7 +4815,7 @@
               <a:t>:layout_height</a:t>
             </a:r>
             <a:r>
-              <a:rPr kumimoji="0" lang="zh-TW" altLang="zh-TW" sz="1000" b="0" i="0" u="none" strike="noStrike" cap="none" normalizeH="0" baseline="0" dirty="0" smtClean="0">
+              <a:rPr kumimoji="0" lang="zh-TW" altLang="zh-TW" sz="1000" b="0" i="0" u="none" strike="noStrike" cap="none" normalizeH="0" baseline="0" dirty="0">
                 <a:ln>
                   <a:noFill/>
                 </a:ln>
@@ -4877,7 +4829,7 @@
               <a:t>="wrap_content"</a:t>
             </a:r>
             <a:br>
-              <a:rPr kumimoji="0" lang="zh-TW" altLang="zh-TW" sz="1000" b="0" i="0" u="none" strike="noStrike" cap="none" normalizeH="0" baseline="0" dirty="0" smtClean="0">
+              <a:rPr kumimoji="0" lang="zh-TW" altLang="zh-TW" sz="1000" b="0" i="0" u="none" strike="noStrike" cap="none" normalizeH="0" baseline="0" dirty="0">
                 <a:ln>
                   <a:noFill/>
                 </a:ln>
@@ -4890,7 +4842,7 @@
               </a:rPr>
             </a:br>
             <a:r>
-              <a:rPr kumimoji="0" lang="zh-TW" altLang="zh-TW" sz="1000" b="0" i="0" u="none" strike="noStrike" cap="none" normalizeH="0" baseline="0" dirty="0" smtClean="0">
+              <a:rPr kumimoji="0" lang="zh-TW" altLang="zh-TW" sz="1000" b="0" i="0" u="none" strike="noStrike" cap="none" normalizeH="0" baseline="0" dirty="0">
                 <a:ln>
                   <a:noFill/>
                 </a:ln>
@@ -4904,7 +4856,7 @@
               <a:t>            </a:t>
             </a:r>
             <a:r>
-              <a:rPr kumimoji="0" lang="zh-TW" altLang="zh-TW" sz="1000" b="0" i="0" u="none" strike="noStrike" cap="none" normalizeH="0" baseline="0" dirty="0" smtClean="0">
+              <a:rPr kumimoji="0" lang="zh-TW" altLang="zh-TW" sz="1000" b="0" i="0" u="none" strike="noStrike" cap="none" normalizeH="0" baseline="0" dirty="0">
                 <a:ln>
                   <a:noFill/>
                 </a:ln>
@@ -4918,7 +4870,7 @@
               <a:t>android</a:t>
             </a:r>
             <a:r>
-              <a:rPr kumimoji="0" lang="zh-TW" altLang="zh-TW" sz="1000" b="0" i="0" u="none" strike="noStrike" cap="none" normalizeH="0" baseline="0" dirty="0" smtClean="0">
+              <a:rPr kumimoji="0" lang="zh-TW" altLang="zh-TW" sz="1000" b="0" i="0" u="none" strike="noStrike" cap="none" normalizeH="0" baseline="0" dirty="0">
                 <a:ln>
                   <a:noFill/>
                 </a:ln>
@@ -4932,7 +4884,7 @@
               <a:t>:text</a:t>
             </a:r>
             <a:r>
-              <a:rPr kumimoji="0" lang="zh-TW" altLang="zh-TW" sz="1000" b="0" i="0" u="none" strike="noStrike" cap="none" normalizeH="0" baseline="0" dirty="0" smtClean="0">
+              <a:rPr kumimoji="0" lang="zh-TW" altLang="zh-TW" sz="1000" b="0" i="0" u="none" strike="noStrike" cap="none" normalizeH="0" baseline="0" dirty="0">
                 <a:ln>
                   <a:noFill/>
                 </a:ln>
@@ -4946,7 +4898,7 @@
               <a:t>="Gender" </a:t>
             </a:r>
             <a:r>
-              <a:rPr kumimoji="0" lang="zh-TW" altLang="zh-TW" sz="1000" b="0" i="0" u="none" strike="noStrike" cap="none" normalizeH="0" baseline="0" dirty="0" smtClean="0">
+              <a:rPr kumimoji="0" lang="zh-TW" altLang="zh-TW" sz="1000" b="0" i="0" u="none" strike="noStrike" cap="none" normalizeH="0" baseline="0" dirty="0">
                 <a:ln>
                   <a:noFill/>
                 </a:ln>
@@ -4960,7 +4912,7 @@
               <a:t>/&gt;</a:t>
             </a:r>
             <a:br>
-              <a:rPr kumimoji="0" lang="zh-TW" altLang="zh-TW" sz="1000" b="0" i="0" u="none" strike="noStrike" cap="none" normalizeH="0" baseline="0" dirty="0" smtClean="0">
+              <a:rPr kumimoji="0" lang="zh-TW" altLang="zh-TW" sz="1000" b="0" i="0" u="none" strike="noStrike" cap="none" normalizeH="0" baseline="0" dirty="0">
                 <a:ln>
                   <a:noFill/>
                 </a:ln>
@@ -4973,7 +4925,7 @@
               </a:rPr>
             </a:br>
             <a:r>
-              <a:rPr kumimoji="0" lang="zh-TW" altLang="zh-TW" sz="1000" b="0" i="0" u="none" strike="noStrike" cap="none" normalizeH="0" baseline="0" dirty="0" smtClean="0">
+              <a:rPr kumimoji="0" lang="zh-TW" altLang="zh-TW" sz="1000" b="0" i="0" u="none" strike="noStrike" cap="none" normalizeH="0" baseline="0" dirty="0">
                 <a:ln>
                   <a:noFill/>
                 </a:ln>
@@ -4987,7 +4939,7 @@
               <a:t>        &lt;RadioGroup</a:t>
             </a:r>
             <a:br>
-              <a:rPr kumimoji="0" lang="zh-TW" altLang="zh-TW" sz="1000" b="0" i="0" u="none" strike="noStrike" cap="none" normalizeH="0" baseline="0" dirty="0" smtClean="0">
+              <a:rPr kumimoji="0" lang="zh-TW" altLang="zh-TW" sz="1000" b="0" i="0" u="none" strike="noStrike" cap="none" normalizeH="0" baseline="0" dirty="0">
                 <a:ln>
                   <a:noFill/>
                 </a:ln>
@@ -5000,7 +4952,7 @@
               </a:rPr>
             </a:br>
             <a:r>
-              <a:rPr kumimoji="0" lang="zh-TW" altLang="zh-TW" sz="1000" b="0" i="0" u="none" strike="noStrike" cap="none" normalizeH="0" baseline="0" dirty="0" smtClean="0">
+              <a:rPr kumimoji="0" lang="zh-TW" altLang="zh-TW" sz="1000" b="0" i="0" u="none" strike="noStrike" cap="none" normalizeH="0" baseline="0" dirty="0">
                 <a:ln>
                   <a:noFill/>
                 </a:ln>
@@ -5014,7 +4966,7 @@
               <a:t>            </a:t>
             </a:r>
             <a:r>
-              <a:rPr kumimoji="0" lang="zh-TW" altLang="zh-TW" sz="1000" b="0" i="0" u="none" strike="noStrike" cap="none" normalizeH="0" baseline="0" dirty="0" smtClean="0">
+              <a:rPr kumimoji="0" lang="zh-TW" altLang="zh-TW" sz="1000" b="0" i="0" u="none" strike="noStrike" cap="none" normalizeH="0" baseline="0" dirty="0">
                 <a:ln>
                   <a:noFill/>
                 </a:ln>
@@ -5028,7 +4980,7 @@
               <a:t>android</a:t>
             </a:r>
             <a:r>
-              <a:rPr kumimoji="0" lang="zh-TW" altLang="zh-TW" sz="1000" b="0" i="0" u="none" strike="noStrike" cap="none" normalizeH="0" baseline="0" dirty="0" smtClean="0">
+              <a:rPr kumimoji="0" lang="zh-TW" altLang="zh-TW" sz="1000" b="0" i="0" u="none" strike="noStrike" cap="none" normalizeH="0" baseline="0" dirty="0">
                 <a:ln>
                   <a:noFill/>
                 </a:ln>
@@ -5042,7 +4994,7 @@
               <a:t>:id</a:t>
             </a:r>
             <a:r>
-              <a:rPr kumimoji="0" lang="zh-TW" altLang="zh-TW" sz="1000" b="0" i="0" u="none" strike="noStrike" cap="none" normalizeH="0" baseline="0" dirty="0" smtClean="0">
+              <a:rPr kumimoji="0" lang="zh-TW" altLang="zh-TW" sz="1000" b="0" i="0" u="none" strike="noStrike" cap="none" normalizeH="0" baseline="0" dirty="0">
                 <a:ln>
                   <a:noFill/>
                 </a:ln>
@@ -5056,7 +5008,7 @@
               <a:t>="@+id/radioGroupGender"</a:t>
             </a:r>
             <a:br>
-              <a:rPr kumimoji="0" lang="zh-TW" altLang="zh-TW" sz="1000" b="0" i="0" u="none" strike="noStrike" cap="none" normalizeH="0" baseline="0" dirty="0" smtClean="0">
+              <a:rPr kumimoji="0" lang="zh-TW" altLang="zh-TW" sz="1000" b="0" i="0" u="none" strike="noStrike" cap="none" normalizeH="0" baseline="0" dirty="0">
                 <a:ln>
                   <a:noFill/>
                 </a:ln>
@@ -5069,7 +5021,7 @@
               </a:rPr>
             </a:br>
             <a:r>
-              <a:rPr kumimoji="0" lang="zh-TW" altLang="zh-TW" sz="1000" b="0" i="0" u="none" strike="noStrike" cap="none" normalizeH="0" baseline="0" dirty="0" smtClean="0">
+              <a:rPr kumimoji="0" lang="zh-TW" altLang="zh-TW" sz="1000" b="0" i="0" u="none" strike="noStrike" cap="none" normalizeH="0" baseline="0" dirty="0">
                 <a:ln>
                   <a:noFill/>
                 </a:ln>
@@ -5083,7 +5035,7 @@
               <a:t>            </a:t>
             </a:r>
             <a:r>
-              <a:rPr kumimoji="0" lang="zh-TW" altLang="zh-TW" sz="1000" b="0" i="0" u="none" strike="noStrike" cap="none" normalizeH="0" baseline="0" dirty="0" smtClean="0">
+              <a:rPr kumimoji="0" lang="zh-TW" altLang="zh-TW" sz="1000" b="0" i="0" u="none" strike="noStrike" cap="none" normalizeH="0" baseline="0" dirty="0">
                 <a:ln>
                   <a:noFill/>
                 </a:ln>
@@ -5097,7 +5049,7 @@
               <a:t>android</a:t>
             </a:r>
             <a:r>
-              <a:rPr kumimoji="0" lang="zh-TW" altLang="zh-TW" sz="1000" b="0" i="0" u="none" strike="noStrike" cap="none" normalizeH="0" baseline="0" dirty="0" smtClean="0">
+              <a:rPr kumimoji="0" lang="zh-TW" altLang="zh-TW" sz="1000" b="0" i="0" u="none" strike="noStrike" cap="none" normalizeH="0" baseline="0" dirty="0">
                 <a:ln>
                   <a:noFill/>
                 </a:ln>
@@ -5111,7 +5063,7 @@
               <a:t>:layout_width</a:t>
             </a:r>
             <a:r>
-              <a:rPr kumimoji="0" lang="zh-TW" altLang="zh-TW" sz="1000" b="0" i="0" u="none" strike="noStrike" cap="none" normalizeH="0" baseline="0" dirty="0" smtClean="0">
+              <a:rPr kumimoji="0" lang="zh-TW" altLang="zh-TW" sz="1000" b="0" i="0" u="none" strike="noStrike" cap="none" normalizeH="0" baseline="0" dirty="0">
                 <a:ln>
                   <a:noFill/>
                 </a:ln>
@@ -5125,7 +5077,7 @@
               <a:t>="match_parent"</a:t>
             </a:r>
             <a:br>
-              <a:rPr kumimoji="0" lang="zh-TW" altLang="zh-TW" sz="1000" b="0" i="0" u="none" strike="noStrike" cap="none" normalizeH="0" baseline="0" dirty="0" smtClean="0">
+              <a:rPr kumimoji="0" lang="zh-TW" altLang="zh-TW" sz="1000" b="0" i="0" u="none" strike="noStrike" cap="none" normalizeH="0" baseline="0" dirty="0">
                 <a:ln>
                   <a:noFill/>
                 </a:ln>
@@ -5138,7 +5090,7 @@
               </a:rPr>
             </a:br>
             <a:r>
-              <a:rPr kumimoji="0" lang="zh-TW" altLang="zh-TW" sz="1000" b="0" i="0" u="none" strike="noStrike" cap="none" normalizeH="0" baseline="0" dirty="0" smtClean="0">
+              <a:rPr kumimoji="0" lang="zh-TW" altLang="zh-TW" sz="1000" b="0" i="0" u="none" strike="noStrike" cap="none" normalizeH="0" baseline="0" dirty="0">
                 <a:ln>
                   <a:noFill/>
                 </a:ln>
@@ -5152,7 +5104,7 @@
               <a:t>            </a:t>
             </a:r>
             <a:r>
-              <a:rPr kumimoji="0" lang="zh-TW" altLang="zh-TW" sz="1000" b="0" i="0" u="none" strike="noStrike" cap="none" normalizeH="0" baseline="0" dirty="0" smtClean="0">
+              <a:rPr kumimoji="0" lang="zh-TW" altLang="zh-TW" sz="1000" b="0" i="0" u="none" strike="noStrike" cap="none" normalizeH="0" baseline="0" dirty="0">
                 <a:ln>
                   <a:noFill/>
                 </a:ln>
@@ -5166,7 +5118,7 @@
               <a:t>android</a:t>
             </a:r>
             <a:r>
-              <a:rPr kumimoji="0" lang="zh-TW" altLang="zh-TW" sz="1000" b="0" i="0" u="none" strike="noStrike" cap="none" normalizeH="0" baseline="0" dirty="0" smtClean="0">
+              <a:rPr kumimoji="0" lang="zh-TW" altLang="zh-TW" sz="1000" b="0" i="0" u="none" strike="noStrike" cap="none" normalizeH="0" baseline="0" dirty="0">
                 <a:ln>
                   <a:noFill/>
                 </a:ln>
@@ -5180,7 +5132,7 @@
               <a:t>:layout_height</a:t>
             </a:r>
             <a:r>
-              <a:rPr kumimoji="0" lang="zh-TW" altLang="zh-TW" sz="1000" b="0" i="0" u="none" strike="noStrike" cap="none" normalizeH="0" baseline="0" dirty="0" smtClean="0">
+              <a:rPr kumimoji="0" lang="zh-TW" altLang="zh-TW" sz="1000" b="0" i="0" u="none" strike="noStrike" cap="none" normalizeH="0" baseline="0" dirty="0">
                 <a:ln>
                   <a:noFill/>
                 </a:ln>
@@ -5194,7 +5146,7 @@
               <a:t>="wrap_content"</a:t>
             </a:r>
             <a:br>
-              <a:rPr kumimoji="0" lang="zh-TW" altLang="zh-TW" sz="1000" b="0" i="0" u="none" strike="noStrike" cap="none" normalizeH="0" baseline="0" dirty="0" smtClean="0">
+              <a:rPr kumimoji="0" lang="zh-TW" altLang="zh-TW" sz="1000" b="0" i="0" u="none" strike="noStrike" cap="none" normalizeH="0" baseline="0" dirty="0">
                 <a:ln>
                   <a:noFill/>
                 </a:ln>
@@ -5207,7 +5159,7 @@
               </a:rPr>
             </a:br>
             <a:r>
-              <a:rPr kumimoji="0" lang="zh-TW" altLang="zh-TW" sz="1000" b="0" i="0" u="none" strike="noStrike" cap="none" normalizeH="0" baseline="0" dirty="0" smtClean="0">
+              <a:rPr kumimoji="0" lang="zh-TW" altLang="zh-TW" sz="1000" b="0" i="0" u="none" strike="noStrike" cap="none" normalizeH="0" baseline="0" dirty="0">
                 <a:ln>
                   <a:noFill/>
                 </a:ln>
@@ -5221,7 +5173,7 @@
               <a:t>            </a:t>
             </a:r>
             <a:r>
-              <a:rPr kumimoji="0" lang="zh-TW" altLang="zh-TW" sz="1000" b="0" i="0" u="none" strike="noStrike" cap="none" normalizeH="0" baseline="0" dirty="0" smtClean="0">
+              <a:rPr kumimoji="0" lang="zh-TW" altLang="zh-TW" sz="1000" b="0" i="0" u="none" strike="noStrike" cap="none" normalizeH="0" baseline="0" dirty="0">
                 <a:ln>
                   <a:noFill/>
                 </a:ln>
@@ -5235,7 +5187,7 @@
               <a:t>android</a:t>
             </a:r>
             <a:r>
-              <a:rPr kumimoji="0" lang="zh-TW" altLang="zh-TW" sz="1000" b="0" i="0" u="none" strike="noStrike" cap="none" normalizeH="0" baseline="0" dirty="0" smtClean="0">
+              <a:rPr kumimoji="0" lang="zh-TW" altLang="zh-TW" sz="1000" b="0" i="0" u="none" strike="noStrike" cap="none" normalizeH="0" baseline="0" dirty="0">
                 <a:ln>
                   <a:noFill/>
                 </a:ln>
@@ -5249,7 +5201,7 @@
               <a:t>:orientation</a:t>
             </a:r>
             <a:r>
-              <a:rPr kumimoji="0" lang="zh-TW" altLang="zh-TW" sz="1000" b="0" i="0" u="none" strike="noStrike" cap="none" normalizeH="0" baseline="0" dirty="0" smtClean="0">
+              <a:rPr kumimoji="0" lang="zh-TW" altLang="zh-TW" sz="1000" b="0" i="0" u="none" strike="noStrike" cap="none" normalizeH="0" baseline="0" dirty="0">
                 <a:ln>
                   <a:noFill/>
                 </a:ln>
@@ -5263,7 +5215,7 @@
               <a:t>="horizontal"</a:t>
             </a:r>
             <a:r>
-              <a:rPr kumimoji="0" lang="zh-TW" altLang="zh-TW" sz="1000" b="0" i="0" u="none" strike="noStrike" cap="none" normalizeH="0" baseline="0" dirty="0" smtClean="0">
+              <a:rPr kumimoji="0" lang="zh-TW" altLang="zh-TW" sz="1000" b="0" i="0" u="none" strike="noStrike" cap="none" normalizeH="0" baseline="0" dirty="0">
                 <a:ln>
                   <a:noFill/>
                 </a:ln>
@@ -5277,7 +5229,7 @@
               <a:t>&gt;</a:t>
             </a:r>
             <a:br>
-              <a:rPr kumimoji="0" lang="zh-TW" altLang="zh-TW" sz="1000" b="0" i="0" u="none" strike="noStrike" cap="none" normalizeH="0" baseline="0" dirty="0" smtClean="0">
+              <a:rPr kumimoji="0" lang="zh-TW" altLang="zh-TW" sz="1000" b="0" i="0" u="none" strike="noStrike" cap="none" normalizeH="0" baseline="0" dirty="0">
                 <a:ln>
                   <a:noFill/>
                 </a:ln>
@@ -5290,7 +5242,7 @@
               </a:rPr>
             </a:br>
             <a:r>
-              <a:rPr kumimoji="0" lang="zh-TW" altLang="zh-TW" sz="1000" b="0" i="0" u="none" strike="noStrike" cap="none" normalizeH="0" baseline="0" dirty="0" smtClean="0">
+              <a:rPr kumimoji="0" lang="zh-TW" altLang="zh-TW" sz="1000" b="0" i="0" u="none" strike="noStrike" cap="none" normalizeH="0" baseline="0" dirty="0">
                 <a:ln>
                   <a:noFill/>
                 </a:ln>
@@ -5304,7 +5256,7 @@
               <a:t>            &lt;RadioButton</a:t>
             </a:r>
             <a:br>
-              <a:rPr kumimoji="0" lang="zh-TW" altLang="zh-TW" sz="1000" b="0" i="0" u="none" strike="noStrike" cap="none" normalizeH="0" baseline="0" dirty="0" smtClean="0">
+              <a:rPr kumimoji="0" lang="zh-TW" altLang="zh-TW" sz="1000" b="0" i="0" u="none" strike="noStrike" cap="none" normalizeH="0" baseline="0" dirty="0">
                 <a:ln>
                   <a:noFill/>
                 </a:ln>
@@ -5317,7 +5269,7 @@
               </a:rPr>
             </a:br>
             <a:r>
-              <a:rPr kumimoji="0" lang="zh-TW" altLang="zh-TW" sz="1000" b="0" i="0" u="none" strike="noStrike" cap="none" normalizeH="0" baseline="0" dirty="0" smtClean="0">
+              <a:rPr kumimoji="0" lang="zh-TW" altLang="zh-TW" sz="1000" b="0" i="0" u="none" strike="noStrike" cap="none" normalizeH="0" baseline="0" dirty="0">
                 <a:ln>
                   <a:noFill/>
                 </a:ln>
@@ -5331,7 +5283,7 @@
               <a:t>                </a:t>
             </a:r>
             <a:r>
-              <a:rPr kumimoji="0" lang="zh-TW" altLang="zh-TW" sz="1000" b="0" i="0" u="none" strike="noStrike" cap="none" normalizeH="0" baseline="0" dirty="0" smtClean="0">
+              <a:rPr kumimoji="0" lang="zh-TW" altLang="zh-TW" sz="1000" b="0" i="0" u="none" strike="noStrike" cap="none" normalizeH="0" baseline="0" dirty="0">
                 <a:ln>
                   <a:noFill/>
                 </a:ln>
@@ -5345,7 +5297,7 @@
               <a:t>android</a:t>
             </a:r>
             <a:r>
-              <a:rPr kumimoji="0" lang="zh-TW" altLang="zh-TW" sz="1000" b="0" i="0" u="none" strike="noStrike" cap="none" normalizeH="0" baseline="0" dirty="0" smtClean="0">
+              <a:rPr kumimoji="0" lang="zh-TW" altLang="zh-TW" sz="1000" b="0" i="0" u="none" strike="noStrike" cap="none" normalizeH="0" baseline="0" dirty="0">
                 <a:ln>
                   <a:noFill/>
                 </a:ln>
@@ -5359,7 +5311,7 @@
               <a:t>:id</a:t>
             </a:r>
             <a:r>
-              <a:rPr kumimoji="0" lang="zh-TW" altLang="zh-TW" sz="1000" b="0" i="0" u="none" strike="noStrike" cap="none" normalizeH="0" baseline="0" dirty="0" smtClean="0">
+              <a:rPr kumimoji="0" lang="zh-TW" altLang="zh-TW" sz="1000" b="0" i="0" u="none" strike="noStrike" cap="none" normalizeH="0" baseline="0" dirty="0">
                 <a:ln>
                   <a:noFill/>
                 </a:ln>
@@ -5373,7 +5325,7 @@
               <a:t>="@+id/radioMale"</a:t>
             </a:r>
             <a:br>
-              <a:rPr kumimoji="0" lang="zh-TW" altLang="zh-TW" sz="1000" b="0" i="0" u="none" strike="noStrike" cap="none" normalizeH="0" baseline="0" dirty="0" smtClean="0">
+              <a:rPr kumimoji="0" lang="zh-TW" altLang="zh-TW" sz="1000" b="0" i="0" u="none" strike="noStrike" cap="none" normalizeH="0" baseline="0" dirty="0">
                 <a:ln>
                   <a:noFill/>
                 </a:ln>
@@ -5386,7 +5338,7 @@
               </a:rPr>
             </a:br>
             <a:r>
-              <a:rPr kumimoji="0" lang="zh-TW" altLang="zh-TW" sz="1000" b="0" i="0" u="none" strike="noStrike" cap="none" normalizeH="0" baseline="0" dirty="0" smtClean="0">
+              <a:rPr kumimoji="0" lang="zh-TW" altLang="zh-TW" sz="1000" b="0" i="0" u="none" strike="noStrike" cap="none" normalizeH="0" baseline="0" dirty="0">
                 <a:ln>
                   <a:noFill/>
                 </a:ln>
@@ -5400,7 +5352,7 @@
               <a:t>                </a:t>
             </a:r>
             <a:r>
-              <a:rPr kumimoji="0" lang="zh-TW" altLang="zh-TW" sz="1000" b="0" i="0" u="none" strike="noStrike" cap="none" normalizeH="0" baseline="0" dirty="0" smtClean="0">
+              <a:rPr kumimoji="0" lang="zh-TW" altLang="zh-TW" sz="1000" b="0" i="0" u="none" strike="noStrike" cap="none" normalizeH="0" baseline="0" dirty="0">
                 <a:ln>
                   <a:noFill/>
                 </a:ln>
@@ -5414,7 +5366,7 @@
               <a:t>android</a:t>
             </a:r>
             <a:r>
-              <a:rPr kumimoji="0" lang="zh-TW" altLang="zh-TW" sz="1000" b="0" i="0" u="none" strike="noStrike" cap="none" normalizeH="0" baseline="0" dirty="0" smtClean="0">
+              <a:rPr kumimoji="0" lang="zh-TW" altLang="zh-TW" sz="1000" b="0" i="0" u="none" strike="noStrike" cap="none" normalizeH="0" baseline="0" dirty="0">
                 <a:ln>
                   <a:noFill/>
                 </a:ln>
@@ -5428,7 +5380,7 @@
               <a:t>:layout_width</a:t>
             </a:r>
             <a:r>
-              <a:rPr kumimoji="0" lang="zh-TW" altLang="zh-TW" sz="1000" b="0" i="0" u="none" strike="noStrike" cap="none" normalizeH="0" baseline="0" dirty="0" smtClean="0">
+              <a:rPr kumimoji="0" lang="zh-TW" altLang="zh-TW" sz="1000" b="0" i="0" u="none" strike="noStrike" cap="none" normalizeH="0" baseline="0" dirty="0">
                 <a:ln>
                   <a:noFill/>
                 </a:ln>
@@ -5442,7 +5394,7 @@
               <a:t>="wrap_content"</a:t>
             </a:r>
             <a:br>
-              <a:rPr kumimoji="0" lang="zh-TW" altLang="zh-TW" sz="1000" b="0" i="0" u="none" strike="noStrike" cap="none" normalizeH="0" baseline="0" dirty="0" smtClean="0">
+              <a:rPr kumimoji="0" lang="zh-TW" altLang="zh-TW" sz="1000" b="0" i="0" u="none" strike="noStrike" cap="none" normalizeH="0" baseline="0" dirty="0">
                 <a:ln>
                   <a:noFill/>
                 </a:ln>
@@ -5455,7 +5407,7 @@
               </a:rPr>
             </a:br>
             <a:r>
-              <a:rPr kumimoji="0" lang="zh-TW" altLang="zh-TW" sz="1000" b="0" i="0" u="none" strike="noStrike" cap="none" normalizeH="0" baseline="0" dirty="0" smtClean="0">
+              <a:rPr kumimoji="0" lang="zh-TW" altLang="zh-TW" sz="1000" b="0" i="0" u="none" strike="noStrike" cap="none" normalizeH="0" baseline="0" dirty="0">
                 <a:ln>
                   <a:noFill/>
                 </a:ln>
@@ -5469,7 +5421,7 @@
               <a:t>                </a:t>
             </a:r>
             <a:r>
-              <a:rPr kumimoji="0" lang="zh-TW" altLang="zh-TW" sz="1000" b="0" i="0" u="none" strike="noStrike" cap="none" normalizeH="0" baseline="0" dirty="0" smtClean="0">
+              <a:rPr kumimoji="0" lang="zh-TW" altLang="zh-TW" sz="1000" b="0" i="0" u="none" strike="noStrike" cap="none" normalizeH="0" baseline="0" dirty="0">
                 <a:ln>
                   <a:noFill/>
                 </a:ln>
@@ -5483,7 +5435,7 @@
               <a:t>android</a:t>
             </a:r>
             <a:r>
-              <a:rPr kumimoji="0" lang="zh-TW" altLang="zh-TW" sz="1000" b="0" i="0" u="none" strike="noStrike" cap="none" normalizeH="0" baseline="0" dirty="0" smtClean="0">
+              <a:rPr kumimoji="0" lang="zh-TW" altLang="zh-TW" sz="1000" b="0" i="0" u="none" strike="noStrike" cap="none" normalizeH="0" baseline="0" dirty="0">
                 <a:ln>
                   <a:noFill/>
                 </a:ln>
@@ -5497,7 +5449,7 @@
               <a:t>:layout_height</a:t>
             </a:r>
             <a:r>
-              <a:rPr kumimoji="0" lang="zh-TW" altLang="zh-TW" sz="1000" b="0" i="0" u="none" strike="noStrike" cap="none" normalizeH="0" baseline="0" dirty="0" smtClean="0">
+              <a:rPr kumimoji="0" lang="zh-TW" altLang="zh-TW" sz="1000" b="0" i="0" u="none" strike="noStrike" cap="none" normalizeH="0" baseline="0" dirty="0">
                 <a:ln>
                   <a:noFill/>
                 </a:ln>
@@ -5511,7 +5463,7 @@
               <a:t>="wrap_content"</a:t>
             </a:r>
             <a:br>
-              <a:rPr kumimoji="0" lang="zh-TW" altLang="zh-TW" sz="1000" b="0" i="0" u="none" strike="noStrike" cap="none" normalizeH="0" baseline="0" dirty="0" smtClean="0">
+              <a:rPr kumimoji="0" lang="zh-TW" altLang="zh-TW" sz="1000" b="0" i="0" u="none" strike="noStrike" cap="none" normalizeH="0" baseline="0" dirty="0">
                 <a:ln>
                   <a:noFill/>
                 </a:ln>
@@ -5524,7 +5476,7 @@
               </a:rPr>
             </a:br>
             <a:r>
-              <a:rPr kumimoji="0" lang="zh-TW" altLang="zh-TW" sz="1000" b="0" i="0" u="none" strike="noStrike" cap="none" normalizeH="0" baseline="0" dirty="0" smtClean="0">
+              <a:rPr kumimoji="0" lang="zh-TW" altLang="zh-TW" sz="1000" b="0" i="0" u="none" strike="noStrike" cap="none" normalizeH="0" baseline="0" dirty="0">
                 <a:ln>
                   <a:noFill/>
                 </a:ln>
@@ -5538,7 +5490,7 @@
               <a:t>                </a:t>
             </a:r>
             <a:r>
-              <a:rPr kumimoji="0" lang="zh-TW" altLang="zh-TW" sz="1000" b="0" i="0" u="none" strike="noStrike" cap="none" normalizeH="0" baseline="0" dirty="0" smtClean="0">
+              <a:rPr kumimoji="0" lang="zh-TW" altLang="zh-TW" sz="1000" b="0" i="0" u="none" strike="noStrike" cap="none" normalizeH="0" baseline="0" dirty="0">
                 <a:ln>
                   <a:noFill/>
                 </a:ln>
@@ -5552,7 +5504,7 @@
               <a:t>android</a:t>
             </a:r>
             <a:r>
-              <a:rPr kumimoji="0" lang="zh-TW" altLang="zh-TW" sz="1000" b="0" i="0" u="none" strike="noStrike" cap="none" normalizeH="0" baseline="0" dirty="0" smtClean="0">
+              <a:rPr kumimoji="0" lang="zh-TW" altLang="zh-TW" sz="1000" b="0" i="0" u="none" strike="noStrike" cap="none" normalizeH="0" baseline="0" dirty="0">
                 <a:ln>
                   <a:noFill/>
                 </a:ln>
@@ -5566,7 +5518,7 @@
               <a:t>:text</a:t>
             </a:r>
             <a:r>
-              <a:rPr kumimoji="0" lang="zh-TW" altLang="zh-TW" sz="1000" b="0" i="0" u="none" strike="noStrike" cap="none" normalizeH="0" baseline="0" dirty="0" smtClean="0">
+              <a:rPr kumimoji="0" lang="zh-TW" altLang="zh-TW" sz="1000" b="0" i="0" u="none" strike="noStrike" cap="none" normalizeH="0" baseline="0" dirty="0">
                 <a:ln>
                   <a:noFill/>
                 </a:ln>
@@ -5580,7 +5532,7 @@
               <a:t>="Male" </a:t>
             </a:r>
             <a:r>
-              <a:rPr kumimoji="0" lang="zh-TW" altLang="zh-TW" sz="1000" b="0" i="0" u="none" strike="noStrike" cap="none" normalizeH="0" baseline="0" dirty="0" smtClean="0">
+              <a:rPr kumimoji="0" lang="zh-TW" altLang="zh-TW" sz="1000" b="0" i="0" u="none" strike="noStrike" cap="none" normalizeH="0" baseline="0" dirty="0">
                 <a:ln>
                   <a:noFill/>
                 </a:ln>
@@ -5594,7 +5546,7 @@
               <a:t>/&gt;</a:t>
             </a:r>
             <a:br>
-              <a:rPr kumimoji="0" lang="zh-TW" altLang="zh-TW" sz="1000" b="0" i="0" u="none" strike="noStrike" cap="none" normalizeH="0" baseline="0" dirty="0" smtClean="0">
+              <a:rPr kumimoji="0" lang="zh-TW" altLang="zh-TW" sz="1000" b="0" i="0" u="none" strike="noStrike" cap="none" normalizeH="0" baseline="0" dirty="0">
                 <a:ln>
                   <a:noFill/>
                 </a:ln>
@@ -5607,7 +5559,7 @@
               </a:rPr>
             </a:br>
             <a:r>
-              <a:rPr kumimoji="0" lang="zh-TW" altLang="zh-TW" sz="1000" b="0" i="0" u="none" strike="noStrike" cap="none" normalizeH="0" baseline="0" dirty="0" smtClean="0">
+              <a:rPr kumimoji="0" lang="zh-TW" altLang="zh-TW" sz="1000" b="0" i="0" u="none" strike="noStrike" cap="none" normalizeH="0" baseline="0" dirty="0">
                 <a:ln>
                   <a:noFill/>
                 </a:ln>
@@ -5621,7 +5573,7 @@
               <a:t>            &lt;RadioButton</a:t>
             </a:r>
             <a:br>
-              <a:rPr kumimoji="0" lang="zh-TW" altLang="zh-TW" sz="1000" b="0" i="0" u="none" strike="noStrike" cap="none" normalizeH="0" baseline="0" dirty="0" smtClean="0">
+              <a:rPr kumimoji="0" lang="zh-TW" altLang="zh-TW" sz="1000" b="0" i="0" u="none" strike="noStrike" cap="none" normalizeH="0" baseline="0" dirty="0">
                 <a:ln>
                   <a:noFill/>
                 </a:ln>
@@ -5634,7 +5586,7 @@
               </a:rPr>
             </a:br>
             <a:r>
-              <a:rPr kumimoji="0" lang="zh-TW" altLang="zh-TW" sz="1000" b="0" i="0" u="none" strike="noStrike" cap="none" normalizeH="0" baseline="0" dirty="0" smtClean="0">
+              <a:rPr kumimoji="0" lang="zh-TW" altLang="zh-TW" sz="1000" b="0" i="0" u="none" strike="noStrike" cap="none" normalizeH="0" baseline="0" dirty="0">
                 <a:ln>
                   <a:noFill/>
                 </a:ln>
@@ -5648,7 +5600,7 @@
               <a:t>                </a:t>
             </a:r>
             <a:r>
-              <a:rPr kumimoji="0" lang="zh-TW" altLang="zh-TW" sz="1000" b="0" i="0" u="none" strike="noStrike" cap="none" normalizeH="0" baseline="0" dirty="0" smtClean="0">
+              <a:rPr kumimoji="0" lang="zh-TW" altLang="zh-TW" sz="1000" b="0" i="0" u="none" strike="noStrike" cap="none" normalizeH="0" baseline="0" dirty="0">
                 <a:ln>
                   <a:noFill/>
                 </a:ln>
@@ -5662,7 +5614,7 @@
               <a:t>android</a:t>
             </a:r>
             <a:r>
-              <a:rPr kumimoji="0" lang="zh-TW" altLang="zh-TW" sz="1000" b="0" i="0" u="none" strike="noStrike" cap="none" normalizeH="0" baseline="0" dirty="0" smtClean="0">
+              <a:rPr kumimoji="0" lang="zh-TW" altLang="zh-TW" sz="1000" b="0" i="0" u="none" strike="noStrike" cap="none" normalizeH="0" baseline="0" dirty="0">
                 <a:ln>
                   <a:noFill/>
                 </a:ln>
@@ -5676,7 +5628,7 @@
               <a:t>:id</a:t>
             </a:r>
             <a:r>
-              <a:rPr kumimoji="0" lang="zh-TW" altLang="zh-TW" sz="1000" b="0" i="0" u="none" strike="noStrike" cap="none" normalizeH="0" baseline="0" dirty="0" smtClean="0">
+              <a:rPr kumimoji="0" lang="zh-TW" altLang="zh-TW" sz="1000" b="0" i="0" u="none" strike="noStrike" cap="none" normalizeH="0" baseline="0" dirty="0">
                 <a:ln>
                   <a:noFill/>
                 </a:ln>
@@ -5690,7 +5642,7 @@
               <a:t>="@+id/radioFemale"</a:t>
             </a:r>
             <a:br>
-              <a:rPr kumimoji="0" lang="zh-TW" altLang="zh-TW" sz="1000" b="0" i="0" u="none" strike="noStrike" cap="none" normalizeH="0" baseline="0" dirty="0" smtClean="0">
+              <a:rPr kumimoji="0" lang="zh-TW" altLang="zh-TW" sz="1000" b="0" i="0" u="none" strike="noStrike" cap="none" normalizeH="0" baseline="0" dirty="0">
                 <a:ln>
                   <a:noFill/>
                 </a:ln>
@@ -5703,7 +5655,7 @@
               </a:rPr>
             </a:br>
             <a:r>
-              <a:rPr kumimoji="0" lang="zh-TW" altLang="zh-TW" sz="1000" b="0" i="0" u="none" strike="noStrike" cap="none" normalizeH="0" baseline="0" dirty="0" smtClean="0">
+              <a:rPr kumimoji="0" lang="zh-TW" altLang="zh-TW" sz="1000" b="0" i="0" u="none" strike="noStrike" cap="none" normalizeH="0" baseline="0" dirty="0">
                 <a:ln>
                   <a:noFill/>
                 </a:ln>
@@ -5717,7 +5669,7 @@
               <a:t>                </a:t>
             </a:r>
             <a:r>
-              <a:rPr kumimoji="0" lang="zh-TW" altLang="zh-TW" sz="1000" b="0" i="0" u="none" strike="noStrike" cap="none" normalizeH="0" baseline="0" dirty="0" smtClean="0">
+              <a:rPr kumimoji="0" lang="zh-TW" altLang="zh-TW" sz="1000" b="0" i="0" u="none" strike="noStrike" cap="none" normalizeH="0" baseline="0" dirty="0">
                 <a:ln>
                   <a:noFill/>
                 </a:ln>
@@ -5731,7 +5683,7 @@
               <a:t>android</a:t>
             </a:r>
             <a:r>
-              <a:rPr kumimoji="0" lang="zh-TW" altLang="zh-TW" sz="1000" b="0" i="0" u="none" strike="noStrike" cap="none" normalizeH="0" baseline="0" dirty="0" smtClean="0">
+              <a:rPr kumimoji="0" lang="zh-TW" altLang="zh-TW" sz="1000" b="0" i="0" u="none" strike="noStrike" cap="none" normalizeH="0" baseline="0" dirty="0">
                 <a:ln>
                   <a:noFill/>
                 </a:ln>
@@ -5745,7 +5697,7 @@
               <a:t>:layout_width</a:t>
             </a:r>
             <a:r>
-              <a:rPr kumimoji="0" lang="zh-TW" altLang="zh-TW" sz="1000" b="0" i="0" u="none" strike="noStrike" cap="none" normalizeH="0" baseline="0" dirty="0" smtClean="0">
+              <a:rPr kumimoji="0" lang="zh-TW" altLang="zh-TW" sz="1000" b="0" i="0" u="none" strike="noStrike" cap="none" normalizeH="0" baseline="0" dirty="0">
                 <a:ln>
                   <a:noFill/>
                 </a:ln>
@@ -5759,7 +5711,7 @@
               <a:t>="wrap_content"</a:t>
             </a:r>
             <a:br>
-              <a:rPr kumimoji="0" lang="zh-TW" altLang="zh-TW" sz="1000" b="0" i="0" u="none" strike="noStrike" cap="none" normalizeH="0" baseline="0" dirty="0" smtClean="0">
+              <a:rPr kumimoji="0" lang="zh-TW" altLang="zh-TW" sz="1000" b="0" i="0" u="none" strike="noStrike" cap="none" normalizeH="0" baseline="0" dirty="0">
                 <a:ln>
                   <a:noFill/>
                 </a:ln>
@@ -5772,7 +5724,7 @@
               </a:rPr>
             </a:br>
             <a:r>
-              <a:rPr kumimoji="0" lang="zh-TW" altLang="zh-TW" sz="1000" b="0" i="0" u="none" strike="noStrike" cap="none" normalizeH="0" baseline="0" dirty="0" smtClean="0">
+              <a:rPr kumimoji="0" lang="zh-TW" altLang="zh-TW" sz="1000" b="0" i="0" u="none" strike="noStrike" cap="none" normalizeH="0" baseline="0" dirty="0">
                 <a:ln>
                   <a:noFill/>
                 </a:ln>
@@ -5786,7 +5738,7 @@
               <a:t>                </a:t>
             </a:r>
             <a:r>
-              <a:rPr kumimoji="0" lang="zh-TW" altLang="zh-TW" sz="1000" b="0" i="0" u="none" strike="noStrike" cap="none" normalizeH="0" baseline="0" dirty="0" smtClean="0">
+              <a:rPr kumimoji="0" lang="zh-TW" altLang="zh-TW" sz="1000" b="0" i="0" u="none" strike="noStrike" cap="none" normalizeH="0" baseline="0" dirty="0">
                 <a:ln>
                   <a:noFill/>
                 </a:ln>
@@ -5800,7 +5752,7 @@
               <a:t>android</a:t>
             </a:r>
             <a:r>
-              <a:rPr kumimoji="0" lang="zh-TW" altLang="zh-TW" sz="1000" b="0" i="0" u="none" strike="noStrike" cap="none" normalizeH="0" baseline="0" dirty="0" smtClean="0">
+              <a:rPr kumimoji="0" lang="zh-TW" altLang="zh-TW" sz="1000" b="0" i="0" u="none" strike="noStrike" cap="none" normalizeH="0" baseline="0" dirty="0">
                 <a:ln>
                   <a:noFill/>
                 </a:ln>
@@ -5814,7 +5766,7 @@
               <a:t>:layout_height</a:t>
             </a:r>
             <a:r>
-              <a:rPr kumimoji="0" lang="zh-TW" altLang="zh-TW" sz="1000" b="0" i="0" u="none" strike="noStrike" cap="none" normalizeH="0" baseline="0" dirty="0" smtClean="0">
+              <a:rPr kumimoji="0" lang="zh-TW" altLang="zh-TW" sz="1000" b="0" i="0" u="none" strike="noStrike" cap="none" normalizeH="0" baseline="0" dirty="0">
                 <a:ln>
                   <a:noFill/>
                 </a:ln>
@@ -5828,7 +5780,7 @@
               <a:t>="wrap_content"</a:t>
             </a:r>
             <a:br>
-              <a:rPr kumimoji="0" lang="zh-TW" altLang="zh-TW" sz="1000" b="0" i="0" u="none" strike="noStrike" cap="none" normalizeH="0" baseline="0" dirty="0" smtClean="0">
+              <a:rPr kumimoji="0" lang="zh-TW" altLang="zh-TW" sz="1000" b="0" i="0" u="none" strike="noStrike" cap="none" normalizeH="0" baseline="0" dirty="0">
                 <a:ln>
                   <a:noFill/>
                 </a:ln>
@@ -5841,7 +5793,7 @@
               </a:rPr>
             </a:br>
             <a:r>
-              <a:rPr kumimoji="0" lang="zh-TW" altLang="zh-TW" sz="1000" b="0" i="0" u="none" strike="noStrike" cap="none" normalizeH="0" baseline="0" dirty="0" smtClean="0">
+              <a:rPr kumimoji="0" lang="zh-TW" altLang="zh-TW" sz="1000" b="0" i="0" u="none" strike="noStrike" cap="none" normalizeH="0" baseline="0" dirty="0">
                 <a:ln>
                   <a:noFill/>
                 </a:ln>
@@ -5855,7 +5807,7 @@
               <a:t>                </a:t>
             </a:r>
             <a:r>
-              <a:rPr kumimoji="0" lang="zh-TW" altLang="zh-TW" sz="1000" b="0" i="0" u="none" strike="noStrike" cap="none" normalizeH="0" baseline="0" dirty="0" smtClean="0">
+              <a:rPr kumimoji="0" lang="zh-TW" altLang="zh-TW" sz="1000" b="0" i="0" u="none" strike="noStrike" cap="none" normalizeH="0" baseline="0" dirty="0">
                 <a:ln>
                   <a:noFill/>
                 </a:ln>
@@ -5869,7 +5821,7 @@
               <a:t>android</a:t>
             </a:r>
             <a:r>
-              <a:rPr kumimoji="0" lang="zh-TW" altLang="zh-TW" sz="1000" b="0" i="0" u="none" strike="noStrike" cap="none" normalizeH="0" baseline="0" dirty="0" smtClean="0">
+              <a:rPr kumimoji="0" lang="zh-TW" altLang="zh-TW" sz="1000" b="0" i="0" u="none" strike="noStrike" cap="none" normalizeH="0" baseline="0" dirty="0">
                 <a:ln>
                   <a:noFill/>
                 </a:ln>
@@ -5883,7 +5835,7 @@
               <a:t>:text</a:t>
             </a:r>
             <a:r>
-              <a:rPr kumimoji="0" lang="zh-TW" altLang="zh-TW" sz="1000" b="0" i="0" u="none" strike="noStrike" cap="none" normalizeH="0" baseline="0" dirty="0" smtClean="0">
+              <a:rPr kumimoji="0" lang="zh-TW" altLang="zh-TW" sz="1000" b="0" i="0" u="none" strike="noStrike" cap="none" normalizeH="0" baseline="0" dirty="0">
                 <a:ln>
                   <a:noFill/>
                 </a:ln>
@@ -5897,7 +5849,7 @@
               <a:t>="Female" </a:t>
             </a:r>
             <a:r>
-              <a:rPr kumimoji="0" lang="zh-TW" altLang="zh-TW" sz="1000" b="0" i="0" u="none" strike="noStrike" cap="none" normalizeH="0" baseline="0" dirty="0" smtClean="0">
+              <a:rPr kumimoji="0" lang="zh-TW" altLang="zh-TW" sz="1000" b="0" i="0" u="none" strike="noStrike" cap="none" normalizeH="0" baseline="0" dirty="0">
                 <a:ln>
                   <a:noFill/>
                 </a:ln>
@@ -5911,7 +5863,7 @@
               <a:t>/&gt;</a:t>
             </a:r>
             <a:br>
-              <a:rPr kumimoji="0" lang="zh-TW" altLang="zh-TW" sz="1000" b="0" i="0" u="none" strike="noStrike" cap="none" normalizeH="0" baseline="0" dirty="0" smtClean="0">
+              <a:rPr kumimoji="0" lang="zh-TW" altLang="zh-TW" sz="1000" b="0" i="0" u="none" strike="noStrike" cap="none" normalizeH="0" baseline="0" dirty="0">
                 <a:ln>
                   <a:noFill/>
                 </a:ln>
@@ -5924,7 +5876,7 @@
               </a:rPr>
             </a:br>
             <a:r>
-              <a:rPr kumimoji="0" lang="zh-TW" altLang="zh-TW" sz="1000" b="0" i="0" u="none" strike="noStrike" cap="none" normalizeH="0" baseline="0" dirty="0" smtClean="0">
+              <a:rPr kumimoji="0" lang="zh-TW" altLang="zh-TW" sz="1000" b="0" i="0" u="none" strike="noStrike" cap="none" normalizeH="0" baseline="0" dirty="0">
                 <a:ln>
                   <a:noFill/>
                 </a:ln>
@@ -5937,7 +5889,7 @@
               </a:rPr>
               <a:t>        &lt;/RadioGroup&gt;</a:t>
             </a:r>
-            <a:endParaRPr kumimoji="0" lang="zh-TW" altLang="zh-TW" sz="1000" b="0" i="0" u="none" strike="noStrike" cap="none" normalizeH="0" baseline="0" dirty="0" smtClean="0">
+            <a:endParaRPr kumimoji="0" lang="zh-TW" altLang="zh-TW" sz="1000" b="0" i="0" u="none" strike="noStrike" cap="none" normalizeH="0" baseline="0" dirty="0">
               <a:ln>
                 <a:noFill/>
               </a:ln>
@@ -5988,7 +5940,7 @@
               <a:t> </a:t>
             </a:r>
             <a:r>
-              <a:rPr lang="en-US" altLang="zh-TW" sz="1000" dirty="0" smtClean="0">
+              <a:rPr lang="en-US" altLang="zh-TW" sz="1000" dirty="0">
                 <a:solidFill>
                   <a:srgbClr val="D5B778"/>
                 </a:solidFill>
@@ -5998,16 +5950,16 @@
               <a:t>       </a:t>
             </a:r>
             <a:r>
-              <a:rPr lang="zh-TW" altLang="zh-TW" sz="1000" dirty="0" smtClean="0">
+              <a:rPr lang="zh-TW" altLang="zh-TW" sz="1000" dirty="0">
                 <a:solidFill>
                   <a:srgbClr val="7A7E85"/>
                 </a:solidFill>
                 <a:latin typeface="Arial Unicode MS"/>
                 <a:ea typeface="JetBrains Mono"/>
               </a:rPr>
-              <a:t>&lt;!-- </a:t>
-            </a:r>
-            <a:r>
+              <a:t>&lt;!-- Name --&gt;</a:t>
+            </a:r>
+            <a:br>
               <a:rPr lang="zh-TW" altLang="zh-TW" sz="1000" dirty="0">
                 <a:solidFill>
                   <a:srgbClr val="7A7E85"/>
@@ -6015,12 +5967,31 @@
                 <a:latin typeface="Arial Unicode MS"/>
                 <a:ea typeface="JetBrains Mono"/>
               </a:rPr>
-              <a:t>Name --&gt;</a:t>
+            </a:br>
+            <a:r>
+              <a:rPr lang="zh-TW" altLang="zh-TW" sz="1000" dirty="0">
+                <a:solidFill>
+                  <a:srgbClr val="7A7E85"/>
+                </a:solidFill>
+                <a:latin typeface="Arial Unicode MS"/>
+                <a:ea typeface="JetBrains Mono"/>
+              </a:rPr>
+              <a:t>        </a:t>
+            </a:r>
+            <a:r>
+              <a:rPr lang="zh-TW" altLang="zh-TW" sz="1000" dirty="0">
+                <a:solidFill>
+                  <a:srgbClr val="D5B778"/>
+                </a:solidFill>
+                <a:latin typeface="Arial Unicode MS"/>
+                <a:ea typeface="JetBrains Mono"/>
+              </a:rPr>
+              <a:t>&lt;EditText</a:t>
             </a:r>
             <a:br>
               <a:rPr lang="zh-TW" altLang="zh-TW" sz="1000" dirty="0">
                 <a:solidFill>
-                  <a:srgbClr val="7A7E85"/>
+                  <a:srgbClr val="D5B778"/>
                 </a:solidFill>
                 <a:latin typeface="Arial Unicode MS"/>
                 <a:ea typeface="JetBrains Mono"/>
@@ -6029,240 +6000,201 @@
             <a:r>
               <a:rPr lang="zh-TW" altLang="zh-TW" sz="1000" dirty="0">
                 <a:solidFill>
-                  <a:srgbClr val="7A7E85"/>
-                </a:solidFill>
-                <a:latin typeface="Arial Unicode MS"/>
-                <a:ea typeface="JetBrains Mono"/>
-              </a:rPr>
-              <a:t>        </a:t>
-            </a:r>
-            <a:r>
-              <a:rPr lang="zh-TW" altLang="zh-TW" sz="1000" dirty="0">
-                <a:solidFill>
                   <a:srgbClr val="D5B778"/>
                 </a:solidFill>
                 <a:latin typeface="Arial Unicode MS"/>
                 <a:ea typeface="JetBrains Mono"/>
               </a:rPr>
-              <a:t>&lt;EditText</a:t>
+              <a:t>            </a:t>
+            </a:r>
+            <a:r>
+              <a:rPr lang="zh-TW" altLang="zh-TW" sz="1000" dirty="0">
+                <a:solidFill>
+                  <a:srgbClr val="C77DBB"/>
+                </a:solidFill>
+                <a:latin typeface="Arial Unicode MS"/>
+                <a:ea typeface="JetBrains Mono"/>
+              </a:rPr>
+              <a:t>android</a:t>
+            </a:r>
+            <a:r>
+              <a:rPr lang="zh-TW" altLang="zh-TW" sz="1000" dirty="0">
+                <a:solidFill>
+                  <a:srgbClr val="BCBEC4"/>
+                </a:solidFill>
+                <a:latin typeface="Arial Unicode MS"/>
+                <a:ea typeface="JetBrains Mono"/>
+              </a:rPr>
+              <a:t>:id</a:t>
+            </a:r>
+            <a:r>
+              <a:rPr lang="zh-TW" altLang="zh-TW" sz="1000" dirty="0">
+                <a:solidFill>
+                  <a:srgbClr val="6AAB73"/>
+                </a:solidFill>
+                <a:latin typeface="Arial Unicode MS"/>
+                <a:ea typeface="JetBrains Mono"/>
+              </a:rPr>
+              <a:t>="@+id/editTextName"</a:t>
             </a:r>
             <a:br>
               <a:rPr lang="zh-TW" altLang="zh-TW" sz="1000" dirty="0">
                 <a:solidFill>
+                  <a:srgbClr val="6AAB73"/>
+                </a:solidFill>
+                <a:latin typeface="Arial Unicode MS"/>
+                <a:ea typeface="JetBrains Mono"/>
+              </a:rPr>
+            </a:br>
+            <a:r>
+              <a:rPr lang="zh-TW" altLang="zh-TW" sz="1000" dirty="0">
+                <a:solidFill>
+                  <a:srgbClr val="6AAB73"/>
+                </a:solidFill>
+                <a:latin typeface="Arial Unicode MS"/>
+                <a:ea typeface="JetBrains Mono"/>
+              </a:rPr>
+              <a:t>            </a:t>
+            </a:r>
+            <a:r>
+              <a:rPr lang="zh-TW" altLang="zh-TW" sz="1000" dirty="0">
+                <a:solidFill>
+                  <a:srgbClr val="C77DBB"/>
+                </a:solidFill>
+                <a:latin typeface="Arial Unicode MS"/>
+                <a:ea typeface="JetBrains Mono"/>
+              </a:rPr>
+              <a:t>android</a:t>
+            </a:r>
+            <a:r>
+              <a:rPr lang="zh-TW" altLang="zh-TW" sz="1000" dirty="0">
+                <a:solidFill>
+                  <a:srgbClr val="BCBEC4"/>
+                </a:solidFill>
+                <a:latin typeface="Arial Unicode MS"/>
+                <a:ea typeface="JetBrains Mono"/>
+              </a:rPr>
+              <a:t>:layout_width</a:t>
+            </a:r>
+            <a:r>
+              <a:rPr lang="zh-TW" altLang="zh-TW" sz="1000" dirty="0">
+                <a:solidFill>
+                  <a:srgbClr val="6AAB73"/>
+                </a:solidFill>
+                <a:latin typeface="Arial Unicode MS"/>
+                <a:ea typeface="JetBrains Mono"/>
+              </a:rPr>
+              <a:t>="match_parent"</a:t>
+            </a:r>
+            <a:br>
+              <a:rPr lang="zh-TW" altLang="zh-TW" sz="1000" dirty="0">
+                <a:solidFill>
+                  <a:srgbClr val="6AAB73"/>
+                </a:solidFill>
+                <a:latin typeface="Arial Unicode MS"/>
+                <a:ea typeface="JetBrains Mono"/>
+              </a:rPr>
+            </a:br>
+            <a:r>
+              <a:rPr lang="zh-TW" altLang="zh-TW" sz="1000" dirty="0">
+                <a:solidFill>
+                  <a:srgbClr val="6AAB73"/>
+                </a:solidFill>
+                <a:latin typeface="Arial Unicode MS"/>
+                <a:ea typeface="JetBrains Mono"/>
+              </a:rPr>
+              <a:t>            </a:t>
+            </a:r>
+            <a:r>
+              <a:rPr lang="zh-TW" altLang="zh-TW" sz="1000" dirty="0">
+                <a:solidFill>
+                  <a:srgbClr val="C77DBB"/>
+                </a:solidFill>
+                <a:latin typeface="Arial Unicode MS"/>
+                <a:ea typeface="JetBrains Mono"/>
+              </a:rPr>
+              <a:t>android</a:t>
+            </a:r>
+            <a:r>
+              <a:rPr lang="zh-TW" altLang="zh-TW" sz="1000" dirty="0">
+                <a:solidFill>
+                  <a:srgbClr val="BCBEC4"/>
+                </a:solidFill>
+                <a:latin typeface="Arial Unicode MS"/>
+                <a:ea typeface="JetBrains Mono"/>
+              </a:rPr>
+              <a:t>:layout_height</a:t>
+            </a:r>
+            <a:r>
+              <a:rPr lang="zh-TW" altLang="zh-TW" sz="1000" dirty="0">
+                <a:solidFill>
+                  <a:srgbClr val="6AAB73"/>
+                </a:solidFill>
+                <a:latin typeface="Arial Unicode MS"/>
+                <a:ea typeface="JetBrains Mono"/>
+              </a:rPr>
+              <a:t>="wrap_content"</a:t>
+            </a:r>
+            <a:br>
+              <a:rPr lang="zh-TW" altLang="zh-TW" sz="1000" dirty="0">
+                <a:solidFill>
+                  <a:srgbClr val="6AAB73"/>
+                </a:solidFill>
+                <a:latin typeface="Arial Unicode MS"/>
+                <a:ea typeface="JetBrains Mono"/>
+              </a:rPr>
+            </a:br>
+            <a:r>
+              <a:rPr lang="zh-TW" altLang="zh-TW" sz="1000" dirty="0">
+                <a:solidFill>
+                  <a:srgbClr val="6AAB73"/>
+                </a:solidFill>
+                <a:latin typeface="Arial Unicode MS"/>
+                <a:ea typeface="JetBrains Mono"/>
+              </a:rPr>
+              <a:t>            </a:t>
+            </a:r>
+            <a:r>
+              <a:rPr lang="zh-TW" altLang="zh-TW" sz="1000" dirty="0">
+                <a:solidFill>
+                  <a:srgbClr val="C77DBB"/>
+                </a:solidFill>
+                <a:latin typeface="Arial Unicode MS"/>
+                <a:ea typeface="JetBrains Mono"/>
+              </a:rPr>
+              <a:t>android</a:t>
+            </a:r>
+            <a:r>
+              <a:rPr lang="zh-TW" altLang="zh-TW" sz="1000" dirty="0">
+                <a:solidFill>
+                  <a:srgbClr val="BCBEC4"/>
+                </a:solidFill>
+                <a:latin typeface="Arial Unicode MS"/>
+                <a:ea typeface="JetBrains Mono"/>
+              </a:rPr>
+              <a:t>:hint</a:t>
+            </a:r>
+            <a:r>
+              <a:rPr lang="zh-TW" altLang="zh-TW" sz="1000" dirty="0">
+                <a:solidFill>
+                  <a:srgbClr val="6AAB73"/>
+                </a:solidFill>
+                <a:latin typeface="Arial Unicode MS"/>
+                <a:ea typeface="JetBrains Mono"/>
+              </a:rPr>
+              <a:t>="Name" </a:t>
+            </a:r>
+            <a:r>
+              <a:rPr lang="zh-TW" altLang="zh-TW" sz="1000" dirty="0">
+                <a:solidFill>
                   <a:srgbClr val="D5B778"/>
                 </a:solidFill>
                 <a:latin typeface="Arial Unicode MS"/>
                 <a:ea typeface="JetBrains Mono"/>
               </a:rPr>
-            </a:br>
-            <a:r>
-              <a:rPr lang="zh-TW" altLang="zh-TW" sz="1000" dirty="0">
-                <a:solidFill>
-                  <a:srgbClr val="D5B778"/>
-                </a:solidFill>
-                <a:latin typeface="Arial Unicode MS"/>
-                <a:ea typeface="JetBrains Mono"/>
-              </a:rPr>
-              <a:t>            </a:t>
-            </a:r>
-            <a:r>
-              <a:rPr lang="zh-TW" altLang="zh-TW" sz="1000" dirty="0">
-                <a:solidFill>
-                  <a:srgbClr val="C77DBB"/>
-                </a:solidFill>
-                <a:latin typeface="Arial Unicode MS"/>
-                <a:ea typeface="JetBrains Mono"/>
-              </a:rPr>
-              <a:t>android</a:t>
-            </a:r>
-            <a:r>
-              <a:rPr lang="zh-TW" altLang="zh-TW" sz="1000" dirty="0">
-                <a:solidFill>
-                  <a:srgbClr val="BCBEC4"/>
-                </a:solidFill>
-                <a:latin typeface="Arial Unicode MS"/>
-                <a:ea typeface="JetBrains Mono"/>
-              </a:rPr>
-              <a:t>:id</a:t>
-            </a:r>
-            <a:r>
-              <a:rPr lang="zh-TW" altLang="zh-TW" sz="1000" dirty="0">
-                <a:solidFill>
-                  <a:srgbClr val="6AAB73"/>
-                </a:solidFill>
-                <a:latin typeface="Arial Unicode MS"/>
-                <a:ea typeface="JetBrains Mono"/>
-              </a:rPr>
-              <a:t>="@+id/editTextName"</a:t>
-            </a:r>
-            <a:br>
-              <a:rPr lang="zh-TW" altLang="zh-TW" sz="1000" dirty="0">
-                <a:solidFill>
-                  <a:srgbClr val="6AAB73"/>
-                </a:solidFill>
-                <a:latin typeface="Arial Unicode MS"/>
-                <a:ea typeface="JetBrains Mono"/>
-              </a:rPr>
-            </a:br>
-            <a:r>
-              <a:rPr lang="zh-TW" altLang="zh-TW" sz="1000" dirty="0">
-                <a:solidFill>
-                  <a:srgbClr val="6AAB73"/>
-                </a:solidFill>
-                <a:latin typeface="Arial Unicode MS"/>
-                <a:ea typeface="JetBrains Mono"/>
-              </a:rPr>
-              <a:t>            </a:t>
-            </a:r>
-            <a:r>
-              <a:rPr lang="zh-TW" altLang="zh-TW" sz="1000" dirty="0">
-                <a:solidFill>
-                  <a:srgbClr val="C77DBB"/>
-                </a:solidFill>
-                <a:latin typeface="Arial Unicode MS"/>
-                <a:ea typeface="JetBrains Mono"/>
-              </a:rPr>
-              <a:t>android</a:t>
-            </a:r>
-            <a:r>
-              <a:rPr lang="zh-TW" altLang="zh-TW" sz="1000" dirty="0">
-                <a:solidFill>
-                  <a:srgbClr val="BCBEC4"/>
-                </a:solidFill>
-                <a:latin typeface="Arial Unicode MS"/>
-                <a:ea typeface="JetBrains Mono"/>
-              </a:rPr>
-              <a:t>:layout_width</a:t>
-            </a:r>
-            <a:r>
-              <a:rPr lang="zh-TW" altLang="zh-TW" sz="1000" dirty="0">
-                <a:solidFill>
-                  <a:srgbClr val="6AAB73"/>
-                </a:solidFill>
-                <a:latin typeface="Arial Unicode MS"/>
-                <a:ea typeface="JetBrains Mono"/>
-              </a:rPr>
-              <a:t>="match_parent"</a:t>
-            </a:r>
-            <a:br>
-              <a:rPr lang="zh-TW" altLang="zh-TW" sz="1000" dirty="0">
-                <a:solidFill>
-                  <a:srgbClr val="6AAB73"/>
-                </a:solidFill>
-                <a:latin typeface="Arial Unicode MS"/>
-                <a:ea typeface="JetBrains Mono"/>
-              </a:rPr>
-            </a:br>
-            <a:r>
-              <a:rPr lang="zh-TW" altLang="zh-TW" sz="1000" dirty="0">
-                <a:solidFill>
-                  <a:srgbClr val="6AAB73"/>
-                </a:solidFill>
-                <a:latin typeface="Arial Unicode MS"/>
-                <a:ea typeface="JetBrains Mono"/>
-              </a:rPr>
-              <a:t>            </a:t>
-            </a:r>
-            <a:r>
-              <a:rPr lang="zh-TW" altLang="zh-TW" sz="1000" dirty="0">
-                <a:solidFill>
-                  <a:srgbClr val="C77DBB"/>
-                </a:solidFill>
-                <a:latin typeface="Arial Unicode MS"/>
-                <a:ea typeface="JetBrains Mono"/>
-              </a:rPr>
-              <a:t>android</a:t>
-            </a:r>
-            <a:r>
-              <a:rPr lang="zh-TW" altLang="zh-TW" sz="1000" dirty="0">
-                <a:solidFill>
-                  <a:srgbClr val="BCBEC4"/>
-                </a:solidFill>
-                <a:latin typeface="Arial Unicode MS"/>
-                <a:ea typeface="JetBrains Mono"/>
-              </a:rPr>
-              <a:t>:layout_height</a:t>
-            </a:r>
-            <a:r>
-              <a:rPr lang="zh-TW" altLang="zh-TW" sz="1000" dirty="0">
-                <a:solidFill>
-                  <a:srgbClr val="6AAB73"/>
-                </a:solidFill>
-                <a:latin typeface="Arial Unicode MS"/>
-                <a:ea typeface="JetBrains Mono"/>
-              </a:rPr>
-              <a:t>="wrap_content"</a:t>
-            </a:r>
-            <a:br>
-              <a:rPr lang="zh-TW" altLang="zh-TW" sz="1000" dirty="0">
-                <a:solidFill>
-                  <a:srgbClr val="6AAB73"/>
-                </a:solidFill>
-                <a:latin typeface="Arial Unicode MS"/>
-                <a:ea typeface="JetBrains Mono"/>
-              </a:rPr>
-            </a:br>
-            <a:r>
-              <a:rPr lang="zh-TW" altLang="zh-TW" sz="1000" dirty="0">
-                <a:solidFill>
-                  <a:srgbClr val="6AAB73"/>
-                </a:solidFill>
-                <a:latin typeface="Arial Unicode MS"/>
-                <a:ea typeface="JetBrains Mono"/>
-              </a:rPr>
-              <a:t>            </a:t>
-            </a:r>
-            <a:r>
-              <a:rPr lang="zh-TW" altLang="zh-TW" sz="1000" dirty="0">
-                <a:solidFill>
-                  <a:srgbClr val="C77DBB"/>
-                </a:solidFill>
-                <a:latin typeface="Arial Unicode MS"/>
-                <a:ea typeface="JetBrains Mono"/>
-              </a:rPr>
-              <a:t>android</a:t>
-            </a:r>
-            <a:r>
-              <a:rPr lang="zh-TW" altLang="zh-TW" sz="1000" dirty="0">
-                <a:solidFill>
-                  <a:srgbClr val="BCBEC4"/>
-                </a:solidFill>
-                <a:latin typeface="Arial Unicode MS"/>
-                <a:ea typeface="JetBrains Mono"/>
-              </a:rPr>
-              <a:t>:hint</a:t>
-            </a:r>
-            <a:r>
-              <a:rPr lang="zh-TW" altLang="zh-TW" sz="1000" dirty="0">
-                <a:solidFill>
-                  <a:srgbClr val="6AAB73"/>
-                </a:solidFill>
-                <a:latin typeface="Arial Unicode MS"/>
-                <a:ea typeface="JetBrains Mono"/>
-              </a:rPr>
-              <a:t>="Name" </a:t>
-            </a:r>
-            <a:r>
-              <a:rPr lang="zh-TW" altLang="zh-TW" sz="1000" dirty="0">
-                <a:solidFill>
-                  <a:srgbClr val="D5B778"/>
-                </a:solidFill>
-                <a:latin typeface="Arial Unicode MS"/>
-                <a:ea typeface="JetBrains Mono"/>
-              </a:rPr>
-              <a:t>/&gt;</a:t>
-            </a:r>
-            <a:r>
-              <a:rPr lang="zh-TW" altLang="zh-TW" sz="1000" dirty="0" smtClean="0">
-                <a:solidFill>
-                  <a:srgbClr val="D5B778"/>
-                </a:solidFill>
-                <a:latin typeface="Arial Unicode MS"/>
-                <a:ea typeface="JetBrains Mono"/>
-              </a:rPr>
-              <a:t> </a:t>
-            </a:r>
-            <a:endParaRPr lang="en-US" altLang="zh-TW" sz="1000" dirty="0" smtClean="0">
+              <a:t>/&gt; </a:t>
+            </a:r>
+            <a:endParaRPr lang="en-US" altLang="zh-TW" sz="1000" dirty="0">
               <a:solidFill>
                 <a:srgbClr val="D5B778"/>
               </a:solidFill>
@@ -6279,37 +6211,17 @@
                 <a:latin typeface="Arial Unicode MS"/>
                 <a:ea typeface="JetBrains Mono"/>
               </a:rPr>
-              <a:t> </a:t>
-            </a:r>
-            <a:r>
-              <a:rPr lang="en-US" altLang="zh-TW" sz="1000" dirty="0" smtClean="0">
+              <a:t>        </a:t>
+            </a:r>
+            <a:r>
+              <a:rPr lang="zh-TW" altLang="zh-TW" sz="1000" dirty="0">
                 <a:solidFill>
                   <a:srgbClr val="7A7E85"/>
                 </a:solidFill>
                 <a:latin typeface="Arial Unicode MS"/>
                 <a:ea typeface="JetBrains Mono"/>
               </a:rPr>
-              <a:t>       </a:t>
-            </a:r>
-            <a:r>
-              <a:rPr lang="zh-TW" altLang="zh-TW" sz="1000" dirty="0" smtClean="0">
-                <a:solidFill>
-                  <a:srgbClr val="7A7E85"/>
-                </a:solidFill>
-                <a:latin typeface="Arial Unicode MS"/>
-                <a:ea typeface="JetBrains Mono"/>
-              </a:rPr>
-              <a:t>&lt;!-- </a:t>
-            </a:r>
-            <a:r>
-              <a:rPr lang="zh-TW" altLang="zh-TW" sz="1000" dirty="0">
-                <a:solidFill>
-                  <a:srgbClr val="7A7E85"/>
-                </a:solidFill>
-                <a:latin typeface="Arial Unicode MS"/>
-                <a:ea typeface="JetBrains Mono"/>
-              </a:rPr>
-              <a:t>Password --&gt;</a:t>
+              <a:t>&lt;!-- Password --&gt;</a:t>
             </a:r>
             <a:br>
               <a:rPr lang="zh-TW" altLang="zh-TW" sz="1000" dirty="0">
@@ -7895,6 +7807,42 @@
           </a:p>
         </p:txBody>
       </p:sp>
+      <p:sp>
+        <p:nvSpPr>
+          <p:cNvPr id="9" name="文字方塊 8">
+            <a:extLst>
+              <a:ext uri="{FF2B5EF4-FFF2-40B4-BE49-F238E27FC236}">
+                <a16:creationId xmlns:a16="http://schemas.microsoft.com/office/drawing/2014/main" id="{21739008-88C1-4756-A952-3AB3E2AC90CE}"/>
+              </a:ext>
+            </a:extLst>
+          </p:cNvPr>
+          <p:cNvSpPr txBox="1"/>
+          <p:nvPr/>
+        </p:nvSpPr>
+        <p:spPr>
+          <a:xfrm>
+            <a:off x="407734" y="375980"/>
+            <a:ext cx="2061146" cy="369332"/>
+          </a:xfrm>
+          <a:prstGeom prst="rect">
+            <a:avLst/>
+          </a:prstGeom>
+          <a:noFill/>
+        </p:spPr>
+        <p:txBody>
+          <a:bodyPr wrap="square">
+            <a:spAutoFit/>
+          </a:bodyPr>
+          <a:lstStyle/>
+          <a:p>
+            <a:r>
+              <a:rPr lang="en-US" altLang="zh-TW" dirty="0"/>
+              <a:t>‘activity_main.xml’ </a:t>
+            </a:r>
+            <a:endParaRPr lang="zh-TW" altLang="en-US" dirty="0"/>
+          </a:p>
+        </p:txBody>
+      </p:sp>
     </p:spTree>
     <p:extLst>
       <p:ext uri="{BB962C8B-B14F-4D97-AF65-F5344CB8AC3E}">
@@ -7938,7 +7886,7 @@
         <p:spPr>
           <a:xfrm>
             <a:off x="0" y="0"/>
-            <a:ext cx="10515600" cy="452927"/>
+            <a:ext cx="2942705" cy="452927"/>
           </a:xfrm>
         </p:spPr>
         <p:txBody>
@@ -7948,7 +7896,7 @@
           <a:lstStyle/>
           <a:p>
             <a:r>
-              <a:rPr lang="en-US" altLang="zh-TW" dirty="0" smtClean="0"/>
+              <a:rPr lang="en-US" altLang="zh-TW" dirty="0"/>
               <a:t>3. Code Java</a:t>
             </a:r>
             <a:endParaRPr lang="zh-TW" altLang="en-US" dirty="0"/>
@@ -8698,7 +8646,7 @@
               <a:t>org.json.JSONObject</a:t>
             </a:r>
             <a:r>
-              <a:rPr lang="en-US" altLang="zh-TW" sz="950" dirty="0" smtClean="0">
+              <a:rPr lang="en-US" altLang="zh-TW" sz="950" dirty="0">
                 <a:solidFill>
                   <a:srgbClr val="CF8E6D"/>
                 </a:solidFill>
@@ -8743,7 +8691,7 @@
               <a:tabLst/>
             </a:pPr>
             <a:r>
-              <a:rPr kumimoji="0" lang="zh-TW" altLang="zh-TW" sz="950" b="0" i="0" u="none" strike="noStrike" cap="none" normalizeH="0" baseline="0" dirty="0" smtClean="0">
+              <a:rPr kumimoji="0" lang="zh-TW" altLang="zh-TW" sz="950" b="0" i="0" u="none" strike="noStrike" cap="none" normalizeH="0" baseline="0" dirty="0">
                 <a:ln>
                   <a:noFill/>
                 </a:ln>
@@ -8757,7 +8705,7 @@
               <a:t>public class </a:t>
             </a:r>
             <a:r>
-              <a:rPr kumimoji="0" lang="zh-TW" altLang="zh-TW" sz="950" b="0" i="0" u="none" strike="noStrike" cap="none" normalizeH="0" baseline="0" dirty="0" smtClean="0">
+              <a:rPr kumimoji="0" lang="zh-TW" altLang="zh-TW" sz="950" b="0" i="0" u="none" strike="noStrike" cap="none" normalizeH="0" baseline="0" dirty="0">
                 <a:ln>
                   <a:noFill/>
                 </a:ln>
@@ -8771,7 +8719,7 @@
               <a:t>MainActivity </a:t>
             </a:r>
             <a:r>
-              <a:rPr kumimoji="0" lang="zh-TW" altLang="zh-TW" sz="950" b="0" i="0" u="none" strike="noStrike" cap="none" normalizeH="0" baseline="0" dirty="0" smtClean="0">
+              <a:rPr kumimoji="0" lang="zh-TW" altLang="zh-TW" sz="950" b="0" i="0" u="none" strike="noStrike" cap="none" normalizeH="0" baseline="0" dirty="0">
                 <a:ln>
                   <a:noFill/>
                 </a:ln>
@@ -8785,7 +8733,7 @@
               <a:t>extends </a:t>
             </a:r>
             <a:r>
-              <a:rPr kumimoji="0" lang="zh-TW" altLang="zh-TW" sz="950" b="0" i="0" u="none" strike="noStrike" cap="none" normalizeH="0" baseline="0" dirty="0" smtClean="0">
+              <a:rPr kumimoji="0" lang="zh-TW" altLang="zh-TW" sz="950" b="0" i="0" u="none" strike="noStrike" cap="none" normalizeH="0" baseline="0" dirty="0">
                 <a:ln>
                   <a:noFill/>
                 </a:ln>
@@ -8799,7 +8747,7 @@
               <a:t>AppCompatActivity {</a:t>
             </a:r>
             <a:br>
-              <a:rPr kumimoji="0" lang="zh-TW" altLang="zh-TW" sz="950" b="0" i="0" u="none" strike="noStrike" cap="none" normalizeH="0" baseline="0" dirty="0" smtClean="0">
+              <a:rPr kumimoji="0" lang="zh-TW" altLang="zh-TW" sz="950" b="0" i="0" u="none" strike="noStrike" cap="none" normalizeH="0" baseline="0" dirty="0">
                 <a:ln>
                   <a:noFill/>
                 </a:ln>
@@ -8812,7 +8760,7 @@
               </a:rPr>
             </a:br>
             <a:r>
-              <a:rPr kumimoji="0" lang="zh-TW" altLang="zh-TW" sz="950" b="0" i="0" u="none" strike="noStrike" cap="none" normalizeH="0" baseline="0" dirty="0" smtClean="0">
+              <a:rPr kumimoji="0" lang="zh-TW" altLang="zh-TW" sz="950" b="0" i="0" u="none" strike="noStrike" cap="none" normalizeH="0" baseline="0" dirty="0">
                 <a:ln>
                   <a:noFill/>
                 </a:ln>
@@ -8826,7 +8774,7 @@
               <a:t>    RadioGroup </a:t>
             </a:r>
             <a:r>
-              <a:rPr kumimoji="0" lang="zh-TW" altLang="zh-TW" sz="950" b="0" i="0" u="none" strike="noStrike" cap="none" normalizeH="0" baseline="0" dirty="0" smtClean="0">
+              <a:rPr kumimoji="0" lang="zh-TW" altLang="zh-TW" sz="950" b="0" i="0" u="none" strike="noStrike" cap="none" normalizeH="0" baseline="0" dirty="0">
                 <a:ln>
                   <a:noFill/>
                 </a:ln>
@@ -8840,7 +8788,7 @@
               <a:t>radioGroupGender</a:t>
             </a:r>
             <a:r>
-              <a:rPr kumimoji="0" lang="zh-TW" altLang="zh-TW" sz="950" b="0" i="0" u="none" strike="noStrike" cap="none" normalizeH="0" baseline="0" dirty="0" smtClean="0">
+              <a:rPr kumimoji="0" lang="zh-TW" altLang="zh-TW" sz="950" b="0" i="0" u="none" strike="noStrike" cap="none" normalizeH="0" baseline="0" dirty="0">
                 <a:ln>
                   <a:noFill/>
                 </a:ln>
@@ -8854,7 +8802,7 @@
               <a:t>;</a:t>
             </a:r>
             <a:br>
-              <a:rPr kumimoji="0" lang="zh-TW" altLang="zh-TW" sz="950" b="0" i="0" u="none" strike="noStrike" cap="none" normalizeH="0" baseline="0" dirty="0" smtClean="0">
+              <a:rPr kumimoji="0" lang="zh-TW" altLang="zh-TW" sz="950" b="0" i="0" u="none" strike="noStrike" cap="none" normalizeH="0" baseline="0" dirty="0">
                 <a:ln>
                   <a:noFill/>
                 </a:ln>
@@ -8867,7 +8815,7 @@
               </a:rPr>
             </a:br>
             <a:r>
-              <a:rPr kumimoji="0" lang="zh-TW" altLang="zh-TW" sz="950" b="0" i="0" u="none" strike="noStrike" cap="none" normalizeH="0" baseline="0" dirty="0" smtClean="0">
+              <a:rPr kumimoji="0" lang="zh-TW" altLang="zh-TW" sz="950" b="0" i="0" u="none" strike="noStrike" cap="none" normalizeH="0" baseline="0" dirty="0">
                 <a:ln>
                   <a:noFill/>
                 </a:ln>
@@ -8881,7 +8829,7 @@
               <a:t>    EditText </a:t>
             </a:r>
             <a:r>
-              <a:rPr kumimoji="0" lang="zh-TW" altLang="zh-TW" sz="950" b="0" i="0" u="none" strike="noStrike" cap="none" normalizeH="0" baseline="0" dirty="0" smtClean="0">
+              <a:rPr kumimoji="0" lang="zh-TW" altLang="zh-TW" sz="950" b="0" i="0" u="none" strike="noStrike" cap="none" normalizeH="0" baseline="0" dirty="0">
                 <a:ln>
                   <a:noFill/>
                 </a:ln>
@@ -8895,7 +8843,7 @@
               <a:t>editTextName</a:t>
             </a:r>
             <a:r>
-              <a:rPr kumimoji="0" lang="zh-TW" altLang="zh-TW" sz="950" b="0" i="0" u="none" strike="noStrike" cap="none" normalizeH="0" baseline="0" dirty="0" smtClean="0">
+              <a:rPr kumimoji="0" lang="zh-TW" altLang="zh-TW" sz="950" b="0" i="0" u="none" strike="noStrike" cap="none" normalizeH="0" baseline="0" dirty="0">
                 <a:ln>
                   <a:noFill/>
                 </a:ln>
@@ -8909,7 +8857,7 @@
               <a:t>,</a:t>
             </a:r>
             <a:r>
-              <a:rPr kumimoji="0" lang="zh-TW" altLang="zh-TW" sz="950" b="0" i="0" u="none" strike="noStrike" cap="none" normalizeH="0" baseline="0" dirty="0" smtClean="0">
+              <a:rPr kumimoji="0" lang="zh-TW" altLang="zh-TW" sz="950" b="0" i="0" u="none" strike="noStrike" cap="none" normalizeH="0" baseline="0" dirty="0">
                 <a:ln>
                   <a:noFill/>
                 </a:ln>
@@ -8923,7 +8871,7 @@
               <a:t>editTextPassword</a:t>
             </a:r>
             <a:r>
-              <a:rPr kumimoji="0" lang="zh-TW" altLang="zh-TW" sz="950" b="0" i="0" u="none" strike="noStrike" cap="none" normalizeH="0" baseline="0" dirty="0" smtClean="0">
+              <a:rPr kumimoji="0" lang="zh-TW" altLang="zh-TW" sz="950" b="0" i="0" u="none" strike="noStrike" cap="none" normalizeH="0" baseline="0" dirty="0">
                 <a:ln>
                   <a:noFill/>
                 </a:ln>
@@ -8937,7 +8885,7 @@
               <a:t>,</a:t>
             </a:r>
             <a:r>
-              <a:rPr kumimoji="0" lang="zh-TW" altLang="zh-TW" sz="950" b="0" i="0" u="none" strike="noStrike" cap="none" normalizeH="0" baseline="0" dirty="0" smtClean="0">
+              <a:rPr kumimoji="0" lang="zh-TW" altLang="zh-TW" sz="950" b="0" i="0" u="none" strike="noStrike" cap="none" normalizeH="0" baseline="0" dirty="0">
                 <a:ln>
                   <a:noFill/>
                 </a:ln>
@@ -8951,7 +8899,7 @@
               <a:t>editTextBirthday</a:t>
             </a:r>
             <a:r>
-              <a:rPr kumimoji="0" lang="zh-TW" altLang="zh-TW" sz="950" b="0" i="0" u="none" strike="noStrike" cap="none" normalizeH="0" baseline="0" dirty="0" smtClean="0">
+              <a:rPr kumimoji="0" lang="zh-TW" altLang="zh-TW" sz="950" b="0" i="0" u="none" strike="noStrike" cap="none" normalizeH="0" baseline="0" dirty="0">
                 <a:ln>
                   <a:noFill/>
                 </a:ln>
@@ -8965,7 +8913,7 @@
               <a:t>,</a:t>
             </a:r>
             <a:r>
-              <a:rPr kumimoji="0" lang="zh-TW" altLang="zh-TW" sz="950" b="0" i="0" u="none" strike="noStrike" cap="none" normalizeH="0" baseline="0" dirty="0" smtClean="0">
+              <a:rPr kumimoji="0" lang="zh-TW" altLang="zh-TW" sz="950" b="0" i="0" u="none" strike="noStrike" cap="none" normalizeH="0" baseline="0" dirty="0">
                 <a:ln>
                   <a:noFill/>
                 </a:ln>
@@ -8979,7 +8927,7 @@
               <a:t>editTextHeight</a:t>
             </a:r>
             <a:r>
-              <a:rPr kumimoji="0" lang="zh-TW" altLang="zh-TW" sz="950" b="0" i="0" u="none" strike="noStrike" cap="none" normalizeH="0" baseline="0" dirty="0" smtClean="0">
+              <a:rPr kumimoji="0" lang="zh-TW" altLang="zh-TW" sz="950" b="0" i="0" u="none" strike="noStrike" cap="none" normalizeH="0" baseline="0" dirty="0">
                 <a:ln>
                   <a:noFill/>
                 </a:ln>
@@ -8993,7 +8941,7 @@
               <a:t>,</a:t>
             </a:r>
             <a:r>
-              <a:rPr kumimoji="0" lang="zh-TW" altLang="zh-TW" sz="950" b="0" i="0" u="none" strike="noStrike" cap="none" normalizeH="0" baseline="0" dirty="0" smtClean="0">
+              <a:rPr kumimoji="0" lang="zh-TW" altLang="zh-TW" sz="950" b="0" i="0" u="none" strike="noStrike" cap="none" normalizeH="0" baseline="0" dirty="0">
                 <a:ln>
                   <a:noFill/>
                 </a:ln>
@@ -9007,7 +8955,7 @@
               <a:t>editTextWeight</a:t>
             </a:r>
             <a:r>
-              <a:rPr kumimoji="0" lang="zh-TW" altLang="zh-TW" sz="950" b="0" i="0" u="none" strike="noStrike" cap="none" normalizeH="0" baseline="0" dirty="0" smtClean="0">
+              <a:rPr kumimoji="0" lang="zh-TW" altLang="zh-TW" sz="950" b="0" i="0" u="none" strike="noStrike" cap="none" normalizeH="0" baseline="0" dirty="0">
                 <a:ln>
                   <a:noFill/>
                 </a:ln>
@@ -9021,7 +8969,7 @@
               <a:t>;</a:t>
             </a:r>
             <a:br>
-              <a:rPr kumimoji="0" lang="zh-TW" altLang="zh-TW" sz="950" b="0" i="0" u="none" strike="noStrike" cap="none" normalizeH="0" baseline="0" dirty="0" smtClean="0">
+              <a:rPr kumimoji="0" lang="zh-TW" altLang="zh-TW" sz="950" b="0" i="0" u="none" strike="noStrike" cap="none" normalizeH="0" baseline="0" dirty="0">
                 <a:ln>
                   <a:noFill/>
                 </a:ln>
@@ -9034,7 +8982,7 @@
               </a:rPr>
             </a:br>
             <a:r>
-              <a:rPr kumimoji="0" lang="zh-TW" altLang="zh-TW" sz="950" b="0" i="0" u="none" strike="noStrike" cap="none" normalizeH="0" baseline="0" dirty="0" smtClean="0">
+              <a:rPr kumimoji="0" lang="zh-TW" altLang="zh-TW" sz="950" b="0" i="0" u="none" strike="noStrike" cap="none" normalizeH="0" baseline="0" dirty="0">
                 <a:ln>
                   <a:noFill/>
                 </a:ln>
@@ -9048,7 +8996,7 @@
               <a:t>    TextView </a:t>
             </a:r>
             <a:r>
-              <a:rPr kumimoji="0" lang="zh-TW" altLang="zh-TW" sz="950" b="0" i="0" u="none" strike="noStrike" cap="none" normalizeH="0" baseline="0" dirty="0" smtClean="0">
+              <a:rPr kumimoji="0" lang="zh-TW" altLang="zh-TW" sz="950" b="0" i="0" u="none" strike="noStrike" cap="none" normalizeH="0" baseline="0" dirty="0">
                 <a:ln>
                   <a:noFill/>
                 </a:ln>
@@ -9062,7 +9010,7 @@
               <a:t>TextViewRequest</a:t>
             </a:r>
             <a:r>
-              <a:rPr kumimoji="0" lang="zh-TW" altLang="zh-TW" sz="950" b="0" i="0" u="none" strike="noStrike" cap="none" normalizeH="0" baseline="0" dirty="0" smtClean="0">
+              <a:rPr kumimoji="0" lang="zh-TW" altLang="zh-TW" sz="950" b="0" i="0" u="none" strike="noStrike" cap="none" normalizeH="0" baseline="0" dirty="0">
                 <a:ln>
                   <a:noFill/>
                 </a:ln>
@@ -9076,7 +9024,7 @@
               <a:t>;</a:t>
             </a:r>
             <a:br>
-              <a:rPr kumimoji="0" lang="zh-TW" altLang="zh-TW" sz="950" b="0" i="0" u="none" strike="noStrike" cap="none" normalizeH="0" baseline="0" dirty="0" smtClean="0">
+              <a:rPr kumimoji="0" lang="zh-TW" altLang="zh-TW" sz="950" b="0" i="0" u="none" strike="noStrike" cap="none" normalizeH="0" baseline="0" dirty="0">
                 <a:ln>
                   <a:noFill/>
                 </a:ln>
@@ -9089,7 +9037,7 @@
               </a:rPr>
             </a:br>
             <a:r>
-              <a:rPr kumimoji="0" lang="zh-TW" altLang="zh-TW" sz="950" b="0" i="0" u="none" strike="noStrike" cap="none" normalizeH="0" baseline="0" dirty="0" smtClean="0">
+              <a:rPr kumimoji="0" lang="zh-TW" altLang="zh-TW" sz="950" b="0" i="0" u="none" strike="noStrike" cap="none" normalizeH="0" baseline="0" dirty="0">
                 <a:ln>
                   <a:noFill/>
                 </a:ln>
@@ -9103,7 +9051,7 @@
               <a:t>    </a:t>
             </a:r>
             <a:r>
-              <a:rPr kumimoji="0" lang="zh-TW" altLang="zh-TW" sz="950" b="0" i="0" u="none" strike="noStrike" cap="none" normalizeH="0" baseline="0" dirty="0" smtClean="0">
+              <a:rPr kumimoji="0" lang="zh-TW" altLang="zh-TW" sz="950" b="0" i="0" u="none" strike="noStrike" cap="none" normalizeH="0" baseline="0" dirty="0">
                 <a:ln>
                   <a:noFill/>
                 </a:ln>
@@ -9117,7 +9065,7 @@
               <a:t>final </a:t>
             </a:r>
             <a:r>
-              <a:rPr kumimoji="0" lang="zh-TW" altLang="zh-TW" sz="950" b="0" i="0" u="none" strike="noStrike" cap="none" normalizeH="0" baseline="0" dirty="0" smtClean="0">
+              <a:rPr kumimoji="0" lang="zh-TW" altLang="zh-TW" sz="950" b="0" i="0" u="none" strike="noStrike" cap="none" normalizeH="0" baseline="0" dirty="0">
                 <a:ln>
                   <a:noFill/>
                 </a:ln>
@@ -9131,7 +9079,7 @@
               <a:t>String </a:t>
             </a:r>
             <a:r>
-              <a:rPr kumimoji="0" lang="zh-TW" altLang="zh-TW" sz="950" b="0" i="0" u="none" strike="noStrike" cap="none" normalizeH="0" baseline="0" dirty="0" smtClean="0">
+              <a:rPr kumimoji="0" lang="zh-TW" altLang="zh-TW" sz="950" b="0" i="0" u="none" strike="noStrike" cap="none" normalizeH="0" baseline="0" dirty="0">
                 <a:ln>
                   <a:noFill/>
                 </a:ln>
@@ -9145,7 +9093,7 @@
               <a:t>SERVER_URL </a:t>
             </a:r>
             <a:r>
-              <a:rPr kumimoji="0" lang="zh-TW" altLang="zh-TW" sz="950" b="0" i="0" u="none" strike="noStrike" cap="none" normalizeH="0" baseline="0" dirty="0" smtClean="0">
+              <a:rPr kumimoji="0" lang="zh-TW" altLang="zh-TW" sz="950" b="0" i="0" u="none" strike="noStrike" cap="none" normalizeH="0" baseline="0" dirty="0">
                 <a:ln>
                   <a:noFill/>
                 </a:ln>
@@ -9159,7 +9107,7 @@
               <a:t>= </a:t>
             </a:r>
             <a:r>
-              <a:rPr kumimoji="0" lang="zh-TW" altLang="zh-TW" sz="950" b="0" i="0" u="none" strike="noStrike" cap="none" normalizeH="0" baseline="0" dirty="0" smtClean="0">
+              <a:rPr kumimoji="0" lang="zh-TW" altLang="zh-TW" sz="950" b="0" i="0" u="none" strike="noStrike" cap="none" normalizeH="0" baseline="0" dirty="0">
                 <a:ln>
                   <a:noFill/>
                 </a:ln>
@@ -9173,7 +9121,7 @@
               <a:t>"http://wiciar.com/bmi/submit"</a:t>
             </a:r>
             <a:r>
-              <a:rPr kumimoji="0" lang="zh-TW" altLang="zh-TW" sz="950" b="0" i="0" u="none" strike="noStrike" cap="none" normalizeH="0" baseline="0" dirty="0" smtClean="0">
+              <a:rPr kumimoji="0" lang="zh-TW" altLang="zh-TW" sz="950" b="0" i="0" u="none" strike="noStrike" cap="none" normalizeH="0" baseline="0" dirty="0">
                 <a:ln>
                   <a:noFill/>
                 </a:ln>
@@ -9187,7 +9135,7 @@
               <a:t>;</a:t>
             </a:r>
             <a:br>
-              <a:rPr kumimoji="0" lang="zh-TW" altLang="zh-TW" sz="950" b="0" i="0" u="none" strike="noStrike" cap="none" normalizeH="0" baseline="0" dirty="0" smtClean="0">
+              <a:rPr kumimoji="0" lang="zh-TW" altLang="zh-TW" sz="950" b="0" i="0" u="none" strike="noStrike" cap="none" normalizeH="0" baseline="0" dirty="0">
                 <a:ln>
                   <a:noFill/>
                 </a:ln>
@@ -9200,7 +9148,7 @@
               </a:rPr>
             </a:br>
             <a:r>
-              <a:rPr kumimoji="0" lang="zh-TW" altLang="zh-TW" sz="950" b="0" i="0" u="none" strike="noStrike" cap="none" normalizeH="0" baseline="0" dirty="0" smtClean="0">
+              <a:rPr kumimoji="0" lang="zh-TW" altLang="zh-TW" sz="950" b="0" i="0" u="none" strike="noStrike" cap="none" normalizeH="0" baseline="0" dirty="0">
                 <a:ln>
                   <a:noFill/>
                 </a:ln>
@@ -9214,7 +9162,7 @@
               <a:t>    </a:t>
             </a:r>
             <a:r>
-              <a:rPr kumimoji="0" lang="zh-TW" altLang="zh-TW" sz="950" b="0" i="0" u="none" strike="noStrike" cap="none" normalizeH="0" baseline="0" dirty="0" smtClean="0">
+              <a:rPr kumimoji="0" lang="zh-TW" altLang="zh-TW" sz="950" b="0" i="0" u="none" strike="noStrike" cap="none" normalizeH="0" baseline="0" dirty="0">
                 <a:ln>
                   <a:noFill/>
                 </a:ln>
@@ -9228,7 +9176,7 @@
               <a:t>@Override</a:t>
             </a:r>
             <a:br>
-              <a:rPr kumimoji="0" lang="zh-TW" altLang="zh-TW" sz="950" b="0" i="0" u="none" strike="noStrike" cap="none" normalizeH="0" baseline="0" dirty="0" smtClean="0">
+              <a:rPr kumimoji="0" lang="zh-TW" altLang="zh-TW" sz="950" b="0" i="0" u="none" strike="noStrike" cap="none" normalizeH="0" baseline="0" dirty="0">
                 <a:ln>
                   <a:noFill/>
                 </a:ln>
@@ -9241,7 +9189,7 @@
               </a:rPr>
             </a:br>
             <a:r>
-              <a:rPr kumimoji="0" lang="zh-TW" altLang="zh-TW" sz="950" b="0" i="0" u="none" strike="noStrike" cap="none" normalizeH="0" baseline="0" dirty="0" smtClean="0">
+              <a:rPr kumimoji="0" lang="zh-TW" altLang="zh-TW" sz="950" b="0" i="0" u="none" strike="noStrike" cap="none" normalizeH="0" baseline="0" dirty="0">
                 <a:ln>
                   <a:noFill/>
                 </a:ln>
@@ -9255,7 +9203,7 @@
               <a:t>    </a:t>
             </a:r>
             <a:r>
-              <a:rPr kumimoji="0" lang="zh-TW" altLang="zh-TW" sz="950" b="0" i="0" u="none" strike="noStrike" cap="none" normalizeH="0" baseline="0" dirty="0" smtClean="0">
+              <a:rPr kumimoji="0" lang="zh-TW" altLang="zh-TW" sz="950" b="0" i="0" u="none" strike="noStrike" cap="none" normalizeH="0" baseline="0" dirty="0">
                 <a:ln>
                   <a:noFill/>
                 </a:ln>
@@ -9269,7 +9217,7 @@
               <a:t>protected void </a:t>
             </a:r>
             <a:r>
-              <a:rPr kumimoji="0" lang="zh-TW" altLang="zh-TW" sz="950" b="0" i="0" u="none" strike="noStrike" cap="none" normalizeH="0" baseline="0" dirty="0" smtClean="0">
+              <a:rPr kumimoji="0" lang="zh-TW" altLang="zh-TW" sz="950" b="0" i="0" u="none" strike="noStrike" cap="none" normalizeH="0" baseline="0" dirty="0">
                 <a:ln>
                   <a:noFill/>
                 </a:ln>
@@ -9283,7 +9231,7 @@
               <a:t>onCreate</a:t>
             </a:r>
             <a:r>
-              <a:rPr kumimoji="0" lang="zh-TW" altLang="zh-TW" sz="950" b="0" i="0" u="none" strike="noStrike" cap="none" normalizeH="0" baseline="0" dirty="0" smtClean="0">
+              <a:rPr kumimoji="0" lang="zh-TW" altLang="zh-TW" sz="950" b="0" i="0" u="none" strike="noStrike" cap="none" normalizeH="0" baseline="0" dirty="0">
                 <a:ln>
                   <a:noFill/>
                 </a:ln>
@@ -9297,7 +9245,7 @@
               <a:t>(Bundle savedInstanceState) {</a:t>
             </a:r>
             <a:br>
-              <a:rPr kumimoji="0" lang="zh-TW" altLang="zh-TW" sz="950" b="0" i="0" u="none" strike="noStrike" cap="none" normalizeH="0" baseline="0" dirty="0" smtClean="0">
+              <a:rPr kumimoji="0" lang="zh-TW" altLang="zh-TW" sz="950" b="0" i="0" u="none" strike="noStrike" cap="none" normalizeH="0" baseline="0" dirty="0">
                 <a:ln>
                   <a:noFill/>
                 </a:ln>
@@ -9310,7 +9258,7 @@
               </a:rPr>
             </a:br>
             <a:r>
-              <a:rPr kumimoji="0" lang="zh-TW" altLang="zh-TW" sz="950" b="0" i="0" u="none" strike="noStrike" cap="none" normalizeH="0" baseline="0" dirty="0" smtClean="0">
+              <a:rPr kumimoji="0" lang="zh-TW" altLang="zh-TW" sz="950" b="0" i="0" u="none" strike="noStrike" cap="none" normalizeH="0" baseline="0" dirty="0">
                 <a:ln>
                   <a:noFill/>
                 </a:ln>
@@ -9324,7 +9272,7 @@
               <a:t>        </a:t>
             </a:r>
             <a:r>
-              <a:rPr kumimoji="0" lang="zh-TW" altLang="zh-TW" sz="950" b="0" i="0" u="none" strike="noStrike" cap="none" normalizeH="0" baseline="0" dirty="0" smtClean="0">
+              <a:rPr kumimoji="0" lang="zh-TW" altLang="zh-TW" sz="950" b="0" i="0" u="none" strike="noStrike" cap="none" normalizeH="0" baseline="0" dirty="0">
                 <a:ln>
                   <a:noFill/>
                 </a:ln>
@@ -9338,7 +9286,7 @@
               <a:t>super</a:t>
             </a:r>
             <a:r>
-              <a:rPr kumimoji="0" lang="zh-TW" altLang="zh-TW" sz="950" b="0" i="0" u="none" strike="noStrike" cap="none" normalizeH="0" baseline="0" dirty="0" smtClean="0">
+              <a:rPr kumimoji="0" lang="zh-TW" altLang="zh-TW" sz="950" b="0" i="0" u="none" strike="noStrike" cap="none" normalizeH="0" baseline="0" dirty="0">
                 <a:ln>
                   <a:noFill/>
                 </a:ln>
@@ -9352,7 +9300,7 @@
               <a:t>.onCreate(savedInstanceState);</a:t>
             </a:r>
             <a:br>
-              <a:rPr kumimoji="0" lang="zh-TW" altLang="zh-TW" sz="950" b="0" i="0" u="none" strike="noStrike" cap="none" normalizeH="0" baseline="0" dirty="0" smtClean="0">
+              <a:rPr kumimoji="0" lang="zh-TW" altLang="zh-TW" sz="950" b="0" i="0" u="none" strike="noStrike" cap="none" normalizeH="0" baseline="0" dirty="0">
                 <a:ln>
                   <a:noFill/>
                 </a:ln>
@@ -9365,7 +9313,7 @@
               </a:rPr>
             </a:br>
             <a:r>
-              <a:rPr kumimoji="0" lang="zh-TW" altLang="zh-TW" sz="950" b="0" i="0" u="none" strike="noStrike" cap="none" normalizeH="0" baseline="0" dirty="0" smtClean="0">
+              <a:rPr kumimoji="0" lang="zh-TW" altLang="zh-TW" sz="950" b="0" i="0" u="none" strike="noStrike" cap="none" normalizeH="0" baseline="0" dirty="0">
                 <a:ln>
                   <a:noFill/>
                 </a:ln>
@@ -9379,7 +9327,7 @@
               <a:t>        EdgeToEdge.</a:t>
             </a:r>
             <a:r>
-              <a:rPr kumimoji="0" lang="zh-TW" altLang="zh-TW" sz="950" b="0" i="1" u="none" strike="noStrike" cap="none" normalizeH="0" baseline="0" dirty="0" smtClean="0">
+              <a:rPr kumimoji="0" lang="zh-TW" altLang="zh-TW" sz="950" b="0" i="1" u="none" strike="noStrike" cap="none" normalizeH="0" baseline="0" dirty="0">
                 <a:ln>
                   <a:noFill/>
                 </a:ln>
@@ -9393,7 +9341,7 @@
               <a:t>enable</a:t>
             </a:r>
             <a:r>
-              <a:rPr kumimoji="0" lang="zh-TW" altLang="zh-TW" sz="950" b="0" i="0" u="none" strike="noStrike" cap="none" normalizeH="0" baseline="0" dirty="0" smtClean="0">
+              <a:rPr kumimoji="0" lang="zh-TW" altLang="zh-TW" sz="950" b="0" i="0" u="none" strike="noStrike" cap="none" normalizeH="0" baseline="0" dirty="0">
                 <a:ln>
                   <a:noFill/>
                 </a:ln>
@@ -9407,7 +9355,7 @@
               <a:t>(</a:t>
             </a:r>
             <a:r>
-              <a:rPr kumimoji="0" lang="zh-TW" altLang="zh-TW" sz="950" b="0" i="0" u="none" strike="noStrike" cap="none" normalizeH="0" baseline="0" dirty="0" smtClean="0">
+              <a:rPr kumimoji="0" lang="zh-TW" altLang="zh-TW" sz="950" b="0" i="0" u="none" strike="noStrike" cap="none" normalizeH="0" baseline="0" dirty="0">
                 <a:ln>
                   <a:noFill/>
                 </a:ln>
@@ -9421,7 +9369,7 @@
               <a:t>this</a:t>
             </a:r>
             <a:r>
-              <a:rPr kumimoji="0" lang="zh-TW" altLang="zh-TW" sz="950" b="0" i="0" u="none" strike="noStrike" cap="none" normalizeH="0" baseline="0" dirty="0" smtClean="0">
+              <a:rPr kumimoji="0" lang="zh-TW" altLang="zh-TW" sz="950" b="0" i="0" u="none" strike="noStrike" cap="none" normalizeH="0" baseline="0" dirty="0">
                 <a:ln>
                   <a:noFill/>
                 </a:ln>
@@ -9435,7 +9383,7 @@
               <a:t>);</a:t>
             </a:r>
             <a:br>
-              <a:rPr kumimoji="0" lang="zh-TW" altLang="zh-TW" sz="950" b="0" i="0" u="none" strike="noStrike" cap="none" normalizeH="0" baseline="0" dirty="0" smtClean="0">
+              <a:rPr kumimoji="0" lang="zh-TW" altLang="zh-TW" sz="950" b="0" i="0" u="none" strike="noStrike" cap="none" normalizeH="0" baseline="0" dirty="0">
                 <a:ln>
                   <a:noFill/>
                 </a:ln>
@@ -9448,7 +9396,7 @@
               </a:rPr>
             </a:br>
             <a:r>
-              <a:rPr kumimoji="0" lang="zh-TW" altLang="zh-TW" sz="950" b="0" i="0" u="none" strike="noStrike" cap="none" normalizeH="0" baseline="0" dirty="0" smtClean="0">
+              <a:rPr kumimoji="0" lang="zh-TW" altLang="zh-TW" sz="950" b="0" i="0" u="none" strike="noStrike" cap="none" normalizeH="0" baseline="0" dirty="0">
                 <a:ln>
                   <a:noFill/>
                 </a:ln>
@@ -9462,7 +9410,7 @@
               <a:t>        setContentView(R.layout.</a:t>
             </a:r>
             <a:r>
-              <a:rPr kumimoji="0" lang="zh-TW" altLang="zh-TW" sz="950" b="0" i="1" u="none" strike="noStrike" cap="none" normalizeH="0" baseline="0" dirty="0" smtClean="0">
+              <a:rPr kumimoji="0" lang="zh-TW" altLang="zh-TW" sz="950" b="0" i="1" u="none" strike="noStrike" cap="none" normalizeH="0" baseline="0" dirty="0">
                 <a:ln>
                   <a:noFill/>
                 </a:ln>
@@ -9476,7 +9424,7 @@
               <a:t>activity_main</a:t>
             </a:r>
             <a:r>
-              <a:rPr kumimoji="0" lang="zh-TW" altLang="zh-TW" sz="950" b="0" i="0" u="none" strike="noStrike" cap="none" normalizeH="0" baseline="0" dirty="0" smtClean="0">
+              <a:rPr kumimoji="0" lang="zh-TW" altLang="zh-TW" sz="950" b="0" i="0" u="none" strike="noStrike" cap="none" normalizeH="0" baseline="0" dirty="0">
                 <a:ln>
                   <a:noFill/>
                 </a:ln>
@@ -9490,7 +9438,7 @@
               <a:t>);</a:t>
             </a:r>
             <a:br>
-              <a:rPr kumimoji="0" lang="zh-TW" altLang="zh-TW" sz="950" b="0" i="0" u="none" strike="noStrike" cap="none" normalizeH="0" baseline="0" dirty="0" smtClean="0">
+              <a:rPr kumimoji="0" lang="zh-TW" altLang="zh-TW" sz="950" b="0" i="0" u="none" strike="noStrike" cap="none" normalizeH="0" baseline="0" dirty="0">
                 <a:ln>
                   <a:noFill/>
                 </a:ln>
@@ -9503,7 +9451,7 @@
               </a:rPr>
             </a:br>
             <a:r>
-              <a:rPr kumimoji="0" lang="zh-TW" altLang="zh-TW" sz="950" b="0" i="0" u="none" strike="noStrike" cap="none" normalizeH="0" baseline="0" dirty="0" smtClean="0">
+              <a:rPr kumimoji="0" lang="zh-TW" altLang="zh-TW" sz="950" b="0" i="0" u="none" strike="noStrike" cap="none" normalizeH="0" baseline="0" dirty="0">
                 <a:ln>
                   <a:noFill/>
                 </a:ln>
@@ -9517,7 +9465,7 @@
               <a:t>        ViewCompat.</a:t>
             </a:r>
             <a:r>
-              <a:rPr kumimoji="0" lang="zh-TW" altLang="zh-TW" sz="950" b="0" i="1" u="none" strike="noStrike" cap="none" normalizeH="0" baseline="0" dirty="0" smtClean="0">
+              <a:rPr kumimoji="0" lang="zh-TW" altLang="zh-TW" sz="950" b="0" i="1" u="none" strike="noStrike" cap="none" normalizeH="0" baseline="0" dirty="0">
                 <a:ln>
                   <a:noFill/>
                 </a:ln>
@@ -9531,7 +9479,7 @@
               <a:t>setOnApplyWindowInsetsListener</a:t>
             </a:r>
             <a:r>
-              <a:rPr kumimoji="0" lang="zh-TW" altLang="zh-TW" sz="950" b="0" i="0" u="none" strike="noStrike" cap="none" normalizeH="0" baseline="0" dirty="0" smtClean="0">
+              <a:rPr kumimoji="0" lang="zh-TW" altLang="zh-TW" sz="950" b="0" i="0" u="none" strike="noStrike" cap="none" normalizeH="0" baseline="0" dirty="0">
                 <a:ln>
                   <a:noFill/>
                 </a:ln>
@@ -9545,7 +9493,7 @@
               <a:t>(findViewById(R.id.</a:t>
             </a:r>
             <a:r>
-              <a:rPr kumimoji="0" lang="zh-TW" altLang="zh-TW" sz="950" b="0" i="1" u="none" strike="noStrike" cap="none" normalizeH="0" baseline="0" dirty="0" smtClean="0">
+              <a:rPr kumimoji="0" lang="zh-TW" altLang="zh-TW" sz="950" b="0" i="1" u="none" strike="noStrike" cap="none" normalizeH="0" baseline="0" dirty="0">
                 <a:ln>
                   <a:noFill/>
                 </a:ln>
@@ -9559,7 +9507,7 @@
               <a:t>main</a:t>
             </a:r>
             <a:r>
-              <a:rPr kumimoji="0" lang="zh-TW" altLang="zh-TW" sz="950" b="0" i="0" u="none" strike="noStrike" cap="none" normalizeH="0" baseline="0" dirty="0" smtClean="0">
+              <a:rPr kumimoji="0" lang="zh-TW" altLang="zh-TW" sz="950" b="0" i="0" u="none" strike="noStrike" cap="none" normalizeH="0" baseline="0" dirty="0">
                 <a:ln>
                   <a:noFill/>
                 </a:ln>
@@ -9573,7 +9521,7 @@
               <a:t>), (v, insets) -&gt; {</a:t>
             </a:r>
             <a:br>
-              <a:rPr kumimoji="0" lang="zh-TW" altLang="zh-TW" sz="950" b="0" i="0" u="none" strike="noStrike" cap="none" normalizeH="0" baseline="0" dirty="0" smtClean="0">
+              <a:rPr kumimoji="0" lang="zh-TW" altLang="zh-TW" sz="950" b="0" i="0" u="none" strike="noStrike" cap="none" normalizeH="0" baseline="0" dirty="0">
                 <a:ln>
                   <a:noFill/>
                 </a:ln>
@@ -9586,7 +9534,7 @@
               </a:rPr>
             </a:br>
             <a:r>
-              <a:rPr kumimoji="0" lang="zh-TW" altLang="zh-TW" sz="950" b="0" i="0" u="none" strike="noStrike" cap="none" normalizeH="0" baseline="0" dirty="0" smtClean="0">
+              <a:rPr kumimoji="0" lang="zh-TW" altLang="zh-TW" sz="950" b="0" i="0" u="none" strike="noStrike" cap="none" normalizeH="0" baseline="0" dirty="0">
                 <a:ln>
                   <a:noFill/>
                 </a:ln>
@@ -9600,7 +9548,7 @@
               <a:t>            Insets systemBars = insets.getInsets(WindowInsetsCompat.Type.</a:t>
             </a:r>
             <a:r>
-              <a:rPr kumimoji="0" lang="zh-TW" altLang="zh-TW" sz="950" b="0" i="1" u="none" strike="noStrike" cap="none" normalizeH="0" baseline="0" dirty="0" smtClean="0">
+              <a:rPr kumimoji="0" lang="zh-TW" altLang="zh-TW" sz="950" b="0" i="1" u="none" strike="noStrike" cap="none" normalizeH="0" baseline="0" dirty="0">
                 <a:ln>
                   <a:noFill/>
                 </a:ln>
@@ -9614,7 +9562,7 @@
               <a:t>systemBars</a:t>
             </a:r>
             <a:r>
-              <a:rPr kumimoji="0" lang="zh-TW" altLang="zh-TW" sz="950" b="0" i="0" u="none" strike="noStrike" cap="none" normalizeH="0" baseline="0" dirty="0" smtClean="0">
+              <a:rPr kumimoji="0" lang="zh-TW" altLang="zh-TW" sz="950" b="0" i="0" u="none" strike="noStrike" cap="none" normalizeH="0" baseline="0" dirty="0">
                 <a:ln>
                   <a:noFill/>
                 </a:ln>
@@ -9628,7 +9576,7 @@
               <a:t>());</a:t>
             </a:r>
             <a:br>
-              <a:rPr kumimoji="0" lang="zh-TW" altLang="zh-TW" sz="950" b="0" i="0" u="none" strike="noStrike" cap="none" normalizeH="0" baseline="0" dirty="0" smtClean="0">
+              <a:rPr kumimoji="0" lang="zh-TW" altLang="zh-TW" sz="950" b="0" i="0" u="none" strike="noStrike" cap="none" normalizeH="0" baseline="0" dirty="0">
                 <a:ln>
                   <a:noFill/>
                 </a:ln>
@@ -9641,7 +9589,7 @@
               </a:rPr>
             </a:br>
             <a:r>
-              <a:rPr kumimoji="0" lang="zh-TW" altLang="zh-TW" sz="950" b="0" i="0" u="none" strike="noStrike" cap="none" normalizeH="0" baseline="0" dirty="0" smtClean="0">
+              <a:rPr kumimoji="0" lang="zh-TW" altLang="zh-TW" sz="950" b="0" i="0" u="none" strike="noStrike" cap="none" normalizeH="0" baseline="0" dirty="0">
                 <a:ln>
                   <a:noFill/>
                 </a:ln>
@@ -9655,7 +9603,7 @@
               <a:t>            v.setPadding(systemBars.</a:t>
             </a:r>
             <a:r>
-              <a:rPr kumimoji="0" lang="zh-TW" altLang="zh-TW" sz="950" b="0" i="0" u="none" strike="noStrike" cap="none" normalizeH="0" baseline="0" dirty="0" smtClean="0">
+              <a:rPr kumimoji="0" lang="zh-TW" altLang="zh-TW" sz="950" b="0" i="0" u="none" strike="noStrike" cap="none" normalizeH="0" baseline="0" dirty="0">
                 <a:ln>
                   <a:noFill/>
                 </a:ln>
@@ -9669,7 +9617,7 @@
               <a:t>left</a:t>
             </a:r>
             <a:r>
-              <a:rPr kumimoji="0" lang="zh-TW" altLang="zh-TW" sz="950" b="0" i="0" u="none" strike="noStrike" cap="none" normalizeH="0" baseline="0" dirty="0" smtClean="0">
+              <a:rPr kumimoji="0" lang="zh-TW" altLang="zh-TW" sz="950" b="0" i="0" u="none" strike="noStrike" cap="none" normalizeH="0" baseline="0" dirty="0">
                 <a:ln>
                   <a:noFill/>
                 </a:ln>
@@ -9683,7 +9631,7 @@
               <a:t>, systemBars.</a:t>
             </a:r>
             <a:r>
-              <a:rPr kumimoji="0" lang="zh-TW" altLang="zh-TW" sz="950" b="0" i="0" u="none" strike="noStrike" cap="none" normalizeH="0" baseline="0" dirty="0" smtClean="0">
+              <a:rPr kumimoji="0" lang="zh-TW" altLang="zh-TW" sz="950" b="0" i="0" u="none" strike="noStrike" cap="none" normalizeH="0" baseline="0" dirty="0">
                 <a:ln>
                   <a:noFill/>
                 </a:ln>
@@ -9697,7 +9645,7 @@
               <a:t>top</a:t>
             </a:r>
             <a:r>
-              <a:rPr kumimoji="0" lang="zh-TW" altLang="zh-TW" sz="950" b="0" i="0" u="none" strike="noStrike" cap="none" normalizeH="0" baseline="0" dirty="0" smtClean="0">
+              <a:rPr kumimoji="0" lang="zh-TW" altLang="zh-TW" sz="950" b="0" i="0" u="none" strike="noStrike" cap="none" normalizeH="0" baseline="0" dirty="0">
                 <a:ln>
                   <a:noFill/>
                 </a:ln>
@@ -9711,7 +9659,7 @@
               <a:t>, systemBars.</a:t>
             </a:r>
             <a:r>
-              <a:rPr kumimoji="0" lang="zh-TW" altLang="zh-TW" sz="950" b="0" i="0" u="none" strike="noStrike" cap="none" normalizeH="0" baseline="0" dirty="0" smtClean="0">
+              <a:rPr kumimoji="0" lang="zh-TW" altLang="zh-TW" sz="950" b="0" i="0" u="none" strike="noStrike" cap="none" normalizeH="0" baseline="0" dirty="0">
                 <a:ln>
                   <a:noFill/>
                 </a:ln>
@@ -9725,7 +9673,7 @@
               <a:t>right</a:t>
             </a:r>
             <a:r>
-              <a:rPr kumimoji="0" lang="zh-TW" altLang="zh-TW" sz="950" b="0" i="0" u="none" strike="noStrike" cap="none" normalizeH="0" baseline="0" dirty="0" smtClean="0">
+              <a:rPr kumimoji="0" lang="zh-TW" altLang="zh-TW" sz="950" b="0" i="0" u="none" strike="noStrike" cap="none" normalizeH="0" baseline="0" dirty="0">
                 <a:ln>
                   <a:noFill/>
                 </a:ln>
@@ -9739,7 +9687,7 @@
               <a:t>, systemBars.</a:t>
             </a:r>
             <a:r>
-              <a:rPr kumimoji="0" lang="zh-TW" altLang="zh-TW" sz="950" b="0" i="0" u="none" strike="noStrike" cap="none" normalizeH="0" baseline="0" dirty="0" smtClean="0">
+              <a:rPr kumimoji="0" lang="zh-TW" altLang="zh-TW" sz="950" b="0" i="0" u="none" strike="noStrike" cap="none" normalizeH="0" baseline="0" dirty="0">
                 <a:ln>
                   <a:noFill/>
                 </a:ln>
@@ -9753,7 +9701,7 @@
               <a:t>bottom</a:t>
             </a:r>
             <a:r>
-              <a:rPr kumimoji="0" lang="zh-TW" altLang="zh-TW" sz="950" b="0" i="0" u="none" strike="noStrike" cap="none" normalizeH="0" baseline="0" dirty="0" smtClean="0">
+              <a:rPr kumimoji="0" lang="zh-TW" altLang="zh-TW" sz="950" b="0" i="0" u="none" strike="noStrike" cap="none" normalizeH="0" baseline="0" dirty="0">
                 <a:ln>
                   <a:noFill/>
                 </a:ln>
@@ -9767,7 +9715,7 @@
               <a:t>);</a:t>
             </a:r>
             <a:br>
-              <a:rPr kumimoji="0" lang="zh-TW" altLang="zh-TW" sz="950" b="0" i="0" u="none" strike="noStrike" cap="none" normalizeH="0" baseline="0" dirty="0" smtClean="0">
+              <a:rPr kumimoji="0" lang="zh-TW" altLang="zh-TW" sz="950" b="0" i="0" u="none" strike="noStrike" cap="none" normalizeH="0" baseline="0" dirty="0">
                 <a:ln>
                   <a:noFill/>
                 </a:ln>
@@ -9780,7 +9728,7 @@
               </a:rPr>
             </a:br>
             <a:r>
-              <a:rPr kumimoji="0" lang="zh-TW" altLang="zh-TW" sz="950" b="0" i="0" u="none" strike="noStrike" cap="none" normalizeH="0" baseline="0" dirty="0" smtClean="0">
+              <a:rPr kumimoji="0" lang="zh-TW" altLang="zh-TW" sz="950" b="0" i="0" u="none" strike="noStrike" cap="none" normalizeH="0" baseline="0" dirty="0">
                 <a:ln>
                   <a:noFill/>
                 </a:ln>
@@ -9794,7 +9742,7 @@
               <a:t>            </a:t>
             </a:r>
             <a:r>
-              <a:rPr kumimoji="0" lang="zh-TW" altLang="zh-TW" sz="950" b="0" i="0" u="none" strike="noStrike" cap="none" normalizeH="0" baseline="0" dirty="0" smtClean="0">
+              <a:rPr kumimoji="0" lang="zh-TW" altLang="zh-TW" sz="950" b="0" i="0" u="none" strike="noStrike" cap="none" normalizeH="0" baseline="0" dirty="0">
                 <a:ln>
                   <a:noFill/>
                 </a:ln>
@@ -9808,7 +9756,7 @@
               <a:t>return </a:t>
             </a:r>
             <a:r>
-              <a:rPr kumimoji="0" lang="zh-TW" altLang="zh-TW" sz="950" b="0" i="0" u="none" strike="noStrike" cap="none" normalizeH="0" baseline="0" dirty="0" smtClean="0">
+              <a:rPr kumimoji="0" lang="zh-TW" altLang="zh-TW" sz="950" b="0" i="0" u="none" strike="noStrike" cap="none" normalizeH="0" baseline="0" dirty="0">
                 <a:ln>
                   <a:noFill/>
                 </a:ln>
@@ -9822,7 +9770,7 @@
               <a:t>insets;</a:t>
             </a:r>
             <a:br>
-              <a:rPr kumimoji="0" lang="zh-TW" altLang="zh-TW" sz="950" b="0" i="0" u="none" strike="noStrike" cap="none" normalizeH="0" baseline="0" dirty="0" smtClean="0">
+              <a:rPr kumimoji="0" lang="zh-TW" altLang="zh-TW" sz="950" b="0" i="0" u="none" strike="noStrike" cap="none" normalizeH="0" baseline="0" dirty="0">
                 <a:ln>
                   <a:noFill/>
                 </a:ln>
@@ -9835,7 +9783,7 @@
               </a:rPr>
             </a:br>
             <a:r>
-              <a:rPr kumimoji="0" lang="zh-TW" altLang="zh-TW" sz="950" b="0" i="0" u="none" strike="noStrike" cap="none" normalizeH="0" baseline="0" dirty="0" smtClean="0">
+              <a:rPr kumimoji="0" lang="zh-TW" altLang="zh-TW" sz="950" b="0" i="0" u="none" strike="noStrike" cap="none" normalizeH="0" baseline="0" dirty="0">
                 <a:ln>
                   <a:noFill/>
                 </a:ln>
@@ -9849,7 +9797,7 @@
               <a:t>        });</a:t>
             </a:r>
             <a:br>
-              <a:rPr kumimoji="0" lang="zh-TW" altLang="zh-TW" sz="950" b="0" i="0" u="none" strike="noStrike" cap="none" normalizeH="0" baseline="0" dirty="0" smtClean="0">
+              <a:rPr kumimoji="0" lang="zh-TW" altLang="zh-TW" sz="950" b="0" i="0" u="none" strike="noStrike" cap="none" normalizeH="0" baseline="0" dirty="0">
                 <a:ln>
                   <a:noFill/>
                 </a:ln>
@@ -9862,7 +9810,7 @@
               </a:rPr>
             </a:br>
             <a:r>
-              <a:rPr kumimoji="0" lang="zh-TW" altLang="zh-TW" sz="950" b="0" i="0" u="none" strike="noStrike" cap="none" normalizeH="0" baseline="0" dirty="0" smtClean="0">
+              <a:rPr kumimoji="0" lang="zh-TW" altLang="zh-TW" sz="950" b="0" i="0" u="none" strike="noStrike" cap="none" normalizeH="0" baseline="0" dirty="0">
                 <a:ln>
                   <a:noFill/>
                 </a:ln>
@@ -9876,7 +9824,7 @@
               <a:t>        </a:t>
             </a:r>
             <a:r>
-              <a:rPr kumimoji="0" lang="zh-TW" altLang="zh-TW" sz="950" b="0" i="0" u="none" strike="noStrike" cap="none" normalizeH="0" baseline="0" dirty="0" smtClean="0">
+              <a:rPr kumimoji="0" lang="zh-TW" altLang="zh-TW" sz="950" b="0" i="0" u="none" strike="noStrike" cap="none" normalizeH="0" baseline="0" dirty="0">
                 <a:ln>
                   <a:noFill/>
                 </a:ln>
@@ -9890,7 +9838,7 @@
               <a:t>radioGroupGender </a:t>
             </a:r>
             <a:r>
-              <a:rPr kumimoji="0" lang="zh-TW" altLang="zh-TW" sz="950" b="0" i="0" u="none" strike="noStrike" cap="none" normalizeH="0" baseline="0" dirty="0" smtClean="0">
+              <a:rPr kumimoji="0" lang="zh-TW" altLang="zh-TW" sz="950" b="0" i="0" u="none" strike="noStrike" cap="none" normalizeH="0" baseline="0" dirty="0">
                 <a:ln>
                   <a:noFill/>
                 </a:ln>
@@ -9904,7 +9852,7 @@
               <a:t>= findViewById(R.id.</a:t>
             </a:r>
             <a:r>
-              <a:rPr kumimoji="0" lang="zh-TW" altLang="zh-TW" sz="950" b="0" i="1" u="none" strike="noStrike" cap="none" normalizeH="0" baseline="0" dirty="0" smtClean="0">
+              <a:rPr kumimoji="0" lang="zh-TW" altLang="zh-TW" sz="950" b="0" i="1" u="none" strike="noStrike" cap="none" normalizeH="0" baseline="0" dirty="0">
                 <a:ln>
                   <a:noFill/>
                 </a:ln>
@@ -9918,7 +9866,7 @@
               <a:t>radioGroupGender</a:t>
             </a:r>
             <a:r>
-              <a:rPr kumimoji="0" lang="zh-TW" altLang="zh-TW" sz="950" b="0" i="0" u="none" strike="noStrike" cap="none" normalizeH="0" baseline="0" dirty="0" smtClean="0">
+              <a:rPr kumimoji="0" lang="zh-TW" altLang="zh-TW" sz="950" b="0" i="0" u="none" strike="noStrike" cap="none" normalizeH="0" baseline="0" dirty="0">
                 <a:ln>
                   <a:noFill/>
                 </a:ln>
@@ -9932,7 +9880,7 @@
               <a:t>);</a:t>
             </a:r>
             <a:br>
-              <a:rPr kumimoji="0" lang="zh-TW" altLang="zh-TW" sz="950" b="0" i="0" u="none" strike="noStrike" cap="none" normalizeH="0" baseline="0" dirty="0" smtClean="0">
+              <a:rPr kumimoji="0" lang="zh-TW" altLang="zh-TW" sz="950" b="0" i="0" u="none" strike="noStrike" cap="none" normalizeH="0" baseline="0" dirty="0">
                 <a:ln>
                   <a:noFill/>
                 </a:ln>
@@ -9945,7 +9893,7 @@
               </a:rPr>
             </a:br>
             <a:r>
-              <a:rPr kumimoji="0" lang="zh-TW" altLang="zh-TW" sz="950" b="0" i="0" u="none" strike="noStrike" cap="none" normalizeH="0" baseline="0" dirty="0" smtClean="0">
+              <a:rPr kumimoji="0" lang="zh-TW" altLang="zh-TW" sz="950" b="0" i="0" u="none" strike="noStrike" cap="none" normalizeH="0" baseline="0" dirty="0">
                 <a:ln>
                   <a:noFill/>
                 </a:ln>
@@ -9959,7 +9907,7 @@
               <a:t>        </a:t>
             </a:r>
             <a:r>
-              <a:rPr kumimoji="0" lang="zh-TW" altLang="zh-TW" sz="950" b="0" i="0" u="none" strike="noStrike" cap="none" normalizeH="0" baseline="0" dirty="0" smtClean="0">
+              <a:rPr kumimoji="0" lang="zh-TW" altLang="zh-TW" sz="950" b="0" i="0" u="none" strike="noStrike" cap="none" normalizeH="0" baseline="0" dirty="0">
                 <a:ln>
                   <a:noFill/>
                 </a:ln>
@@ -9973,7 +9921,7 @@
               <a:t>editTextName </a:t>
             </a:r>
             <a:r>
-              <a:rPr kumimoji="0" lang="zh-TW" altLang="zh-TW" sz="950" b="0" i="0" u="none" strike="noStrike" cap="none" normalizeH="0" baseline="0" dirty="0" smtClean="0">
+              <a:rPr kumimoji="0" lang="zh-TW" altLang="zh-TW" sz="950" b="0" i="0" u="none" strike="noStrike" cap="none" normalizeH="0" baseline="0" dirty="0">
                 <a:ln>
                   <a:noFill/>
                 </a:ln>
@@ -9987,7 +9935,7 @@
               <a:t>= findViewById(R.id.</a:t>
             </a:r>
             <a:r>
-              <a:rPr kumimoji="0" lang="zh-TW" altLang="zh-TW" sz="950" b="0" i="1" u="none" strike="noStrike" cap="none" normalizeH="0" baseline="0" dirty="0" smtClean="0">
+              <a:rPr kumimoji="0" lang="zh-TW" altLang="zh-TW" sz="950" b="0" i="1" u="none" strike="noStrike" cap="none" normalizeH="0" baseline="0" dirty="0">
                 <a:ln>
                   <a:noFill/>
                 </a:ln>
@@ -10001,7 +9949,7 @@
               <a:t>editTextName</a:t>
             </a:r>
             <a:r>
-              <a:rPr kumimoji="0" lang="zh-TW" altLang="zh-TW" sz="950" b="0" i="0" u="none" strike="noStrike" cap="none" normalizeH="0" baseline="0" dirty="0" smtClean="0">
+              <a:rPr kumimoji="0" lang="zh-TW" altLang="zh-TW" sz="950" b="0" i="0" u="none" strike="noStrike" cap="none" normalizeH="0" baseline="0" dirty="0">
                 <a:ln>
                   <a:noFill/>
                 </a:ln>
@@ -10015,7 +9963,7 @@
               <a:t>);</a:t>
             </a:r>
             <a:br>
-              <a:rPr kumimoji="0" lang="zh-TW" altLang="zh-TW" sz="950" b="0" i="0" u="none" strike="noStrike" cap="none" normalizeH="0" baseline="0" dirty="0" smtClean="0">
+              <a:rPr kumimoji="0" lang="zh-TW" altLang="zh-TW" sz="950" b="0" i="0" u="none" strike="noStrike" cap="none" normalizeH="0" baseline="0" dirty="0">
                 <a:ln>
                   <a:noFill/>
                 </a:ln>
@@ -10028,7 +9976,7 @@
               </a:rPr>
             </a:br>
             <a:r>
-              <a:rPr kumimoji="0" lang="zh-TW" altLang="zh-TW" sz="950" b="0" i="0" u="none" strike="noStrike" cap="none" normalizeH="0" baseline="0" dirty="0" smtClean="0">
+              <a:rPr kumimoji="0" lang="zh-TW" altLang="zh-TW" sz="950" b="0" i="0" u="none" strike="noStrike" cap="none" normalizeH="0" baseline="0" dirty="0">
                 <a:ln>
                   <a:noFill/>
                 </a:ln>
@@ -10042,7 +9990,7 @@
               <a:t>        </a:t>
             </a:r>
             <a:r>
-              <a:rPr kumimoji="0" lang="zh-TW" altLang="zh-TW" sz="950" b="0" i="0" u="none" strike="noStrike" cap="none" normalizeH="0" baseline="0" dirty="0" smtClean="0">
+              <a:rPr kumimoji="0" lang="zh-TW" altLang="zh-TW" sz="950" b="0" i="0" u="none" strike="noStrike" cap="none" normalizeH="0" baseline="0" dirty="0">
                 <a:ln>
                   <a:noFill/>
                 </a:ln>
@@ -10056,7 +10004,7 @@
               <a:t>editTextPassword </a:t>
             </a:r>
             <a:r>
-              <a:rPr kumimoji="0" lang="zh-TW" altLang="zh-TW" sz="950" b="0" i="0" u="none" strike="noStrike" cap="none" normalizeH="0" baseline="0" dirty="0" smtClean="0">
+              <a:rPr kumimoji="0" lang="zh-TW" altLang="zh-TW" sz="950" b="0" i="0" u="none" strike="noStrike" cap="none" normalizeH="0" baseline="0" dirty="0">
                 <a:ln>
                   <a:noFill/>
                 </a:ln>
@@ -10070,7 +10018,7 @@
               <a:t>= findViewById(R.id.</a:t>
             </a:r>
             <a:r>
-              <a:rPr kumimoji="0" lang="zh-TW" altLang="zh-TW" sz="950" b="0" i="1" u="none" strike="noStrike" cap="none" normalizeH="0" baseline="0" dirty="0" smtClean="0">
+              <a:rPr kumimoji="0" lang="zh-TW" altLang="zh-TW" sz="950" b="0" i="1" u="none" strike="noStrike" cap="none" normalizeH="0" baseline="0" dirty="0">
                 <a:ln>
                   <a:noFill/>
                 </a:ln>
@@ -10084,7 +10032,7 @@
               <a:t>editTextPassword</a:t>
             </a:r>
             <a:r>
-              <a:rPr kumimoji="0" lang="zh-TW" altLang="zh-TW" sz="950" b="0" i="0" u="none" strike="noStrike" cap="none" normalizeH="0" baseline="0" dirty="0" smtClean="0">
+              <a:rPr kumimoji="0" lang="zh-TW" altLang="zh-TW" sz="950" b="0" i="0" u="none" strike="noStrike" cap="none" normalizeH="0" baseline="0" dirty="0">
                 <a:ln>
                   <a:noFill/>
                 </a:ln>
@@ -10098,7 +10046,7 @@
               <a:t>);</a:t>
             </a:r>
             <a:br>
-              <a:rPr kumimoji="0" lang="zh-TW" altLang="zh-TW" sz="950" b="0" i="0" u="none" strike="noStrike" cap="none" normalizeH="0" baseline="0" dirty="0" smtClean="0">
+              <a:rPr kumimoji="0" lang="zh-TW" altLang="zh-TW" sz="950" b="0" i="0" u="none" strike="noStrike" cap="none" normalizeH="0" baseline="0" dirty="0">
                 <a:ln>
                   <a:noFill/>
                 </a:ln>
@@ -10111,7 +10059,7 @@
               </a:rPr>
             </a:br>
             <a:r>
-              <a:rPr kumimoji="0" lang="zh-TW" altLang="zh-TW" sz="950" b="0" i="0" u="none" strike="noStrike" cap="none" normalizeH="0" baseline="0" dirty="0" smtClean="0">
+              <a:rPr kumimoji="0" lang="zh-TW" altLang="zh-TW" sz="950" b="0" i="0" u="none" strike="noStrike" cap="none" normalizeH="0" baseline="0" dirty="0">
                 <a:ln>
                   <a:noFill/>
                 </a:ln>
@@ -10125,7 +10073,7 @@
               <a:t>        </a:t>
             </a:r>
             <a:r>
-              <a:rPr kumimoji="0" lang="zh-TW" altLang="zh-TW" sz="950" b="0" i="0" u="none" strike="noStrike" cap="none" normalizeH="0" baseline="0" dirty="0" smtClean="0">
+              <a:rPr kumimoji="0" lang="zh-TW" altLang="zh-TW" sz="950" b="0" i="0" u="none" strike="noStrike" cap="none" normalizeH="0" baseline="0" dirty="0">
                 <a:ln>
                   <a:noFill/>
                 </a:ln>
@@ -10139,7 +10087,7 @@
               <a:t>editTextBirthday </a:t>
             </a:r>
             <a:r>
-              <a:rPr kumimoji="0" lang="zh-TW" altLang="zh-TW" sz="950" b="0" i="0" u="none" strike="noStrike" cap="none" normalizeH="0" baseline="0" dirty="0" smtClean="0">
+              <a:rPr kumimoji="0" lang="zh-TW" altLang="zh-TW" sz="950" b="0" i="0" u="none" strike="noStrike" cap="none" normalizeH="0" baseline="0" dirty="0">
                 <a:ln>
                   <a:noFill/>
                 </a:ln>
@@ -10153,7 +10101,7 @@
               <a:t>= findViewById(R.id.</a:t>
             </a:r>
             <a:r>
-              <a:rPr kumimoji="0" lang="zh-TW" altLang="zh-TW" sz="950" b="0" i="1" u="none" strike="noStrike" cap="none" normalizeH="0" baseline="0" dirty="0" smtClean="0">
+              <a:rPr kumimoji="0" lang="zh-TW" altLang="zh-TW" sz="950" b="0" i="1" u="none" strike="noStrike" cap="none" normalizeH="0" baseline="0" dirty="0">
                 <a:ln>
                   <a:noFill/>
                 </a:ln>
@@ -10167,7 +10115,7 @@
               <a:t>editTextBirthday</a:t>
             </a:r>
             <a:r>
-              <a:rPr kumimoji="0" lang="zh-TW" altLang="zh-TW" sz="950" b="0" i="0" u="none" strike="noStrike" cap="none" normalizeH="0" baseline="0" dirty="0" smtClean="0">
+              <a:rPr kumimoji="0" lang="zh-TW" altLang="zh-TW" sz="950" b="0" i="0" u="none" strike="noStrike" cap="none" normalizeH="0" baseline="0" dirty="0">
                 <a:ln>
                   <a:noFill/>
                 </a:ln>
@@ -10181,7 +10129,7 @@
               <a:t>);</a:t>
             </a:r>
             <a:br>
-              <a:rPr kumimoji="0" lang="zh-TW" altLang="zh-TW" sz="950" b="0" i="0" u="none" strike="noStrike" cap="none" normalizeH="0" baseline="0" dirty="0" smtClean="0">
+              <a:rPr kumimoji="0" lang="zh-TW" altLang="zh-TW" sz="950" b="0" i="0" u="none" strike="noStrike" cap="none" normalizeH="0" baseline="0" dirty="0">
                 <a:ln>
                   <a:noFill/>
                 </a:ln>
@@ -10194,7 +10142,7 @@
               </a:rPr>
             </a:br>
             <a:r>
-              <a:rPr kumimoji="0" lang="zh-TW" altLang="zh-TW" sz="950" b="0" i="0" u="none" strike="noStrike" cap="none" normalizeH="0" baseline="0" dirty="0" smtClean="0">
+              <a:rPr kumimoji="0" lang="zh-TW" altLang="zh-TW" sz="950" b="0" i="0" u="none" strike="noStrike" cap="none" normalizeH="0" baseline="0" dirty="0">
                 <a:ln>
                   <a:noFill/>
                 </a:ln>
@@ -10208,7 +10156,7 @@
               <a:t>        </a:t>
             </a:r>
             <a:r>
-              <a:rPr kumimoji="0" lang="zh-TW" altLang="zh-TW" sz="950" b="0" i="0" u="none" strike="noStrike" cap="none" normalizeH="0" baseline="0" dirty="0" smtClean="0">
+              <a:rPr kumimoji="0" lang="zh-TW" altLang="zh-TW" sz="950" b="0" i="0" u="none" strike="noStrike" cap="none" normalizeH="0" baseline="0" dirty="0">
                 <a:ln>
                   <a:noFill/>
                 </a:ln>
@@ -10222,7 +10170,7 @@
               <a:t>editTextHeight </a:t>
             </a:r>
             <a:r>
-              <a:rPr kumimoji="0" lang="zh-TW" altLang="zh-TW" sz="950" b="0" i="0" u="none" strike="noStrike" cap="none" normalizeH="0" baseline="0" dirty="0" smtClean="0">
+              <a:rPr kumimoji="0" lang="zh-TW" altLang="zh-TW" sz="950" b="0" i="0" u="none" strike="noStrike" cap="none" normalizeH="0" baseline="0" dirty="0">
                 <a:ln>
                   <a:noFill/>
                 </a:ln>
@@ -10236,7 +10184,7 @@
               <a:t>= findViewById(R.id.</a:t>
             </a:r>
             <a:r>
-              <a:rPr kumimoji="0" lang="zh-TW" altLang="zh-TW" sz="950" b="0" i="1" u="none" strike="noStrike" cap="none" normalizeH="0" baseline="0" dirty="0" smtClean="0">
+              <a:rPr kumimoji="0" lang="zh-TW" altLang="zh-TW" sz="950" b="0" i="1" u="none" strike="noStrike" cap="none" normalizeH="0" baseline="0" dirty="0">
                 <a:ln>
                   <a:noFill/>
                 </a:ln>
@@ -10250,7 +10198,7 @@
               <a:t>editTextHeight</a:t>
             </a:r>
             <a:r>
-              <a:rPr kumimoji="0" lang="zh-TW" altLang="zh-TW" sz="950" b="0" i="0" u="none" strike="noStrike" cap="none" normalizeH="0" baseline="0" dirty="0" smtClean="0">
+              <a:rPr kumimoji="0" lang="zh-TW" altLang="zh-TW" sz="950" b="0" i="0" u="none" strike="noStrike" cap="none" normalizeH="0" baseline="0" dirty="0">
                 <a:ln>
                   <a:noFill/>
                 </a:ln>
@@ -10264,7 +10212,7 @@
               <a:t>);</a:t>
             </a:r>
             <a:br>
-              <a:rPr kumimoji="0" lang="zh-TW" altLang="zh-TW" sz="950" b="0" i="0" u="none" strike="noStrike" cap="none" normalizeH="0" baseline="0" dirty="0" smtClean="0">
+              <a:rPr kumimoji="0" lang="zh-TW" altLang="zh-TW" sz="950" b="0" i="0" u="none" strike="noStrike" cap="none" normalizeH="0" baseline="0" dirty="0">
                 <a:ln>
                   <a:noFill/>
                 </a:ln>
@@ -10277,7 +10225,7 @@
               </a:rPr>
             </a:br>
             <a:r>
-              <a:rPr kumimoji="0" lang="zh-TW" altLang="zh-TW" sz="950" b="0" i="0" u="none" strike="noStrike" cap="none" normalizeH="0" baseline="0" dirty="0" smtClean="0">
+              <a:rPr kumimoji="0" lang="zh-TW" altLang="zh-TW" sz="950" b="0" i="0" u="none" strike="noStrike" cap="none" normalizeH="0" baseline="0" dirty="0">
                 <a:ln>
                   <a:noFill/>
                 </a:ln>
@@ -10291,7 +10239,7 @@
               <a:t>        </a:t>
             </a:r>
             <a:r>
-              <a:rPr kumimoji="0" lang="zh-TW" altLang="zh-TW" sz="950" b="0" i="0" u="none" strike="noStrike" cap="none" normalizeH="0" baseline="0" dirty="0" smtClean="0">
+              <a:rPr kumimoji="0" lang="zh-TW" altLang="zh-TW" sz="950" b="0" i="0" u="none" strike="noStrike" cap="none" normalizeH="0" baseline="0" dirty="0">
                 <a:ln>
                   <a:noFill/>
                 </a:ln>
@@ -10305,7 +10253,7 @@
               <a:t>editTextWeight </a:t>
             </a:r>
             <a:r>
-              <a:rPr kumimoji="0" lang="zh-TW" altLang="zh-TW" sz="950" b="0" i="0" u="none" strike="noStrike" cap="none" normalizeH="0" baseline="0" dirty="0" smtClean="0">
+              <a:rPr kumimoji="0" lang="zh-TW" altLang="zh-TW" sz="950" b="0" i="0" u="none" strike="noStrike" cap="none" normalizeH="0" baseline="0" dirty="0">
                 <a:ln>
                   <a:noFill/>
                 </a:ln>
@@ -10319,7 +10267,7 @@
               <a:t>= findViewById(R.id.</a:t>
             </a:r>
             <a:r>
-              <a:rPr kumimoji="0" lang="zh-TW" altLang="zh-TW" sz="950" b="0" i="1" u="none" strike="noStrike" cap="none" normalizeH="0" baseline="0" dirty="0" smtClean="0">
+              <a:rPr kumimoji="0" lang="zh-TW" altLang="zh-TW" sz="950" b="0" i="1" u="none" strike="noStrike" cap="none" normalizeH="0" baseline="0" dirty="0">
                 <a:ln>
                   <a:noFill/>
                 </a:ln>
@@ -10333,7 +10281,7 @@
               <a:t>editTextWeight</a:t>
             </a:r>
             <a:r>
-              <a:rPr kumimoji="0" lang="zh-TW" altLang="zh-TW" sz="950" b="0" i="0" u="none" strike="noStrike" cap="none" normalizeH="0" baseline="0" dirty="0" smtClean="0">
+              <a:rPr kumimoji="0" lang="zh-TW" altLang="zh-TW" sz="950" b="0" i="0" u="none" strike="noStrike" cap="none" normalizeH="0" baseline="0" dirty="0">
                 <a:ln>
                   <a:noFill/>
                 </a:ln>
@@ -10347,7 +10295,7 @@
               <a:t>);</a:t>
             </a:r>
             <a:br>
-              <a:rPr kumimoji="0" lang="zh-TW" altLang="zh-TW" sz="950" b="0" i="0" u="none" strike="noStrike" cap="none" normalizeH="0" baseline="0" dirty="0" smtClean="0">
+              <a:rPr kumimoji="0" lang="zh-TW" altLang="zh-TW" sz="950" b="0" i="0" u="none" strike="noStrike" cap="none" normalizeH="0" baseline="0" dirty="0">
                 <a:ln>
                   <a:noFill/>
                 </a:ln>
@@ -10360,7 +10308,7 @@
               </a:rPr>
             </a:br>
             <a:r>
-              <a:rPr kumimoji="0" lang="zh-TW" altLang="zh-TW" sz="950" b="0" i="0" u="none" strike="noStrike" cap="none" normalizeH="0" baseline="0" dirty="0" smtClean="0">
+              <a:rPr kumimoji="0" lang="zh-TW" altLang="zh-TW" sz="950" b="0" i="0" u="none" strike="noStrike" cap="none" normalizeH="0" baseline="0" dirty="0">
                 <a:ln>
                   <a:noFill/>
                 </a:ln>
@@ -10374,7 +10322,7 @@
               <a:t>        </a:t>
             </a:r>
             <a:r>
-              <a:rPr kumimoji="0" lang="zh-TW" altLang="zh-TW" sz="950" b="0" i="0" u="none" strike="noStrike" cap="none" normalizeH="0" baseline="0" dirty="0" smtClean="0">
+              <a:rPr kumimoji="0" lang="zh-TW" altLang="zh-TW" sz="950" b="0" i="0" u="none" strike="noStrike" cap="none" normalizeH="0" baseline="0" dirty="0">
                 <a:ln>
                   <a:noFill/>
                 </a:ln>
@@ -10388,7 +10336,7 @@
               <a:t>TextViewRequest </a:t>
             </a:r>
             <a:r>
-              <a:rPr kumimoji="0" lang="zh-TW" altLang="zh-TW" sz="950" b="0" i="0" u="none" strike="noStrike" cap="none" normalizeH="0" baseline="0" dirty="0" smtClean="0">
+              <a:rPr kumimoji="0" lang="zh-TW" altLang="zh-TW" sz="950" b="0" i="0" u="none" strike="noStrike" cap="none" normalizeH="0" baseline="0" dirty="0">
                 <a:ln>
                   <a:noFill/>
                 </a:ln>
@@ -10402,7 +10350,7 @@
               <a:t>= findViewById(R.id.</a:t>
             </a:r>
             <a:r>
-              <a:rPr kumimoji="0" lang="zh-TW" altLang="zh-TW" sz="950" b="0" i="1" u="none" strike="noStrike" cap="none" normalizeH="0" baseline="0" dirty="0" smtClean="0">
+              <a:rPr kumimoji="0" lang="zh-TW" altLang="zh-TW" sz="950" b="0" i="1" u="none" strike="noStrike" cap="none" normalizeH="0" baseline="0" dirty="0">
                 <a:ln>
                   <a:noFill/>
                 </a:ln>
@@ -10416,7 +10364,7 @@
               <a:t>TextViewRequest</a:t>
             </a:r>
             <a:r>
-              <a:rPr kumimoji="0" lang="zh-TW" altLang="zh-TW" sz="950" b="0" i="0" u="none" strike="noStrike" cap="none" normalizeH="0" baseline="0" dirty="0" smtClean="0">
+              <a:rPr kumimoji="0" lang="zh-TW" altLang="zh-TW" sz="950" b="0" i="0" u="none" strike="noStrike" cap="none" normalizeH="0" baseline="0" dirty="0">
                 <a:ln>
                   <a:noFill/>
                 </a:ln>
@@ -10430,7 +10378,7 @@
               <a:t>);</a:t>
             </a:r>
             <a:br>
-              <a:rPr kumimoji="0" lang="zh-TW" altLang="zh-TW" sz="950" b="0" i="0" u="none" strike="noStrike" cap="none" normalizeH="0" baseline="0" dirty="0" smtClean="0">
+              <a:rPr kumimoji="0" lang="zh-TW" altLang="zh-TW" sz="950" b="0" i="0" u="none" strike="noStrike" cap="none" normalizeH="0" baseline="0" dirty="0">
                 <a:ln>
                   <a:noFill/>
                 </a:ln>
@@ -10443,7 +10391,7 @@
               </a:rPr>
             </a:br>
             <a:r>
-              <a:rPr kumimoji="0" lang="zh-TW" altLang="zh-TW" sz="950" b="0" i="0" u="none" strike="noStrike" cap="none" normalizeH="0" baseline="0" dirty="0" smtClean="0">
+              <a:rPr kumimoji="0" lang="zh-TW" altLang="zh-TW" sz="950" b="0" i="0" u="none" strike="noStrike" cap="none" normalizeH="0" baseline="0" dirty="0">
                 <a:ln>
                   <a:noFill/>
                 </a:ln>
@@ -10456,7 +10404,7 @@
               </a:rPr>
               <a:t>    }</a:t>
             </a:r>
-            <a:endParaRPr kumimoji="0" lang="zh-TW" altLang="zh-TW" sz="950" b="0" i="0" u="none" strike="noStrike" cap="none" normalizeH="0" baseline="0" dirty="0" smtClean="0">
+            <a:endParaRPr kumimoji="0" lang="zh-TW" altLang="zh-TW" sz="950" b="0" i="0" u="none" strike="noStrike" cap="none" normalizeH="0" baseline="0" dirty="0">
               <a:ln>
                 <a:noFill/>
               </a:ln>
@@ -10498,7 +10446,7 @@
           <a:p>
             <a:pPr lvl="0"/>
             <a:r>
-              <a:rPr lang="zh-TW" altLang="zh-TW" sz="950" dirty="0" smtClean="0">
+              <a:rPr lang="zh-TW" altLang="zh-TW" sz="950" dirty="0">
                 <a:solidFill>
                   <a:srgbClr val="BCBEC4"/>
                 </a:solidFill>
@@ -11069,7 +11017,7 @@
             </a:endParaRPr>
           </a:p>
           <a:p>
-            <a:endParaRPr lang="en-US" altLang="zh-TW" sz="950" dirty="0" smtClean="0">
+            <a:endParaRPr lang="en-US" altLang="zh-TW" sz="950" dirty="0">
               <a:solidFill>
                 <a:srgbClr val="BCBEC4"/>
               </a:solidFill>
@@ -11079,24 +11027,14 @@
           </a:p>
           <a:p>
             <a:r>
-              <a:rPr lang="zh-TW" altLang="zh-TW" sz="950" dirty="0" smtClean="0">
-                <a:solidFill>
-                  <a:srgbClr val="BCBEC4"/>
-                </a:solidFill>
-                <a:latin typeface="Arial Unicode MS"/>
-                <a:ea typeface="JetBrains Mono"/>
-              </a:rPr>
-              <a:t> RequestQueue </a:t>
-            </a:r>
-            <a:r>
-              <a:rPr lang="zh-TW" altLang="zh-TW" sz="950" dirty="0">
-                <a:solidFill>
-                  <a:srgbClr val="BCBEC4"/>
-                </a:solidFill>
-                <a:latin typeface="Arial Unicode MS"/>
-                <a:ea typeface="JetBrains Mono"/>
-              </a:rPr>
-              <a:t>queue = Volley.</a:t>
+              <a:rPr lang="zh-TW" altLang="zh-TW" sz="950" dirty="0">
+                <a:solidFill>
+                  <a:srgbClr val="BCBEC4"/>
+                </a:solidFill>
+                <a:latin typeface="Arial Unicode MS"/>
+                <a:ea typeface="JetBrains Mono"/>
+              </a:rPr>
+              <a:t> RequestQueue queue = Volley.</a:t>
             </a:r>
             <a:r>
               <a:rPr lang="zh-TW" altLang="zh-TW" sz="950" i="1" dirty="0">
@@ -11499,16 +11437,6 @@
                 <a:ea typeface="JetBrains Mono"/>
               </a:rPr>
             </a:br>
-            <a:r>
-              <a:rPr lang="zh-TW" altLang="zh-TW" sz="950" dirty="0">
-                <a:solidFill>
-                  <a:srgbClr val="BCBEC4"/>
-                </a:solidFill>
-                <a:latin typeface="Arial Unicode MS"/>
-                <a:ea typeface="JetBrains Mono"/>
-              </a:rPr>
-              <a:t/>
-            </a:r>
             <a:br>
               <a:rPr lang="zh-TW" altLang="zh-TW" sz="950" dirty="0">
                 <a:solidFill>
@@ -12054,27 +11982,7 @@
                 <a:latin typeface="Arial Unicode MS"/>
                 <a:ea typeface="JetBrains Mono"/>
               </a:rPr>
-              <a:t>            )</a:t>
-            </a:r>
-            <a:r>
-              <a:rPr lang="zh-TW" altLang="zh-TW" sz="950" dirty="0" smtClean="0">
-                <a:solidFill>
-                  <a:srgbClr val="BCBEC4"/>
-                </a:solidFill>
-                <a:latin typeface="Arial Unicode MS"/>
-                <a:ea typeface="JetBrains Mono"/>
-              </a:rPr>
-              <a:t>;</a:t>
-            </a:r>
-            <a:r>
-              <a:rPr lang="zh-TW" altLang="zh-TW" sz="950" dirty="0">
-                <a:solidFill>
-                  <a:srgbClr val="BCBEC4"/>
-                </a:solidFill>
-                <a:latin typeface="Arial Unicode MS"/>
-                <a:ea typeface="JetBrains Mono"/>
-              </a:rPr>
-              <a:t/>
+              <a:t>            );</a:t>
             </a:r>
             <a:br>
               <a:rPr lang="zh-TW" altLang="zh-TW" sz="950" dirty="0">
@@ -12093,27 +12001,7 @@
                 <a:latin typeface="Arial Unicode MS"/>
                 <a:ea typeface="JetBrains Mono"/>
               </a:rPr>
-              <a:t>            queue.add(jsonObjectRequest)</a:t>
-            </a:r>
-            <a:r>
-              <a:rPr lang="zh-TW" altLang="zh-TW" sz="950" dirty="0" smtClean="0">
-                <a:solidFill>
-                  <a:srgbClr val="BCBEC4"/>
-                </a:solidFill>
-                <a:latin typeface="Arial Unicode MS"/>
-                <a:ea typeface="JetBrains Mono"/>
-              </a:rPr>
-              <a:t>;</a:t>
-            </a:r>
-            <a:r>
-              <a:rPr lang="zh-TW" altLang="zh-TW" sz="950" dirty="0">
-                <a:solidFill>
-                  <a:srgbClr val="BCBEC4"/>
-                </a:solidFill>
-                <a:latin typeface="Arial Unicode MS"/>
-                <a:ea typeface="JetBrains Mono"/>
-              </a:rPr>
-              <a:t/>
+              <a:t>            queue.add(jsonObjectRequest);</a:t>
             </a:r>
             <a:br>
               <a:rPr lang="zh-TW" altLang="zh-TW" sz="950" dirty="0">
@@ -12354,6 +12242,42 @@
           </a:fontRef>
         </p:style>
       </p:cxnSp>
+      <p:sp>
+        <p:nvSpPr>
+          <p:cNvPr id="7" name="文字方塊 6">
+            <a:extLst>
+              <a:ext uri="{FF2B5EF4-FFF2-40B4-BE49-F238E27FC236}">
+                <a16:creationId xmlns:a16="http://schemas.microsoft.com/office/drawing/2014/main" id="{4A4FA867-D7B2-4E8A-BF34-7A2571433665}"/>
+              </a:ext>
+            </a:extLst>
+          </p:cNvPr>
+          <p:cNvSpPr txBox="1"/>
+          <p:nvPr/>
+        </p:nvSpPr>
+        <p:spPr>
+          <a:xfrm>
+            <a:off x="3006022" y="41797"/>
+            <a:ext cx="2026227" cy="369332"/>
+          </a:xfrm>
+          <a:prstGeom prst="rect">
+            <a:avLst/>
+          </a:prstGeom>
+          <a:noFill/>
+        </p:spPr>
+        <p:txBody>
+          <a:bodyPr wrap="square">
+            <a:spAutoFit/>
+          </a:bodyPr>
+          <a:lstStyle/>
+          <a:p>
+            <a:r>
+              <a:rPr lang="en-US" altLang="zh-TW" dirty="0"/>
+              <a:t>‘MainActivity.java’ </a:t>
+            </a:r>
+            <a:endParaRPr lang="zh-TW" altLang="en-US" dirty="0"/>
+          </a:p>
+        </p:txBody>
+      </p:sp>
     </p:spTree>
     <p:extLst>
       <p:ext uri="{BB962C8B-B14F-4D97-AF65-F5344CB8AC3E}">
@@ -12397,7 +12321,7 @@
         <p:spPr>
           <a:xfrm>
             <a:off x="0" y="0"/>
-            <a:ext cx="10515600" cy="620394"/>
+            <a:ext cx="10515600" cy="452927"/>
           </a:xfrm>
         </p:spPr>
         <p:txBody>
@@ -12407,20 +12331,700 @@
           <a:lstStyle/>
           <a:p>
             <a:r>
-              <a:rPr lang="en-US" altLang="zh-TW" dirty="0" err="1" smtClean="0"/>
-              <a:t>XXX.Install</a:t>
-            </a:r>
-            <a:r>
-              <a:rPr lang="en-US" altLang="zh-TW" dirty="0" smtClean="0"/>
-              <a:t> virtual Device</a:t>
+              <a:rPr lang="en-US" altLang="zh-TW" dirty="0"/>
+              <a:t>4. Check App Permission</a:t>
             </a:r>
             <a:endParaRPr lang="zh-TW" altLang="en-US" dirty="0"/>
+          </a:p>
+        </p:txBody>
+      </p:sp>
+      <p:sp>
+        <p:nvSpPr>
+          <p:cNvPr id="4" name="文字方塊 3">
+            <a:extLst>
+              <a:ext uri="{FF2B5EF4-FFF2-40B4-BE49-F238E27FC236}">
+                <a16:creationId xmlns:a16="http://schemas.microsoft.com/office/drawing/2014/main" id="{F0D3DDBE-0ACF-4FFC-9902-12405A177F27}"/>
+              </a:ext>
+            </a:extLst>
+          </p:cNvPr>
+          <p:cNvSpPr txBox="1"/>
+          <p:nvPr/>
+        </p:nvSpPr>
+        <p:spPr>
+          <a:xfrm>
+            <a:off x="5733011" y="73472"/>
+            <a:ext cx="6170815" cy="369332"/>
+          </a:xfrm>
+          <a:prstGeom prst="rect">
+            <a:avLst/>
+          </a:prstGeom>
+          <a:noFill/>
+        </p:spPr>
+        <p:txBody>
+          <a:bodyPr wrap="square" rtlCol="0">
+            <a:spAutoFit/>
+          </a:bodyPr>
+          <a:lstStyle/>
+          <a:p>
+            <a:r>
+              <a:rPr lang="en-US" altLang="zh-TW" dirty="0"/>
+              <a:t>‘AndroidManifest.xml’ is permission manager for Android App. </a:t>
+            </a:r>
+            <a:endParaRPr lang="zh-TW" altLang="en-US" dirty="0"/>
+          </a:p>
+        </p:txBody>
+      </p:sp>
+      <p:sp>
+        <p:nvSpPr>
+          <p:cNvPr id="8" name="Rectangle 1">
+            <a:extLst>
+              <a:ext uri="{FF2B5EF4-FFF2-40B4-BE49-F238E27FC236}">
+                <a16:creationId xmlns:a16="http://schemas.microsoft.com/office/drawing/2014/main" id="{76AC161B-1597-4FC1-9D8B-5915F96B584B}"/>
+              </a:ext>
+            </a:extLst>
+          </p:cNvPr>
+          <p:cNvSpPr>
+            <a:spLocks noChangeArrowheads="1"/>
+          </p:cNvSpPr>
+          <p:nvPr/>
+        </p:nvSpPr>
+        <p:spPr bwMode="auto">
+          <a:xfrm>
+            <a:off x="6736962" y="677341"/>
+            <a:ext cx="5299868" cy="292388"/>
+          </a:xfrm>
+          <a:prstGeom prst="rect">
+            <a:avLst/>
+          </a:prstGeom>
+          <a:solidFill>
+            <a:srgbClr val="1E1F22"/>
+          </a:solidFill>
+          <a:ln>
+            <a:noFill/>
+          </a:ln>
+          <a:effectLst/>
+          <a:extLst>
+            <a:ext uri="{91240B29-F687-4F45-9708-019B960494DF}">
+              <a14:hiddenLine xmlns:a14="http://schemas.microsoft.com/office/drawing/2010/main" w="9525">
+                <a:solidFill>
+                  <a:schemeClr val="tx1"/>
+                </a:solidFill>
+                <a:miter lim="800000"/>
+                <a:headEnd/>
+                <a:tailEnd/>
+              </a14:hiddenLine>
+            </a:ext>
+            <a:ext uri="{AF507438-7753-43E0-B8FC-AC1667EBCBE1}">
+              <a14:hiddenEffects xmlns:a14="http://schemas.microsoft.com/office/drawing/2010/main">
+                <a:effectLst>
+                  <a:outerShdw dist="35921" dir="2700000" algn="ctr" rotWithShape="0">
+                    <a:schemeClr val="bg2"/>
+                  </a:outerShdw>
+                </a:effectLst>
+              </a14:hiddenEffects>
+            </a:ext>
+          </a:extLst>
+        </p:spPr>
+        <p:txBody>
+          <a:bodyPr vert="horz" wrap="square" lIns="91440" tIns="45720" rIns="91440" bIns="45720" numCol="1" anchor="ctr" anchorCtr="0" compatLnSpc="1">
+            <a:prstTxWarp prst="textNoShape">
+              <a:avLst/>
+            </a:prstTxWarp>
+            <a:spAutoFit/>
+          </a:bodyPr>
+          <a:lstStyle/>
+          <a:p>
+            <a:pPr marL="0" marR="0" lvl="0" indent="0" algn="l" defTabSz="914400" rtl="0" eaLnBrk="0" fontAlgn="base" latinLnBrk="0" hangingPunct="0">
+              <a:lnSpc>
+                <a:spcPct val="100000"/>
+              </a:lnSpc>
+              <a:spcBef>
+                <a:spcPct val="0"/>
+              </a:spcBef>
+              <a:spcAft>
+                <a:spcPct val="0"/>
+              </a:spcAft>
+              <a:buClrTx/>
+              <a:buSzTx/>
+              <a:buFontTx/>
+              <a:buNone/>
+              <a:tabLst/>
+            </a:pPr>
+            <a:r>
+              <a:rPr kumimoji="0" lang="zh-TW" altLang="zh-TW" sz="1300" b="0" i="0" u="none" strike="noStrike" cap="none" normalizeH="0" baseline="0" dirty="0">
+                <a:ln>
+                  <a:noFill/>
+                </a:ln>
+                <a:solidFill>
+                  <a:srgbClr val="D5B778"/>
+                </a:solidFill>
+                <a:effectLst/>
+                <a:latin typeface="Arial Unicode MS"/>
+                <a:ea typeface="JetBrains Mono"/>
+              </a:rPr>
+              <a:t>&lt;uses-permission </a:t>
+            </a:r>
+            <a:r>
+              <a:rPr kumimoji="0" lang="zh-TW" altLang="zh-TW" sz="1300" b="0" i="0" u="none" strike="noStrike" cap="none" normalizeH="0" baseline="0" dirty="0">
+                <a:ln>
+                  <a:noFill/>
+                </a:ln>
+                <a:solidFill>
+                  <a:srgbClr val="C77DBB"/>
+                </a:solidFill>
+                <a:effectLst/>
+                <a:latin typeface="Arial Unicode MS"/>
+                <a:ea typeface="JetBrains Mono"/>
+              </a:rPr>
+              <a:t>android</a:t>
+            </a:r>
+            <a:r>
+              <a:rPr kumimoji="0" lang="zh-TW" altLang="zh-TW" sz="1300" b="0" i="0" u="none" strike="noStrike" cap="none" normalizeH="0" baseline="0" dirty="0">
+                <a:ln>
+                  <a:noFill/>
+                </a:ln>
+                <a:solidFill>
+                  <a:srgbClr val="BCBEC4"/>
+                </a:solidFill>
+                <a:effectLst/>
+                <a:latin typeface="Arial Unicode MS"/>
+                <a:ea typeface="JetBrains Mono"/>
+              </a:rPr>
+              <a:t>:name</a:t>
+            </a:r>
+            <a:r>
+              <a:rPr kumimoji="0" lang="zh-TW" altLang="zh-TW" sz="1300" b="0" i="0" u="none" strike="noStrike" cap="none" normalizeH="0" baseline="0" dirty="0">
+                <a:ln>
+                  <a:noFill/>
+                </a:ln>
+                <a:solidFill>
+                  <a:srgbClr val="6AAB73"/>
+                </a:solidFill>
+                <a:effectLst/>
+                <a:latin typeface="Arial Unicode MS"/>
+                <a:ea typeface="JetBrains Mono"/>
+              </a:rPr>
+              <a:t>="android.permission.INTERNET" </a:t>
+            </a:r>
+            <a:r>
+              <a:rPr kumimoji="0" lang="zh-TW" altLang="zh-TW" sz="1300" b="0" i="0" u="none" strike="noStrike" cap="none" normalizeH="0" baseline="0" dirty="0">
+                <a:ln>
+                  <a:noFill/>
+                </a:ln>
+                <a:solidFill>
+                  <a:srgbClr val="D5B778"/>
+                </a:solidFill>
+                <a:effectLst/>
+                <a:latin typeface="Arial Unicode MS"/>
+                <a:ea typeface="JetBrains Mono"/>
+              </a:rPr>
+              <a:t>/&gt;</a:t>
+            </a:r>
+            <a:endParaRPr kumimoji="0" lang="en-US" altLang="zh-TW" sz="1300" b="0" i="0" u="none" strike="noStrike" cap="none" normalizeH="0" baseline="0" dirty="0">
+              <a:ln>
+                <a:noFill/>
+              </a:ln>
+              <a:solidFill>
+                <a:srgbClr val="D5B778"/>
+              </a:solidFill>
+              <a:effectLst/>
+              <a:latin typeface="Arial Unicode MS"/>
+              <a:ea typeface="JetBrains Mono"/>
+            </a:endParaRPr>
+          </a:p>
+        </p:txBody>
+      </p:sp>
+      <p:sp>
+        <p:nvSpPr>
+          <p:cNvPr id="11" name="Rectangle 3">
+            <a:extLst>
+              <a:ext uri="{FF2B5EF4-FFF2-40B4-BE49-F238E27FC236}">
+                <a16:creationId xmlns:a16="http://schemas.microsoft.com/office/drawing/2014/main" id="{FC5C3EBD-774E-4053-BACE-74C0630F2C9D}"/>
+              </a:ext>
+            </a:extLst>
+          </p:cNvPr>
+          <p:cNvSpPr>
+            <a:spLocks noChangeArrowheads="1"/>
+          </p:cNvSpPr>
+          <p:nvPr/>
+        </p:nvSpPr>
+        <p:spPr bwMode="auto">
+          <a:xfrm>
+            <a:off x="6736962" y="1264023"/>
+            <a:ext cx="5299868" cy="492443"/>
+          </a:xfrm>
+          <a:prstGeom prst="rect">
+            <a:avLst/>
+          </a:prstGeom>
+          <a:solidFill>
+            <a:srgbClr val="1E1F22"/>
+          </a:solidFill>
+          <a:ln>
+            <a:noFill/>
+          </a:ln>
+          <a:effectLst/>
+          <a:extLst>
+            <a:ext uri="{91240B29-F687-4F45-9708-019B960494DF}">
+              <a14:hiddenLine xmlns:a14="http://schemas.microsoft.com/office/drawing/2010/main" w="9525">
+                <a:solidFill>
+                  <a:schemeClr val="tx1"/>
+                </a:solidFill>
+                <a:miter lim="800000"/>
+                <a:headEnd/>
+                <a:tailEnd/>
+              </a14:hiddenLine>
+            </a:ext>
+            <a:ext uri="{AF507438-7753-43E0-B8FC-AC1667EBCBE1}">
+              <a14:hiddenEffects xmlns:a14="http://schemas.microsoft.com/office/drawing/2010/main">
+                <a:effectLst>
+                  <a:outerShdw dist="35921" dir="2700000" algn="ctr" rotWithShape="0">
+                    <a:schemeClr val="bg2"/>
+                  </a:outerShdw>
+                </a:effectLst>
+              </a14:hiddenEffects>
+            </a:ext>
+          </a:extLst>
+        </p:spPr>
+        <p:txBody>
+          <a:bodyPr vert="horz" wrap="square" lIns="91440" tIns="45720" rIns="91440" bIns="45720" numCol="1" anchor="ctr" anchorCtr="0" compatLnSpc="1">
+            <a:prstTxWarp prst="textNoShape">
+              <a:avLst/>
+            </a:prstTxWarp>
+            <a:spAutoFit/>
+          </a:bodyPr>
+          <a:lstStyle/>
+          <a:p>
+            <a:pPr marL="0" marR="0" lvl="0" indent="0" algn="l" defTabSz="914400" rtl="0" eaLnBrk="0" fontAlgn="base" latinLnBrk="0" hangingPunct="0">
+              <a:lnSpc>
+                <a:spcPct val="100000"/>
+              </a:lnSpc>
+              <a:spcBef>
+                <a:spcPct val="0"/>
+              </a:spcBef>
+              <a:spcAft>
+                <a:spcPct val="0"/>
+              </a:spcAft>
+              <a:buClrTx/>
+              <a:buSzTx/>
+              <a:buFontTx/>
+              <a:buNone/>
+              <a:tabLst/>
+            </a:pPr>
+            <a:r>
+              <a:rPr kumimoji="0" lang="zh-TW" altLang="zh-TW" sz="1300" b="0" i="0" u="none" strike="noStrike" cap="none" normalizeH="0" baseline="0" dirty="0">
+                <a:ln>
+                  <a:noFill/>
+                </a:ln>
+                <a:solidFill>
+                  <a:srgbClr val="C77DBB"/>
+                </a:solidFill>
+                <a:effectLst/>
+                <a:latin typeface="Arial Unicode MS"/>
+                <a:ea typeface="JetBrains Mono"/>
+              </a:rPr>
+              <a:t>android</a:t>
+            </a:r>
+            <a:r>
+              <a:rPr kumimoji="0" lang="zh-TW" altLang="zh-TW" sz="1300" b="0" i="0" u="none" strike="noStrike" cap="none" normalizeH="0" baseline="0" dirty="0">
+                <a:ln>
+                  <a:noFill/>
+                </a:ln>
+                <a:solidFill>
+                  <a:srgbClr val="BCBEC4"/>
+                </a:solidFill>
+                <a:effectLst/>
+                <a:latin typeface="Arial Unicode MS"/>
+                <a:ea typeface="JetBrains Mono"/>
+              </a:rPr>
+              <a:t>:networkSecurityConfig</a:t>
+            </a:r>
+            <a:r>
+              <a:rPr kumimoji="0" lang="zh-TW" altLang="zh-TW" sz="1300" b="0" i="0" u="none" strike="noStrike" cap="none" normalizeH="0" baseline="0" dirty="0">
+                <a:ln>
+                  <a:noFill/>
+                </a:ln>
+                <a:solidFill>
+                  <a:srgbClr val="6AAB73"/>
+                </a:solidFill>
+                <a:effectLst/>
+                <a:latin typeface="Arial Unicode MS"/>
+                <a:ea typeface="JetBrains Mono"/>
+              </a:rPr>
+              <a:t>="@xml/network_security_config"</a:t>
+            </a:r>
+            <a:br>
+              <a:rPr kumimoji="0" lang="zh-TW" altLang="zh-TW" sz="1300" b="0" i="0" u="none" strike="noStrike" cap="none" normalizeH="0" baseline="0" dirty="0">
+                <a:ln>
+                  <a:noFill/>
+                </a:ln>
+                <a:solidFill>
+                  <a:srgbClr val="6AAB73"/>
+                </a:solidFill>
+                <a:effectLst/>
+                <a:latin typeface="Arial Unicode MS"/>
+                <a:ea typeface="JetBrains Mono"/>
+              </a:rPr>
+            </a:br>
+            <a:r>
+              <a:rPr kumimoji="0" lang="zh-TW" altLang="zh-TW" sz="1300" b="0" i="0" u="none" strike="noStrike" cap="none" normalizeH="0" baseline="0" dirty="0">
+                <a:ln>
+                  <a:noFill/>
+                </a:ln>
+                <a:solidFill>
+                  <a:srgbClr val="C77DBB"/>
+                </a:solidFill>
+                <a:effectLst/>
+                <a:latin typeface="Arial Unicode MS"/>
+                <a:ea typeface="JetBrains Mono"/>
+              </a:rPr>
+              <a:t>android</a:t>
+            </a:r>
+            <a:r>
+              <a:rPr kumimoji="0" lang="zh-TW" altLang="zh-TW" sz="1300" b="0" i="0" u="none" strike="noStrike" cap="none" normalizeH="0" baseline="0" dirty="0">
+                <a:ln>
+                  <a:noFill/>
+                </a:ln>
+                <a:solidFill>
+                  <a:srgbClr val="BCBEC4"/>
+                </a:solidFill>
+                <a:effectLst/>
+                <a:latin typeface="Arial Unicode MS"/>
+                <a:ea typeface="JetBrains Mono"/>
+              </a:rPr>
+              <a:t>:usesCleartextTraffic</a:t>
+            </a:r>
+            <a:r>
+              <a:rPr kumimoji="0" lang="zh-TW" altLang="zh-TW" sz="1300" b="0" i="0" u="none" strike="noStrike" cap="none" normalizeH="0" baseline="0" dirty="0">
+                <a:ln>
+                  <a:noFill/>
+                </a:ln>
+                <a:solidFill>
+                  <a:srgbClr val="6AAB73"/>
+                </a:solidFill>
+                <a:effectLst/>
+                <a:latin typeface="Arial Unicode MS"/>
+                <a:ea typeface="JetBrains Mono"/>
+              </a:rPr>
+              <a:t>="true"</a:t>
+            </a:r>
+            <a:endParaRPr kumimoji="0" lang="zh-TW" altLang="zh-TW" sz="1300" b="0" i="0" u="none" strike="noStrike" cap="none" normalizeH="0" baseline="0" dirty="0">
+              <a:ln>
+                <a:noFill/>
+              </a:ln>
+              <a:solidFill>
+                <a:schemeClr val="tx1"/>
+              </a:solidFill>
+              <a:effectLst/>
+              <a:latin typeface="Arial" panose="020B0604020202020204" pitchFamily="34" charset="0"/>
+            </a:endParaRPr>
+          </a:p>
+        </p:txBody>
+      </p:sp>
+      <p:sp>
+        <p:nvSpPr>
+          <p:cNvPr id="16" name="Rectangle 4">
+            <a:extLst>
+              <a:ext uri="{FF2B5EF4-FFF2-40B4-BE49-F238E27FC236}">
+                <a16:creationId xmlns:a16="http://schemas.microsoft.com/office/drawing/2014/main" id="{7489033B-62BD-42BF-B59C-A6284E9BFAC2}"/>
+              </a:ext>
+            </a:extLst>
+          </p:cNvPr>
+          <p:cNvSpPr>
+            <a:spLocks noChangeArrowheads="1"/>
+          </p:cNvSpPr>
+          <p:nvPr/>
+        </p:nvSpPr>
+        <p:spPr bwMode="auto">
+          <a:xfrm>
+            <a:off x="7410731" y="4180678"/>
+            <a:ext cx="4659349" cy="892552"/>
+          </a:xfrm>
+          <a:prstGeom prst="rect">
+            <a:avLst/>
+          </a:prstGeom>
+          <a:solidFill>
+            <a:srgbClr val="1E1F22"/>
+          </a:solidFill>
+          <a:ln>
+            <a:noFill/>
+          </a:ln>
+          <a:effectLst/>
+          <a:extLst>
+            <a:ext uri="{91240B29-F687-4F45-9708-019B960494DF}">
+              <a14:hiddenLine xmlns:a14="http://schemas.microsoft.com/office/drawing/2010/main" w="9525">
+                <a:solidFill>
+                  <a:schemeClr val="tx1"/>
+                </a:solidFill>
+                <a:miter lim="800000"/>
+                <a:headEnd/>
+                <a:tailEnd/>
+              </a14:hiddenLine>
+            </a:ext>
+            <a:ext uri="{AF507438-7753-43E0-B8FC-AC1667EBCBE1}">
+              <a14:hiddenEffects xmlns:a14="http://schemas.microsoft.com/office/drawing/2010/main">
+                <a:effectLst>
+                  <a:outerShdw dist="35921" dir="2700000" algn="ctr" rotWithShape="0">
+                    <a:schemeClr val="bg2"/>
+                  </a:outerShdw>
+                </a:effectLst>
+              </a14:hiddenEffects>
+            </a:ext>
+          </a:extLst>
+        </p:spPr>
+        <p:txBody>
+          <a:bodyPr vert="horz" wrap="square" lIns="91440" tIns="45720" rIns="91440" bIns="45720" numCol="1" anchor="ctr" anchorCtr="0" compatLnSpc="1">
+            <a:prstTxWarp prst="textNoShape">
+              <a:avLst/>
+            </a:prstTxWarp>
+            <a:spAutoFit/>
+          </a:bodyPr>
+          <a:lstStyle/>
+          <a:p>
+            <a:pPr marL="0" marR="0" lvl="0" indent="0" algn="l" defTabSz="914400" rtl="0" eaLnBrk="0" fontAlgn="base" latinLnBrk="0" hangingPunct="0">
+              <a:lnSpc>
+                <a:spcPct val="100000"/>
+              </a:lnSpc>
+              <a:spcBef>
+                <a:spcPct val="0"/>
+              </a:spcBef>
+              <a:spcAft>
+                <a:spcPct val="0"/>
+              </a:spcAft>
+              <a:buClrTx/>
+              <a:buSzTx/>
+              <a:buFontTx/>
+              <a:buNone/>
+              <a:tabLst/>
+            </a:pPr>
+            <a:r>
+              <a:rPr kumimoji="0" lang="zh-TW" altLang="zh-TW" sz="1300" b="0" i="0" u="none" strike="noStrike" cap="none" normalizeH="0" baseline="0" dirty="0">
+                <a:ln>
+                  <a:noFill/>
+                </a:ln>
+                <a:solidFill>
+                  <a:srgbClr val="D5B778"/>
+                </a:solidFill>
+                <a:effectLst/>
+                <a:latin typeface="Arial Unicode MS"/>
+                <a:ea typeface="JetBrains Mono"/>
+              </a:rPr>
+              <a:t>&lt;?</a:t>
+            </a:r>
+            <a:r>
+              <a:rPr kumimoji="0" lang="zh-TW" altLang="zh-TW" sz="1300" b="0" i="0" u="none" strike="noStrike" cap="none" normalizeH="0" baseline="0" dirty="0">
+                <a:ln>
+                  <a:noFill/>
+                </a:ln>
+                <a:solidFill>
+                  <a:srgbClr val="BCBEC4"/>
+                </a:solidFill>
+                <a:effectLst/>
+                <a:latin typeface="Arial Unicode MS"/>
+                <a:ea typeface="JetBrains Mono"/>
+              </a:rPr>
+              <a:t>xml version</a:t>
+            </a:r>
+            <a:r>
+              <a:rPr kumimoji="0" lang="zh-TW" altLang="zh-TW" sz="1300" b="0" i="0" u="none" strike="noStrike" cap="none" normalizeH="0" baseline="0" dirty="0">
+                <a:ln>
+                  <a:noFill/>
+                </a:ln>
+                <a:solidFill>
+                  <a:srgbClr val="6AAB73"/>
+                </a:solidFill>
+                <a:effectLst/>
+                <a:latin typeface="Arial Unicode MS"/>
+                <a:ea typeface="JetBrains Mono"/>
+              </a:rPr>
+              <a:t>="1.0" </a:t>
+            </a:r>
+            <a:r>
+              <a:rPr kumimoji="0" lang="zh-TW" altLang="zh-TW" sz="1300" b="0" i="0" u="none" strike="noStrike" cap="none" normalizeH="0" baseline="0" dirty="0">
+                <a:ln>
+                  <a:noFill/>
+                </a:ln>
+                <a:solidFill>
+                  <a:srgbClr val="BCBEC4"/>
+                </a:solidFill>
+                <a:effectLst/>
+                <a:latin typeface="Arial Unicode MS"/>
+                <a:ea typeface="JetBrains Mono"/>
+              </a:rPr>
+              <a:t>encoding</a:t>
+            </a:r>
+            <a:r>
+              <a:rPr kumimoji="0" lang="zh-TW" altLang="zh-TW" sz="1300" b="0" i="0" u="none" strike="noStrike" cap="none" normalizeH="0" baseline="0" dirty="0">
+                <a:ln>
+                  <a:noFill/>
+                </a:ln>
+                <a:solidFill>
+                  <a:srgbClr val="6AAB73"/>
+                </a:solidFill>
+                <a:effectLst/>
+                <a:latin typeface="Arial Unicode MS"/>
+                <a:ea typeface="JetBrains Mono"/>
+              </a:rPr>
+              <a:t>="utf-8"</a:t>
+            </a:r>
+            <a:r>
+              <a:rPr kumimoji="0" lang="zh-TW" altLang="zh-TW" sz="1300" b="0" i="0" u="none" strike="noStrike" cap="none" normalizeH="0" baseline="0" dirty="0">
+                <a:ln>
+                  <a:noFill/>
+                </a:ln>
+                <a:solidFill>
+                  <a:srgbClr val="D5B778"/>
+                </a:solidFill>
+                <a:effectLst/>
+                <a:latin typeface="Arial Unicode MS"/>
+                <a:ea typeface="JetBrains Mono"/>
+              </a:rPr>
+              <a:t>?&gt;</a:t>
+            </a:r>
+            <a:br>
+              <a:rPr kumimoji="0" lang="zh-TW" altLang="zh-TW" sz="1300" b="0" i="0" u="none" strike="noStrike" cap="none" normalizeH="0" baseline="0" dirty="0">
+                <a:ln>
+                  <a:noFill/>
+                </a:ln>
+                <a:solidFill>
+                  <a:srgbClr val="D5B778"/>
+                </a:solidFill>
+                <a:effectLst/>
+                <a:latin typeface="Arial Unicode MS"/>
+                <a:ea typeface="JetBrains Mono"/>
+              </a:rPr>
+            </a:br>
+            <a:r>
+              <a:rPr kumimoji="0" lang="zh-TW" altLang="zh-TW" sz="1300" b="0" i="0" u="none" strike="noStrike" cap="none" normalizeH="0" baseline="0" dirty="0">
+                <a:ln>
+                  <a:noFill/>
+                </a:ln>
+                <a:solidFill>
+                  <a:srgbClr val="D5B778"/>
+                </a:solidFill>
+                <a:effectLst/>
+                <a:latin typeface="Arial Unicode MS"/>
+                <a:ea typeface="JetBrains Mono"/>
+              </a:rPr>
+              <a:t>&lt;network-security-config&gt;</a:t>
+            </a:r>
+            <a:br>
+              <a:rPr kumimoji="0" lang="zh-TW" altLang="zh-TW" sz="1300" b="0" i="0" u="none" strike="noStrike" cap="none" normalizeH="0" baseline="0" dirty="0">
+                <a:ln>
+                  <a:noFill/>
+                </a:ln>
+                <a:solidFill>
+                  <a:srgbClr val="D5B778"/>
+                </a:solidFill>
+                <a:effectLst/>
+                <a:latin typeface="Arial Unicode MS"/>
+                <a:ea typeface="JetBrains Mono"/>
+              </a:rPr>
+            </a:br>
+            <a:r>
+              <a:rPr kumimoji="0" lang="zh-TW" altLang="zh-TW" sz="1300" b="0" i="0" u="none" strike="noStrike" cap="none" normalizeH="0" baseline="0" dirty="0">
+                <a:ln>
+                  <a:noFill/>
+                </a:ln>
+                <a:solidFill>
+                  <a:srgbClr val="D5B778"/>
+                </a:solidFill>
+                <a:effectLst/>
+                <a:latin typeface="Arial Unicode MS"/>
+                <a:ea typeface="JetBrains Mono"/>
+              </a:rPr>
+              <a:t>    &lt;base-config </a:t>
+            </a:r>
+            <a:r>
+              <a:rPr kumimoji="0" lang="zh-TW" altLang="zh-TW" sz="1300" b="0" i="0" u="none" strike="noStrike" cap="none" normalizeH="0" baseline="0" dirty="0">
+                <a:ln>
+                  <a:noFill/>
+                </a:ln>
+                <a:solidFill>
+                  <a:srgbClr val="BCBEC4"/>
+                </a:solidFill>
+                <a:effectLst/>
+                <a:latin typeface="Arial Unicode MS"/>
+                <a:ea typeface="JetBrains Mono"/>
+              </a:rPr>
+              <a:t>cleartextTrafficPermitted</a:t>
+            </a:r>
+            <a:r>
+              <a:rPr kumimoji="0" lang="zh-TW" altLang="zh-TW" sz="1300" b="0" i="0" u="none" strike="noStrike" cap="none" normalizeH="0" baseline="0" dirty="0">
+                <a:ln>
+                  <a:noFill/>
+                </a:ln>
+                <a:solidFill>
+                  <a:srgbClr val="6AAB73"/>
+                </a:solidFill>
+                <a:effectLst/>
+                <a:latin typeface="Arial Unicode MS"/>
+                <a:ea typeface="JetBrains Mono"/>
+              </a:rPr>
+              <a:t>="true" </a:t>
+            </a:r>
+            <a:r>
+              <a:rPr kumimoji="0" lang="zh-TW" altLang="zh-TW" sz="1300" b="0" i="0" u="none" strike="noStrike" cap="none" normalizeH="0" baseline="0" dirty="0">
+                <a:ln>
+                  <a:noFill/>
+                </a:ln>
+                <a:solidFill>
+                  <a:srgbClr val="D5B778"/>
+                </a:solidFill>
+                <a:effectLst/>
+                <a:latin typeface="Arial Unicode MS"/>
+                <a:ea typeface="JetBrains Mono"/>
+              </a:rPr>
+              <a:t>/&gt;</a:t>
+            </a:r>
+            <a:br>
+              <a:rPr kumimoji="0" lang="zh-TW" altLang="zh-TW" sz="1300" b="0" i="0" u="none" strike="noStrike" cap="none" normalizeH="0" baseline="0" dirty="0">
+                <a:ln>
+                  <a:noFill/>
+                </a:ln>
+                <a:solidFill>
+                  <a:srgbClr val="D5B778"/>
+                </a:solidFill>
+                <a:effectLst/>
+                <a:latin typeface="Arial Unicode MS"/>
+                <a:ea typeface="JetBrains Mono"/>
+              </a:rPr>
+            </a:br>
+            <a:r>
+              <a:rPr kumimoji="0" lang="zh-TW" altLang="zh-TW" sz="1300" b="0" i="0" u="none" strike="noStrike" cap="none" normalizeH="0" baseline="0" dirty="0">
+                <a:ln>
+                  <a:noFill/>
+                </a:ln>
+                <a:solidFill>
+                  <a:srgbClr val="D5B778"/>
+                </a:solidFill>
+                <a:effectLst/>
+                <a:latin typeface="Arial Unicode MS"/>
+                <a:ea typeface="JetBrains Mono"/>
+              </a:rPr>
+              <a:t>&lt;/network-security-config&gt;</a:t>
+            </a:r>
+            <a:endParaRPr kumimoji="0" lang="zh-TW" altLang="zh-TW" sz="1300" b="0" i="0" u="none" strike="noStrike" cap="none" normalizeH="0" baseline="0" dirty="0">
+              <a:ln>
+                <a:noFill/>
+              </a:ln>
+              <a:solidFill>
+                <a:schemeClr val="tx1"/>
+              </a:solidFill>
+              <a:effectLst/>
+              <a:latin typeface="Arial" panose="020B0604020202020204" pitchFamily="34" charset="0"/>
+            </a:endParaRPr>
           </a:p>
         </p:txBody>
       </p:sp>
       <p:pic>
         <p:nvPicPr>
-          <p:cNvPr id="3" name="圖片 2"/>
+          <p:cNvPr id="18" name="圖片 17">
+            <a:extLst>
+              <a:ext uri="{FF2B5EF4-FFF2-40B4-BE49-F238E27FC236}">
+                <a16:creationId xmlns:a16="http://schemas.microsoft.com/office/drawing/2014/main" id="{A9028A5D-A691-4E0C-B089-0A75520D6F70}"/>
+              </a:ext>
+            </a:extLst>
+          </p:cNvPr>
           <p:cNvPicPr>
             <a:picLocks noChangeAspect="1"/>
           </p:cNvPicPr>
@@ -12434,18 +13038,54 @@
         </p:blipFill>
         <p:spPr>
           <a:xfrm>
-            <a:off x="201923" y="560554"/>
-            <a:ext cx="11293391" cy="6152545"/>
+            <a:off x="0" y="461224"/>
+            <a:ext cx="11629505" cy="6237233"/>
           </a:xfrm>
           <a:prstGeom prst="rect">
             <a:avLst/>
           </a:prstGeom>
         </p:spPr>
       </p:pic>
+      <p:sp>
+        <p:nvSpPr>
+          <p:cNvPr id="19" name="文字方塊 18">
+            <a:extLst>
+              <a:ext uri="{FF2B5EF4-FFF2-40B4-BE49-F238E27FC236}">
+                <a16:creationId xmlns:a16="http://schemas.microsoft.com/office/drawing/2014/main" id="{A3024209-5990-4C88-8EBA-D5F52962AA93}"/>
+              </a:ext>
+            </a:extLst>
+          </p:cNvPr>
+          <p:cNvSpPr txBox="1"/>
+          <p:nvPr/>
+        </p:nvSpPr>
+        <p:spPr>
+          <a:xfrm>
+            <a:off x="7049192" y="3673463"/>
+            <a:ext cx="5142808" cy="369332"/>
+          </a:xfrm>
+          <a:prstGeom prst="rect">
+            <a:avLst/>
+          </a:prstGeom>
+          <a:noFill/>
+        </p:spPr>
+        <p:txBody>
+          <a:bodyPr wrap="square" rtlCol="0">
+            <a:spAutoFit/>
+          </a:bodyPr>
+          <a:lstStyle/>
+          <a:p>
+            <a:r>
+              <a:rPr lang="en-US" altLang="zh-TW" dirty="0"/>
+              <a:t>‘network_security_config.xml’ is network permission.</a:t>
+            </a:r>
+            <a:endParaRPr lang="zh-TW" altLang="en-US" dirty="0"/>
+          </a:p>
+        </p:txBody>
+      </p:sp>
     </p:spTree>
     <p:extLst>
       <p:ext uri="{BB962C8B-B14F-4D97-AF65-F5344CB8AC3E}">
-        <p14:creationId xmlns:p14="http://schemas.microsoft.com/office/powerpoint/2010/main" val="2387746813"/>
+        <p14:creationId xmlns:p14="http://schemas.microsoft.com/office/powerpoint/2010/main" val="287956953"/>
       </p:ext>
     </p:extLst>
   </p:cSld>
@@ -12472,9 +13112,45 @@
           <a:chExt cx="0" cy="0"/>
         </a:xfrm>
       </p:grpSpPr>
+      <p:sp>
+        <p:nvSpPr>
+          <p:cNvPr id="2" name="標題 1"/>
+          <p:cNvSpPr>
+            <a:spLocks noGrp="1"/>
+          </p:cNvSpPr>
+          <p:nvPr>
+            <p:ph type="title"/>
+          </p:nvPr>
+        </p:nvSpPr>
+        <p:spPr>
+          <a:xfrm>
+            <a:off x="0" y="0"/>
+            <a:ext cx="5012575" cy="452927"/>
+          </a:xfrm>
+        </p:spPr>
+        <p:txBody>
+          <a:bodyPr>
+            <a:normAutofit fontScale="90000"/>
+          </a:bodyPr>
+          <a:lstStyle/>
+          <a:p>
+            <a:r>
+              <a:rPr lang="en-US" altLang="zh-TW" dirty="0"/>
+              <a:t>5. Check ‘volley’ plugin</a:t>
+            </a:r>
+            <a:endParaRPr lang="zh-TW" altLang="en-US" dirty="0"/>
+          </a:p>
+        </p:txBody>
+      </p:sp>
       <p:pic>
         <p:nvPicPr>
-          <p:cNvPr id="4" name="圖片 3"/>
+          <p:cNvPr id="10" name="圖片 9">
+            <a:extLst>
+              <a:ext uri="{FF2B5EF4-FFF2-40B4-BE49-F238E27FC236}">
+                <a16:creationId xmlns:a16="http://schemas.microsoft.com/office/drawing/2014/main" id="{11A19E58-CCC2-46DD-9693-0AB5584B5946}"/>
+              </a:ext>
+            </a:extLst>
+          </p:cNvPr>
           <p:cNvPicPr>
             <a:picLocks noChangeAspect="1"/>
           </p:cNvPicPr>
@@ -12488,18 +13164,714 @@
         </p:blipFill>
         <p:spPr>
           <a:xfrm>
-            <a:off x="85725" y="536574"/>
-            <a:ext cx="12014277" cy="5921376"/>
+            <a:off x="0" y="1868303"/>
+            <a:ext cx="12192000" cy="4698408"/>
           </a:xfrm>
           <a:prstGeom prst="rect">
             <a:avLst/>
           </a:prstGeom>
         </p:spPr>
       </p:pic>
+      <p:sp>
+        <p:nvSpPr>
+          <p:cNvPr id="12" name="文字方塊 11">
+            <a:extLst>
+              <a:ext uri="{FF2B5EF4-FFF2-40B4-BE49-F238E27FC236}">
+                <a16:creationId xmlns:a16="http://schemas.microsoft.com/office/drawing/2014/main" id="{4215CB9E-936C-4E6F-B487-873AF222E6C4}"/>
+              </a:ext>
+            </a:extLst>
+          </p:cNvPr>
+          <p:cNvSpPr txBox="1"/>
+          <p:nvPr/>
+        </p:nvSpPr>
+        <p:spPr>
+          <a:xfrm>
+            <a:off x="1504605" y="773175"/>
+            <a:ext cx="10332719" cy="369332"/>
+          </a:xfrm>
+          <a:prstGeom prst="rect">
+            <a:avLst/>
+          </a:prstGeom>
+          <a:noFill/>
+        </p:spPr>
+        <p:txBody>
+          <a:bodyPr wrap="square" rtlCol="0">
+            <a:spAutoFit/>
+          </a:bodyPr>
+          <a:lstStyle/>
+          <a:p>
+            <a:r>
+              <a:rPr lang="en-US" altLang="zh-TW" dirty="0"/>
+              <a:t>‘</a:t>
+            </a:r>
+            <a:r>
+              <a:rPr lang="en-US" altLang="zh-TW" dirty="0" err="1"/>
+              <a:t>Build.gradle.kts</a:t>
+            </a:r>
+            <a:r>
+              <a:rPr lang="en-US" altLang="zh-TW" dirty="0"/>
+              <a:t>’ is libraries dependency edit.                 ‘</a:t>
+            </a:r>
+            <a:r>
+              <a:rPr lang="en-US" altLang="zh-TW" dirty="0" err="1"/>
+              <a:t>local.properties</a:t>
+            </a:r>
+            <a:r>
+              <a:rPr lang="en-US" altLang="zh-TW" dirty="0"/>
+              <a:t>’ is libraries import and version edit.</a:t>
+            </a:r>
+            <a:endParaRPr lang="zh-TW" altLang="en-US" dirty="0"/>
+          </a:p>
+        </p:txBody>
+      </p:sp>
+      <p:sp>
+        <p:nvSpPr>
+          <p:cNvPr id="14" name="Rectangle 2">
+            <a:extLst>
+              <a:ext uri="{FF2B5EF4-FFF2-40B4-BE49-F238E27FC236}">
+                <a16:creationId xmlns:a16="http://schemas.microsoft.com/office/drawing/2014/main" id="{1DA1DEC1-B873-460E-B9B2-1B88AD5142DF}"/>
+              </a:ext>
+            </a:extLst>
+          </p:cNvPr>
+          <p:cNvSpPr>
+            <a:spLocks noChangeArrowheads="1"/>
+          </p:cNvSpPr>
+          <p:nvPr/>
+        </p:nvSpPr>
+        <p:spPr bwMode="auto">
+          <a:xfrm>
+            <a:off x="2252749" y="1455241"/>
+            <a:ext cx="2643447" cy="323165"/>
+          </a:xfrm>
+          <a:prstGeom prst="rect">
+            <a:avLst/>
+          </a:prstGeom>
+          <a:solidFill>
+            <a:srgbClr val="1E1F22"/>
+          </a:solidFill>
+          <a:ln>
+            <a:noFill/>
+          </a:ln>
+          <a:effectLst/>
+          <a:extLst>
+            <a:ext uri="{91240B29-F687-4F45-9708-019B960494DF}">
+              <a14:hiddenLine xmlns:a14="http://schemas.microsoft.com/office/drawing/2010/main" w="9525">
+                <a:solidFill>
+                  <a:schemeClr val="tx1"/>
+                </a:solidFill>
+                <a:miter lim="800000"/>
+                <a:headEnd/>
+                <a:tailEnd/>
+              </a14:hiddenLine>
+            </a:ext>
+            <a:ext uri="{AF507438-7753-43E0-B8FC-AC1667EBCBE1}">
+              <a14:hiddenEffects xmlns:a14="http://schemas.microsoft.com/office/drawing/2010/main">
+                <a:effectLst>
+                  <a:outerShdw dist="35921" dir="2700000" algn="ctr" rotWithShape="0">
+                    <a:schemeClr val="bg2"/>
+                  </a:outerShdw>
+                </a:effectLst>
+              </a14:hiddenEffects>
+            </a:ext>
+          </a:extLst>
+        </p:spPr>
+        <p:txBody>
+          <a:bodyPr vert="horz" wrap="square" lIns="91440" tIns="45720" rIns="91440" bIns="45720" numCol="1" anchor="ctr" anchorCtr="0" compatLnSpc="1">
+            <a:prstTxWarp prst="textNoShape">
+              <a:avLst/>
+            </a:prstTxWarp>
+            <a:spAutoFit/>
+          </a:bodyPr>
+          <a:lstStyle/>
+          <a:p>
+            <a:pPr marL="0" marR="0" lvl="0" indent="0" algn="l" defTabSz="914400" rtl="0" eaLnBrk="0" fontAlgn="base" latinLnBrk="0" hangingPunct="0">
+              <a:lnSpc>
+                <a:spcPct val="100000"/>
+              </a:lnSpc>
+              <a:spcBef>
+                <a:spcPct val="0"/>
+              </a:spcBef>
+              <a:spcAft>
+                <a:spcPct val="0"/>
+              </a:spcAft>
+              <a:buClrTx/>
+              <a:buSzTx/>
+              <a:buFontTx/>
+              <a:buNone/>
+              <a:tabLst/>
+            </a:pPr>
+            <a:r>
+              <a:rPr kumimoji="0" lang="zh-TW" altLang="zh-TW" sz="1500" b="0" i="1" u="none" strike="noStrike" cap="none" normalizeH="0" baseline="0" dirty="0">
+                <a:ln>
+                  <a:noFill/>
+                </a:ln>
+                <a:solidFill>
+                  <a:srgbClr val="57AAF7"/>
+                </a:solidFill>
+                <a:effectLst/>
+                <a:latin typeface="Arial Unicode MS"/>
+                <a:ea typeface="JetBrains Mono"/>
+              </a:rPr>
+              <a:t>implementation</a:t>
+            </a:r>
+            <a:r>
+              <a:rPr kumimoji="0" lang="zh-TW" altLang="zh-TW" sz="1500" b="0" i="0" u="none" strike="noStrike" cap="none" normalizeH="0" baseline="0" dirty="0">
+                <a:ln>
+                  <a:noFill/>
+                </a:ln>
+                <a:solidFill>
+                  <a:srgbClr val="BCBEC4"/>
+                </a:solidFill>
+                <a:effectLst/>
+                <a:latin typeface="Arial Unicode MS"/>
+                <a:ea typeface="JetBrains Mono"/>
+              </a:rPr>
+              <a:t>(</a:t>
+            </a:r>
+            <a:r>
+              <a:rPr kumimoji="0" lang="zh-TW" altLang="zh-TW" sz="1500" b="0" i="1" u="none" strike="noStrike" cap="none" normalizeH="0" baseline="0" dirty="0">
+                <a:ln>
+                  <a:noFill/>
+                </a:ln>
+                <a:solidFill>
+                  <a:srgbClr val="C77DBB"/>
+                </a:solidFill>
+                <a:effectLst/>
+                <a:latin typeface="Arial Unicode MS"/>
+                <a:ea typeface="JetBrains Mono"/>
+              </a:rPr>
+              <a:t>libs</a:t>
+            </a:r>
+            <a:r>
+              <a:rPr kumimoji="0" lang="zh-TW" altLang="zh-TW" sz="1500" b="0" i="0" u="none" strike="noStrike" cap="none" normalizeH="0" baseline="0" dirty="0">
+                <a:ln>
+                  <a:noFill/>
+                </a:ln>
+                <a:solidFill>
+                  <a:srgbClr val="BCBEC4"/>
+                </a:solidFill>
+                <a:effectLst/>
+                <a:latin typeface="Arial Unicode MS"/>
+                <a:ea typeface="JetBrains Mono"/>
+              </a:rPr>
+              <a:t>.</a:t>
+            </a:r>
+            <a:r>
+              <a:rPr kumimoji="0" lang="zh-TW" altLang="zh-TW" sz="1500" b="0" i="1" u="none" strike="noStrike" cap="none" normalizeH="0" baseline="0" dirty="0">
+                <a:ln>
+                  <a:noFill/>
+                </a:ln>
+                <a:solidFill>
+                  <a:srgbClr val="C77DBB"/>
+                </a:solidFill>
+                <a:effectLst/>
+                <a:latin typeface="Arial Unicode MS"/>
+                <a:ea typeface="JetBrains Mono"/>
+              </a:rPr>
+              <a:t>volley</a:t>
+            </a:r>
+            <a:r>
+              <a:rPr kumimoji="0" lang="zh-TW" altLang="zh-TW" sz="1500" b="0" i="0" u="none" strike="noStrike" cap="none" normalizeH="0" baseline="0" dirty="0">
+                <a:ln>
+                  <a:noFill/>
+                </a:ln>
+                <a:solidFill>
+                  <a:srgbClr val="BCBEC4"/>
+                </a:solidFill>
+                <a:effectLst/>
+                <a:latin typeface="Arial Unicode MS"/>
+                <a:ea typeface="JetBrains Mono"/>
+              </a:rPr>
+              <a:t>)</a:t>
+            </a:r>
+            <a:endParaRPr kumimoji="0" lang="zh-TW" altLang="zh-TW" sz="1800" b="0" i="0" u="none" strike="noStrike" cap="none" normalizeH="0" baseline="0" dirty="0">
+              <a:ln>
+                <a:noFill/>
+              </a:ln>
+              <a:solidFill>
+                <a:schemeClr val="tx1"/>
+              </a:solidFill>
+              <a:effectLst/>
+              <a:latin typeface="Arial" panose="020B0604020202020204" pitchFamily="34" charset="0"/>
+            </a:endParaRPr>
+          </a:p>
+        </p:txBody>
+      </p:sp>
+      <p:sp>
+        <p:nvSpPr>
+          <p:cNvPr id="15" name="Rectangle 3">
+            <a:extLst>
+              <a:ext uri="{FF2B5EF4-FFF2-40B4-BE49-F238E27FC236}">
+                <a16:creationId xmlns:a16="http://schemas.microsoft.com/office/drawing/2014/main" id="{9BE71333-90A4-4CE4-AB4B-21F7E79587F0}"/>
+              </a:ext>
+            </a:extLst>
+          </p:cNvPr>
+          <p:cNvSpPr>
+            <a:spLocks noChangeArrowheads="1"/>
+          </p:cNvSpPr>
+          <p:nvPr/>
+        </p:nvSpPr>
+        <p:spPr bwMode="auto">
+          <a:xfrm>
+            <a:off x="5608320" y="1455240"/>
+            <a:ext cx="6517178" cy="323165"/>
+          </a:xfrm>
+          <a:prstGeom prst="rect">
+            <a:avLst/>
+          </a:prstGeom>
+          <a:solidFill>
+            <a:srgbClr val="1E1F22"/>
+          </a:solidFill>
+          <a:ln>
+            <a:noFill/>
+          </a:ln>
+          <a:effectLst/>
+          <a:extLst>
+            <a:ext uri="{91240B29-F687-4F45-9708-019B960494DF}">
+              <a14:hiddenLine xmlns:a14="http://schemas.microsoft.com/office/drawing/2010/main" w="9525">
+                <a:solidFill>
+                  <a:schemeClr val="tx1"/>
+                </a:solidFill>
+                <a:miter lim="800000"/>
+                <a:headEnd/>
+                <a:tailEnd/>
+              </a14:hiddenLine>
+            </a:ext>
+            <a:ext uri="{AF507438-7753-43E0-B8FC-AC1667EBCBE1}">
+              <a14:hiddenEffects xmlns:a14="http://schemas.microsoft.com/office/drawing/2010/main">
+                <a:effectLst>
+                  <a:outerShdw dist="35921" dir="2700000" algn="ctr" rotWithShape="0">
+                    <a:schemeClr val="bg2"/>
+                  </a:outerShdw>
+                </a:effectLst>
+              </a14:hiddenEffects>
+            </a:ext>
+          </a:extLst>
+        </p:spPr>
+        <p:txBody>
+          <a:bodyPr vert="horz" wrap="square" lIns="91440" tIns="45720" rIns="91440" bIns="45720" numCol="1" anchor="ctr" anchorCtr="0" compatLnSpc="1">
+            <a:prstTxWarp prst="textNoShape">
+              <a:avLst/>
+            </a:prstTxWarp>
+            <a:spAutoFit/>
+          </a:bodyPr>
+          <a:lstStyle/>
+          <a:p>
+            <a:pPr marL="0" marR="0" lvl="0" indent="0" algn="l" defTabSz="914400" rtl="0" eaLnBrk="0" fontAlgn="base" latinLnBrk="0" hangingPunct="0">
+              <a:lnSpc>
+                <a:spcPct val="100000"/>
+              </a:lnSpc>
+              <a:spcBef>
+                <a:spcPct val="0"/>
+              </a:spcBef>
+              <a:spcAft>
+                <a:spcPct val="0"/>
+              </a:spcAft>
+              <a:buClrTx/>
+              <a:buSzTx/>
+              <a:buFontTx/>
+              <a:buNone/>
+              <a:tabLst/>
+            </a:pPr>
+            <a:r>
+              <a:rPr kumimoji="0" lang="zh-TW" altLang="zh-TW" sz="1500" b="0" i="0" u="none" strike="noStrike" cap="none" normalizeH="0" baseline="0">
+                <a:ln>
+                  <a:noFill/>
+                </a:ln>
+                <a:solidFill>
+                  <a:srgbClr val="CF8E6D"/>
+                </a:solidFill>
+                <a:effectLst/>
+                <a:latin typeface="Arial Unicode MS"/>
+                <a:ea typeface="JetBrains Mono"/>
+              </a:rPr>
+              <a:t>volley </a:t>
+            </a:r>
+            <a:r>
+              <a:rPr kumimoji="0" lang="zh-TW" altLang="zh-TW" sz="1500" b="0" i="0" u="none" strike="noStrike" cap="none" normalizeH="0" baseline="0">
+                <a:ln>
+                  <a:noFill/>
+                </a:ln>
+                <a:solidFill>
+                  <a:srgbClr val="BCBEC4"/>
+                </a:solidFill>
+                <a:effectLst/>
+                <a:latin typeface="Arial Unicode MS"/>
+                <a:ea typeface="JetBrains Mono"/>
+              </a:rPr>
+              <a:t>= { </a:t>
+            </a:r>
+            <a:r>
+              <a:rPr kumimoji="0" lang="zh-TW" altLang="zh-TW" sz="1500" b="0" i="0" u="none" strike="noStrike" cap="none" normalizeH="0" baseline="0">
+                <a:ln>
+                  <a:noFill/>
+                </a:ln>
+                <a:solidFill>
+                  <a:srgbClr val="CF8E6D"/>
+                </a:solidFill>
+                <a:effectLst/>
+                <a:latin typeface="Arial Unicode MS"/>
+                <a:ea typeface="JetBrains Mono"/>
+              </a:rPr>
+              <a:t>group </a:t>
+            </a:r>
+            <a:r>
+              <a:rPr kumimoji="0" lang="zh-TW" altLang="zh-TW" sz="1500" b="0" i="0" u="none" strike="noStrike" cap="none" normalizeH="0" baseline="0">
+                <a:ln>
+                  <a:noFill/>
+                </a:ln>
+                <a:solidFill>
+                  <a:srgbClr val="BCBEC4"/>
+                </a:solidFill>
+                <a:effectLst/>
+                <a:latin typeface="Arial Unicode MS"/>
+                <a:ea typeface="JetBrains Mono"/>
+              </a:rPr>
+              <a:t>= </a:t>
+            </a:r>
+            <a:r>
+              <a:rPr kumimoji="0" lang="zh-TW" altLang="zh-TW" sz="1500" b="0" i="0" u="none" strike="noStrike" cap="none" normalizeH="0" baseline="0">
+                <a:ln>
+                  <a:noFill/>
+                </a:ln>
+                <a:solidFill>
+                  <a:srgbClr val="6AAB73"/>
+                </a:solidFill>
+                <a:effectLst/>
+                <a:latin typeface="Arial Unicode MS"/>
+                <a:ea typeface="JetBrains Mono"/>
+              </a:rPr>
+              <a:t>"com.android.volley"</a:t>
+            </a:r>
+            <a:r>
+              <a:rPr kumimoji="0" lang="zh-TW" altLang="zh-TW" sz="1500" b="0" i="0" u="none" strike="noStrike" cap="none" normalizeH="0" baseline="0">
+                <a:ln>
+                  <a:noFill/>
+                </a:ln>
+                <a:solidFill>
+                  <a:srgbClr val="BCBEC4"/>
+                </a:solidFill>
+                <a:effectLst/>
+                <a:latin typeface="Arial Unicode MS"/>
+                <a:ea typeface="JetBrains Mono"/>
+              </a:rPr>
+              <a:t>, </a:t>
+            </a:r>
+            <a:r>
+              <a:rPr kumimoji="0" lang="zh-TW" altLang="zh-TW" sz="1500" b="0" i="0" u="none" strike="noStrike" cap="none" normalizeH="0" baseline="0">
+                <a:ln>
+                  <a:noFill/>
+                </a:ln>
+                <a:solidFill>
+                  <a:srgbClr val="CF8E6D"/>
+                </a:solidFill>
+                <a:effectLst/>
+                <a:latin typeface="Arial Unicode MS"/>
+                <a:ea typeface="JetBrains Mono"/>
+              </a:rPr>
+              <a:t>name </a:t>
+            </a:r>
+            <a:r>
+              <a:rPr kumimoji="0" lang="zh-TW" altLang="zh-TW" sz="1500" b="0" i="0" u="none" strike="noStrike" cap="none" normalizeH="0" baseline="0">
+                <a:ln>
+                  <a:noFill/>
+                </a:ln>
+                <a:solidFill>
+                  <a:srgbClr val="BCBEC4"/>
+                </a:solidFill>
+                <a:effectLst/>
+                <a:latin typeface="Arial Unicode MS"/>
+                <a:ea typeface="JetBrains Mono"/>
+              </a:rPr>
+              <a:t>= </a:t>
+            </a:r>
+            <a:r>
+              <a:rPr kumimoji="0" lang="zh-TW" altLang="zh-TW" sz="1500" b="0" i="0" u="none" strike="noStrike" cap="none" normalizeH="0" baseline="0">
+                <a:ln>
+                  <a:noFill/>
+                </a:ln>
+                <a:solidFill>
+                  <a:srgbClr val="6AAB73"/>
+                </a:solidFill>
+                <a:effectLst/>
+                <a:latin typeface="Arial Unicode MS"/>
+                <a:ea typeface="JetBrains Mono"/>
+              </a:rPr>
+              <a:t>"volley"</a:t>
+            </a:r>
+            <a:r>
+              <a:rPr kumimoji="0" lang="zh-TW" altLang="zh-TW" sz="1500" b="0" i="0" u="none" strike="noStrike" cap="none" normalizeH="0" baseline="0">
+                <a:ln>
+                  <a:noFill/>
+                </a:ln>
+                <a:solidFill>
+                  <a:srgbClr val="BCBEC4"/>
+                </a:solidFill>
+                <a:effectLst/>
+                <a:latin typeface="Arial Unicode MS"/>
+                <a:ea typeface="JetBrains Mono"/>
+              </a:rPr>
+              <a:t>, </a:t>
+            </a:r>
+            <a:r>
+              <a:rPr kumimoji="0" lang="zh-TW" altLang="zh-TW" sz="1500" b="0" i="0" u="none" strike="noStrike" cap="none" normalizeH="0" baseline="0">
+                <a:ln>
+                  <a:noFill/>
+                </a:ln>
+                <a:solidFill>
+                  <a:srgbClr val="CF8E6D"/>
+                </a:solidFill>
+                <a:effectLst/>
+                <a:latin typeface="Arial Unicode MS"/>
+                <a:ea typeface="JetBrains Mono"/>
+              </a:rPr>
+              <a:t>version </a:t>
+            </a:r>
+            <a:r>
+              <a:rPr kumimoji="0" lang="zh-TW" altLang="zh-TW" sz="1500" b="0" i="0" u="none" strike="noStrike" cap="none" normalizeH="0" baseline="0">
+                <a:ln>
+                  <a:noFill/>
+                </a:ln>
+                <a:solidFill>
+                  <a:srgbClr val="BCBEC4"/>
+                </a:solidFill>
+                <a:effectLst/>
+                <a:latin typeface="Arial Unicode MS"/>
+                <a:ea typeface="JetBrains Mono"/>
+              </a:rPr>
+              <a:t>= </a:t>
+            </a:r>
+            <a:r>
+              <a:rPr kumimoji="0" lang="zh-TW" altLang="zh-TW" sz="1500" b="0" i="0" u="none" strike="noStrike" cap="none" normalizeH="0" baseline="0">
+                <a:ln>
+                  <a:noFill/>
+                </a:ln>
+                <a:solidFill>
+                  <a:srgbClr val="6AAB73"/>
+                </a:solidFill>
+                <a:effectLst/>
+                <a:latin typeface="Arial Unicode MS"/>
+                <a:ea typeface="JetBrains Mono"/>
+              </a:rPr>
+              <a:t>"1.2.1" </a:t>
+            </a:r>
+            <a:r>
+              <a:rPr kumimoji="0" lang="zh-TW" altLang="zh-TW" sz="1500" b="0" i="0" u="none" strike="noStrike" cap="none" normalizeH="0" baseline="0">
+                <a:ln>
+                  <a:noFill/>
+                </a:ln>
+                <a:solidFill>
+                  <a:srgbClr val="BCBEC4"/>
+                </a:solidFill>
+                <a:effectLst/>
+                <a:latin typeface="Arial Unicode MS"/>
+                <a:ea typeface="JetBrains Mono"/>
+              </a:rPr>
+              <a:t>}</a:t>
+            </a:r>
+            <a:endParaRPr kumimoji="0" lang="zh-TW" altLang="zh-TW" sz="1800" b="0" i="0" u="none" strike="noStrike" cap="none" normalizeH="0" baseline="0">
+              <a:ln>
+                <a:noFill/>
+              </a:ln>
+              <a:solidFill>
+                <a:schemeClr val="tx1"/>
+              </a:solidFill>
+              <a:effectLst/>
+              <a:latin typeface="Arial" panose="020B0604020202020204" pitchFamily="34" charset="0"/>
+            </a:endParaRPr>
+          </a:p>
+        </p:txBody>
+      </p:sp>
+      <p:sp>
+        <p:nvSpPr>
+          <p:cNvPr id="20" name="文字方塊 19">
+            <a:extLst>
+              <a:ext uri="{FF2B5EF4-FFF2-40B4-BE49-F238E27FC236}">
+                <a16:creationId xmlns:a16="http://schemas.microsoft.com/office/drawing/2014/main" id="{1F155634-8EA2-4588-B391-2F1330AEF2D8}"/>
+              </a:ext>
+            </a:extLst>
+          </p:cNvPr>
+          <p:cNvSpPr txBox="1"/>
+          <p:nvPr/>
+        </p:nvSpPr>
+        <p:spPr>
+          <a:xfrm>
+            <a:off x="4896196" y="128544"/>
+            <a:ext cx="6957751" cy="369332"/>
+          </a:xfrm>
+          <a:prstGeom prst="rect">
+            <a:avLst/>
+          </a:prstGeom>
+          <a:noFill/>
+        </p:spPr>
+        <p:txBody>
+          <a:bodyPr wrap="square" rtlCol="0">
+            <a:spAutoFit/>
+          </a:bodyPr>
+          <a:lstStyle/>
+          <a:p>
+            <a:r>
+              <a:rPr lang="en-US" altLang="zh-TW" dirty="0"/>
+              <a:t>‘</a:t>
+            </a:r>
+            <a:r>
+              <a:rPr lang="en-US" altLang="zh-TW" dirty="0" err="1"/>
+              <a:t>Volloy</a:t>
+            </a:r>
+            <a:r>
+              <a:rPr lang="en-US" altLang="zh-TW" dirty="0"/>
+              <a:t>’ is a TCP request method unique at Android.</a:t>
+            </a:r>
+            <a:endParaRPr lang="zh-TW" altLang="en-US" dirty="0"/>
+          </a:p>
+        </p:txBody>
+      </p:sp>
     </p:spTree>
     <p:extLst>
       <p:ext uri="{BB962C8B-B14F-4D97-AF65-F5344CB8AC3E}">
-        <p14:creationId xmlns:p14="http://schemas.microsoft.com/office/powerpoint/2010/main" val="2424598206"/>
+        <p14:creationId xmlns:p14="http://schemas.microsoft.com/office/powerpoint/2010/main" val="1511894156"/>
+      </p:ext>
+    </p:extLst>
+  </p:cSld>
+  <p:clrMapOvr>
+    <a:masterClrMapping/>
+  </p:clrMapOvr>
+</p:sld>
+</file>
+
+<file path=ppt/slides/slide8.xml><?xml version="1.0" encoding="utf-8"?>
+<p:sld xmlns:a="http://schemas.openxmlformats.org/drawingml/2006/main" xmlns:r="http://schemas.openxmlformats.org/officeDocument/2006/relationships" xmlns:p="http://schemas.openxmlformats.org/presentationml/2006/main">
+  <p:cSld>
+    <p:spTree>
+      <p:nvGrpSpPr>
+        <p:cNvPr id="1" name=""/>
+        <p:cNvGrpSpPr/>
+        <p:nvPr/>
+      </p:nvGrpSpPr>
+      <p:grpSpPr>
+        <a:xfrm>
+          <a:off x="0" y="0"/>
+          <a:ext cx="0" cy="0"/>
+          <a:chOff x="0" y="0"/>
+          <a:chExt cx="0" cy="0"/>
+        </a:xfrm>
+      </p:grpSpPr>
+      <p:sp>
+        <p:nvSpPr>
+          <p:cNvPr id="2" name="標題 1"/>
+          <p:cNvSpPr>
+            <a:spLocks noGrp="1"/>
+          </p:cNvSpPr>
+          <p:nvPr>
+            <p:ph type="title"/>
+          </p:nvPr>
+        </p:nvSpPr>
+        <p:spPr>
+          <a:xfrm>
+            <a:off x="0" y="0"/>
+            <a:ext cx="10515600" cy="452927"/>
+          </a:xfrm>
+        </p:spPr>
+        <p:txBody>
+          <a:bodyPr>
+            <a:normAutofit fontScale="90000"/>
+          </a:bodyPr>
+          <a:lstStyle/>
+          <a:p>
+            <a:r>
+              <a:rPr lang="en-US" altLang="zh-TW" dirty="0"/>
+              <a:t>6. Run App</a:t>
+            </a:r>
+            <a:endParaRPr lang="zh-TW" altLang="en-US" dirty="0"/>
+          </a:p>
+        </p:txBody>
+      </p:sp>
+      <p:pic>
+        <p:nvPicPr>
+          <p:cNvPr id="16" name="圖片 15">
+            <a:extLst>
+              <a:ext uri="{FF2B5EF4-FFF2-40B4-BE49-F238E27FC236}">
+                <a16:creationId xmlns:a16="http://schemas.microsoft.com/office/drawing/2014/main" id="{668EEBA7-A0F0-416B-BA5C-7E6F325516A7}"/>
+              </a:ext>
+            </a:extLst>
+          </p:cNvPr>
+          <p:cNvPicPr>
+            <a:picLocks noChangeAspect="1"/>
+          </p:cNvPicPr>
+          <p:nvPr/>
+        </p:nvPicPr>
+        <p:blipFill>
+          <a:blip r:embed="rId2"/>
+          <a:stretch>
+            <a:fillRect/>
+          </a:stretch>
+        </p:blipFill>
+        <p:spPr>
+          <a:xfrm>
+            <a:off x="374072" y="545569"/>
+            <a:ext cx="11097491" cy="5924401"/>
+          </a:xfrm>
+          <a:prstGeom prst="rect">
+            <a:avLst/>
+          </a:prstGeom>
+        </p:spPr>
+      </p:pic>
+      <p:sp>
+        <p:nvSpPr>
+          <p:cNvPr id="17" name="文字方塊 16">
+            <a:extLst>
+              <a:ext uri="{FF2B5EF4-FFF2-40B4-BE49-F238E27FC236}">
+                <a16:creationId xmlns:a16="http://schemas.microsoft.com/office/drawing/2014/main" id="{52351CB3-ED5A-4E10-9398-0E842DE8B2C7}"/>
+              </a:ext>
+            </a:extLst>
+          </p:cNvPr>
+          <p:cNvSpPr txBox="1"/>
+          <p:nvPr/>
+        </p:nvSpPr>
+        <p:spPr>
+          <a:xfrm>
+            <a:off x="374072" y="6469970"/>
+            <a:ext cx="6999317" cy="369332"/>
+          </a:xfrm>
+          <a:prstGeom prst="rect">
+            <a:avLst/>
+          </a:prstGeom>
+          <a:noFill/>
+        </p:spPr>
+        <p:txBody>
+          <a:bodyPr wrap="square" rtlCol="0">
+            <a:spAutoFit/>
+          </a:bodyPr>
+          <a:lstStyle/>
+          <a:p>
+            <a:r>
+              <a:rPr lang="en-US" altLang="zh-TW" dirty="0"/>
+              <a:t>※Android device needs to </a:t>
+            </a:r>
+            <a:r>
+              <a:rPr lang="en-US" altLang="zh-TW" u="sng" dirty="0"/>
+              <a:t>enable developer options</a:t>
+            </a:r>
+            <a:r>
+              <a:rPr lang="en-US" altLang="zh-TW" dirty="0"/>
+              <a:t> and </a:t>
+            </a:r>
+            <a:r>
+              <a:rPr lang="en-US" altLang="zh-TW" u="sng" dirty="0"/>
+              <a:t>USB adapter</a:t>
+            </a:r>
+            <a:r>
+              <a:rPr lang="en-US" altLang="zh-TW" dirty="0"/>
+              <a:t>.</a:t>
+            </a:r>
+            <a:endParaRPr lang="zh-TW" altLang="en-US" dirty="0"/>
+          </a:p>
+        </p:txBody>
+      </p:sp>
+    </p:spTree>
+    <p:extLst>
+      <p:ext uri="{BB962C8B-B14F-4D97-AF65-F5344CB8AC3E}">
+        <p14:creationId xmlns:p14="http://schemas.microsoft.com/office/powerpoint/2010/main" val="4078717093"/>
       </p:ext>
     </p:extLst>
   </p:cSld>
